--- a/Slides/slides_trade_f14.pptx
+++ b/Slides/slides_trade_f14.pptx
@@ -231,7 +231,7 @@
   </p:defaultTextStyle>
   <p:extLst>
     <p:ext uri="{EFAFB233-063F-42B5-8137-9DF3F51BA10A}">
-      <p15:sldGuideLst xmlns:p15="http://schemas.microsoft.com/office/powerpoint/2012/main">
+      <p15:sldGuideLst xmlns:p15="http://schemas.microsoft.com/office/powerpoint/2012/main" xmlns="">
         <p15:guide id="1" orient="horz" pos="2160">
           <p15:clr>
             <a:srgbClr val="A4A3A4"/>
@@ -5291,7 +5291,7 @@
           <a:graphicData uri="http://schemas.openxmlformats.org/presentationml/2006/ole">
             <mc:AlternateContent xmlns:mc="http://schemas.openxmlformats.org/markup-compatibility/2006">
               <mc:Choice xmlns:v="urn:schemas-microsoft-com:vml" Requires="v">
-                <p:oleObj spid="_x0000_s16437" name="Chart" r:id="rId3" imgW="8220042" imgH="4533967" progId="MSGraph.Chart.8">
+                <p:oleObj spid="_x0000_s16438" name="Chart" r:id="rId3" imgW="8220042" imgH="4533967" progId="MSGraph.Chart.8">
                   <p:embed followColorScheme="full"/>
                 </p:oleObj>
               </mc:Choice>
@@ -5519,7 +5519,7 @@
           <a:graphicData uri="http://schemas.openxmlformats.org/presentationml/2006/ole">
             <mc:AlternateContent xmlns:mc="http://schemas.openxmlformats.org/markup-compatibility/2006">
               <mc:Choice xmlns:v="urn:schemas-microsoft-com:vml" Requires="v">
-                <p:oleObj spid="_x0000_s17461" name="Chart" r:id="rId3" imgW="8220042" imgH="4533967" progId="MSGraph.Chart.8">
+                <p:oleObj spid="_x0000_s17462" name="Chart" r:id="rId3" imgW="8220042" imgH="4533967" progId="MSGraph.Chart.8">
                   <p:embed followColorScheme="full"/>
                 </p:oleObj>
               </mc:Choice>
@@ -21660,7 +21660,7 @@
           <a:graphicData uri="http://schemas.openxmlformats.org/presentationml/2006/ole">
             <mc:AlternateContent xmlns:mc="http://schemas.openxmlformats.org/markup-compatibility/2006">
               <mc:Choice xmlns:v="urn:schemas-microsoft-com:vml" Requires="v">
-                <p:oleObj spid="_x0000_s47157" r:id="rId4" imgW="8230313" imgH="4828450" progId="Excel.Sheet.8">
+                <p:oleObj spid="_x0000_s47158" r:id="rId4" imgW="8230313" imgH="4828450" progId="Excel.Sheet.8">
                   <p:embed/>
                 </p:oleObj>
               </mc:Choice>
@@ -21961,7 +21961,7 @@
           <a:graphicData uri="http://schemas.openxmlformats.org/presentationml/2006/ole">
             <mc:AlternateContent xmlns:mc="http://schemas.openxmlformats.org/markup-compatibility/2006">
               <mc:Choice xmlns:v="urn:schemas-microsoft-com:vml" Requires="v">
-                <p:oleObj spid="_x0000_s48181" r:id="rId4" imgW="8230313" imgH="4828450" progId="Excel.Sheet.8">
+                <p:oleObj spid="_x0000_s48182" r:id="rId4" imgW="8230313" imgH="4828450" progId="Excel.Sheet.8">
                   <p:embed/>
                 </p:oleObj>
               </mc:Choice>
@@ -22232,7 +22232,7 @@
           <a:graphicData uri="http://schemas.openxmlformats.org/presentationml/2006/ole">
             <mc:AlternateContent xmlns:mc="http://schemas.openxmlformats.org/markup-compatibility/2006">
               <mc:Choice xmlns:v="urn:schemas-microsoft-com:vml" Requires="v">
-                <p:oleObj spid="_x0000_s49205" name="Chart" r:id="rId3" imgW="8229499" imgH="4524257" progId="MSGraph.Chart.8">
+                <p:oleObj spid="_x0000_s49206" name="Chart" r:id="rId3" imgW="8229499" imgH="4524257" progId="MSGraph.Chart.8">
                   <p:embed followColorScheme="full"/>
                 </p:oleObj>
               </mc:Choice>
@@ -24043,8 +24043,13 @@
             </a:pPr>
             <a:r>
               <a:rPr lang="en-US" sz="2000" dirty="0" smtClean="0"/>
-              <a:t>Cheese must be made with pasteurized milk or aged for 60 days</a:t>
-            </a:r>
+              <a:t>Cheese must be made with pasteurized milk or aged for 60 </a:t>
+            </a:r>
+            <a:r>
+              <a:rPr lang="en-US" sz="2000" dirty="0" smtClean="0"/>
+              <a:t>days</a:t>
+            </a:r>
+            <a:endParaRPr lang="en-US" sz="2400" dirty="0" smtClean="0"/>
           </a:p>
           <a:p>
             <a:pPr eaLnBrk="1" hangingPunct="1">
@@ -24057,7 +24062,11 @@
             </a:pPr>
             <a:r>
               <a:rPr lang="en-US" sz="2400" dirty="0" smtClean="0"/>
-              <a:t>Many countries ban genetically-modified rice </a:t>
+              <a:t>Many </a:t>
+            </a:r>
+            <a:r>
+              <a:rPr lang="en-US" sz="2400" dirty="0" smtClean="0"/>
+              <a:t>countries ban genetically-modified rice </a:t>
             </a:r>
           </a:p>
           <a:p>
@@ -24073,6 +24082,54 @@
               <a:rPr lang="en-US" sz="2000" dirty="0" smtClean="0"/>
               <a:t>Only approved for consumption in US, Canada </a:t>
             </a:r>
+            <a:endParaRPr lang="en-US" sz="2000" dirty="0" smtClean="0"/>
+          </a:p>
+          <a:p>
+            <a:pPr eaLnBrk="1" hangingPunct="1">
+              <a:lnSpc>
+                <a:spcPct val="90000"/>
+              </a:lnSpc>
+              <a:spcBef>
+                <a:spcPct val="50000"/>
+              </a:spcBef>
+            </a:pPr>
+            <a:r>
+              <a:rPr lang="en-US" sz="2400" dirty="0" smtClean="0"/>
+              <a:t>China bans US GMO corn</a:t>
+            </a:r>
+          </a:p>
+          <a:p>
+            <a:pPr eaLnBrk="1" hangingPunct="1">
+              <a:lnSpc>
+                <a:spcPct val="90000"/>
+              </a:lnSpc>
+              <a:spcBef>
+                <a:spcPct val="50000"/>
+              </a:spcBef>
+            </a:pPr>
+            <a:r>
+              <a:rPr lang="en-US" sz="2400">
+                <a:hlinkClick r:id="rId2"/>
+              </a:rPr>
+              <a:t>http</a:t>
+            </a:r>
+            <a:r>
+              <a:rPr lang="en-US" sz="2400">
+                <a:hlinkClick r:id="rId2"/>
+              </a:rPr>
+              <a:t>://</a:t>
+            </a:r>
+            <a:r>
+              <a:rPr lang="en-US" sz="2400" smtClean="0">
+                <a:hlinkClick r:id="rId2"/>
+              </a:rPr>
+              <a:t>www.chinalawblog.com/2014/08/hit-us-where-it-hurts-chinas-ban-on-u-s-agricultural-products-grows.html</a:t>
+            </a:r>
+            <a:r>
+              <a:rPr lang="en-US" sz="2400" smtClean="0"/>
+              <a:t> </a:t>
+            </a:r>
+            <a:endParaRPr lang="en-US" sz="2400" dirty="0" smtClean="0"/>
           </a:p>
         </p:txBody>
       </p:sp>
@@ -24379,7 +24436,7 @@
           <a:graphicData uri="http://schemas.openxmlformats.org/presentationml/2006/ole">
             <mc:AlternateContent xmlns:mc="http://schemas.openxmlformats.org/markup-compatibility/2006">
               <mc:Choice xmlns:v="urn:schemas-microsoft-com:vml" Requires="v">
-                <p:oleObj spid="_x0000_s14389" r:id="rId4" imgW="8230313" imgH="4828450" progId="Excel.Sheet.8">
+                <p:oleObj spid="_x0000_s14390" r:id="rId4" imgW="8230313" imgH="4828450" progId="Excel.Sheet.8">
                   <p:embed/>
                 </p:oleObj>
               </mc:Choice>
@@ -26459,7 +26516,7 @@
           <a:graphicData uri="http://schemas.openxmlformats.org/presentationml/2006/ole">
             <mc:AlternateContent xmlns:mc="http://schemas.openxmlformats.org/markup-compatibility/2006">
               <mc:Choice xmlns:v="urn:schemas-microsoft-com:vml" Requires="v">
-                <p:oleObj spid="_x0000_s15413" name="Chart" r:id="rId3" imgW="8229546" imgH="4526388" progId="MSGraph.Chart.8">
+                <p:oleObj spid="_x0000_s15414" name="Chart" r:id="rId3" imgW="8229546" imgH="4526388" progId="MSGraph.Chart.8">
                   <p:embed followColorScheme="full"/>
                 </p:oleObj>
               </mc:Choice>

--- a/Slides/slides_trade_f14.pptx
+++ b/Slides/slides_trade_f14.pptx
@@ -231,7 +231,7 @@
   </p:defaultTextStyle>
   <p:extLst>
     <p:ext uri="{EFAFB233-063F-42B5-8137-9DF3F51BA10A}">
-      <p15:sldGuideLst xmlns:p15="http://schemas.microsoft.com/office/powerpoint/2012/main" xmlns="">
+      <p15:sldGuideLst xmlns="" xmlns:p15="http://schemas.microsoft.com/office/powerpoint/2012/main">
         <p15:guide id="1" orient="horz" pos="2160">
           <p15:clr>
             <a:srgbClr val="A4A3A4"/>
@@ -5157,38 +5157,6 @@
       </p:sp>
       <p:pic>
         <p:nvPicPr>
-          <p:cNvPr id="3075" name="Picture 4" descr="Logo3"/>
-          <p:cNvPicPr>
-            <a:picLocks noChangeAspect="1" noChangeArrowheads="1"/>
-          </p:cNvPicPr>
-          <p:nvPr/>
-        </p:nvPicPr>
-        <p:blipFill>
-          <a:blip r:embed="rId3"/>
-          <a:srcRect/>
-          <a:stretch>
-            <a:fillRect/>
-          </a:stretch>
-        </p:blipFill>
-        <p:spPr bwMode="auto">
-          <a:xfrm>
-            <a:off x="4114800" y="6096000"/>
-            <a:ext cx="2209800" cy="465138"/>
-          </a:xfrm>
-          <a:prstGeom prst="rect">
-            <a:avLst/>
-          </a:prstGeom>
-          <a:noFill/>
-          <a:ln w="9525">
-            <a:noFill/>
-            <a:miter lim="800000"/>
-            <a:headEnd/>
-            <a:tailEnd/>
-          </a:ln>
-        </p:spPr>
-      </p:pic>
-      <p:pic>
-        <p:nvPicPr>
           <p:cNvPr id="4" name="Picture 3"/>
           <p:cNvPicPr>
             <a:picLocks noChangeAspect="1"/>
@@ -5196,7 +5164,7 @@
           <p:nvPr/>
         </p:nvPicPr>
         <p:blipFill>
-          <a:blip r:embed="rId4">
+          <a:blip r:embed="rId3">
             <a:extLst>
               <a:ext uri="{28A0092B-C50C-407E-A947-70E740481C1C}">
                 <a14:useLocalDpi xmlns:a14="http://schemas.microsoft.com/office/drawing/2010/main" val="0"/>
@@ -5291,7 +5259,7 @@
           <a:graphicData uri="http://schemas.openxmlformats.org/presentationml/2006/ole">
             <mc:AlternateContent xmlns:mc="http://schemas.openxmlformats.org/markup-compatibility/2006">
               <mc:Choice xmlns:v="urn:schemas-microsoft-com:vml" Requires="v">
-                <p:oleObj spid="_x0000_s16438" name="Chart" r:id="rId3" imgW="8220042" imgH="4533967" progId="MSGraph.Chart.8">
+                <p:oleObj spid="_x0000_s16439" name="Chart" r:id="rId3" imgW="8220042" imgH="4533967" progId="MSGraph.Chart.8">
                   <p:embed followColorScheme="full"/>
                 </p:oleObj>
               </mc:Choice>
@@ -5519,7 +5487,7 @@
           <a:graphicData uri="http://schemas.openxmlformats.org/presentationml/2006/ole">
             <mc:AlternateContent xmlns:mc="http://schemas.openxmlformats.org/markup-compatibility/2006">
               <mc:Choice xmlns:v="urn:schemas-microsoft-com:vml" Requires="v">
-                <p:oleObj spid="_x0000_s17462" name="Chart" r:id="rId3" imgW="8220042" imgH="4533967" progId="MSGraph.Chart.8">
+                <p:oleObj spid="_x0000_s17463" name="Chart" r:id="rId3" imgW="8220042" imgH="4533967" progId="MSGraph.Chart.8">
                   <p:embed followColorScheme="full"/>
                 </p:oleObj>
               </mc:Choice>
@@ -21660,7 +21628,7 @@
           <a:graphicData uri="http://schemas.openxmlformats.org/presentationml/2006/ole">
             <mc:AlternateContent xmlns:mc="http://schemas.openxmlformats.org/markup-compatibility/2006">
               <mc:Choice xmlns:v="urn:schemas-microsoft-com:vml" Requires="v">
-                <p:oleObj spid="_x0000_s47158" r:id="rId4" imgW="8230313" imgH="4828450" progId="Excel.Sheet.8">
+                <p:oleObj spid="_x0000_s47159" r:id="rId4" imgW="8230313" imgH="4828450" progId="Excel.Sheet.8">
                   <p:embed/>
                 </p:oleObj>
               </mc:Choice>
@@ -21961,7 +21929,7 @@
           <a:graphicData uri="http://schemas.openxmlformats.org/presentationml/2006/ole">
             <mc:AlternateContent xmlns:mc="http://schemas.openxmlformats.org/markup-compatibility/2006">
               <mc:Choice xmlns:v="urn:schemas-microsoft-com:vml" Requires="v">
-                <p:oleObj spid="_x0000_s48182" r:id="rId4" imgW="8230313" imgH="4828450" progId="Excel.Sheet.8">
+                <p:oleObj spid="_x0000_s48183" r:id="rId4" imgW="8230313" imgH="4828450" progId="Excel.Sheet.8">
                   <p:embed/>
                 </p:oleObj>
               </mc:Choice>
@@ -22232,7 +22200,7 @@
           <a:graphicData uri="http://schemas.openxmlformats.org/presentationml/2006/ole">
             <mc:AlternateContent xmlns:mc="http://schemas.openxmlformats.org/markup-compatibility/2006">
               <mc:Choice xmlns:v="urn:schemas-microsoft-com:vml" Requires="v">
-                <p:oleObj spid="_x0000_s49206" name="Chart" r:id="rId3" imgW="8229499" imgH="4524257" progId="MSGraph.Chart.8">
+                <p:oleObj spid="_x0000_s49207" name="Chart" r:id="rId3" imgW="8229499" imgH="4524257" progId="MSGraph.Chart.8">
                   <p:embed followColorScheme="full"/>
                 </p:oleObj>
               </mc:Choice>
@@ -24043,11 +24011,7 @@
             </a:pPr>
             <a:r>
               <a:rPr lang="en-US" sz="2000" dirty="0" smtClean="0"/>
-              <a:t>Cheese must be made with pasteurized milk or aged for 60 </a:t>
-            </a:r>
-            <a:r>
-              <a:rPr lang="en-US" sz="2000" dirty="0" smtClean="0"/>
-              <a:t>days</a:t>
+              <a:t>Cheese must be made with pasteurized milk or aged for 60 days</a:t>
             </a:r>
             <a:endParaRPr lang="en-US" sz="2400" dirty="0" smtClean="0"/>
           </a:p>
@@ -24062,11 +24026,7 @@
             </a:pPr>
             <a:r>
               <a:rPr lang="en-US" sz="2400" dirty="0" smtClean="0"/>
-              <a:t>Many </a:t>
-            </a:r>
-            <a:r>
-              <a:rPr lang="en-US" sz="2400" dirty="0" smtClean="0"/>
-              <a:t>countries ban genetically-modified rice </a:t>
+              <a:t>Many countries ban genetically-modified rice </a:t>
             </a:r>
           </a:p>
           <a:p>
@@ -24082,7 +24042,6 @@
               <a:rPr lang="en-US" sz="2000" dirty="0" smtClean="0"/>
               <a:t>Only approved for consumption in US, Canada </a:t>
             </a:r>
-            <a:endParaRPr lang="en-US" sz="2000" dirty="0" smtClean="0"/>
           </a:p>
           <a:p>
             <a:pPr eaLnBrk="1" hangingPunct="1">
@@ -24111,13 +24070,7 @@
               <a:rPr lang="en-US" sz="2400">
                 <a:hlinkClick r:id="rId2"/>
               </a:rPr>
-              <a:t>http</a:t>
-            </a:r>
-            <a:r>
-              <a:rPr lang="en-US" sz="2400">
-                <a:hlinkClick r:id="rId2"/>
-              </a:rPr>
-              <a:t>://</a:t>
+              <a:t>http://</a:t>
             </a:r>
             <a:r>
               <a:rPr lang="en-US" sz="2400" smtClean="0">
@@ -24436,7 +24389,7 @@
           <a:graphicData uri="http://schemas.openxmlformats.org/presentationml/2006/ole">
             <mc:AlternateContent xmlns:mc="http://schemas.openxmlformats.org/markup-compatibility/2006">
               <mc:Choice xmlns:v="urn:schemas-microsoft-com:vml" Requires="v">
-                <p:oleObj spid="_x0000_s14390" r:id="rId4" imgW="8230313" imgH="4828450" progId="Excel.Sheet.8">
+                <p:oleObj spid="_x0000_s14391" r:id="rId4" imgW="8230313" imgH="4828450" progId="Excel.Sheet.8">
                   <p:embed/>
                 </p:oleObj>
               </mc:Choice>
@@ -26516,7 +26469,7 @@
           <a:graphicData uri="http://schemas.openxmlformats.org/presentationml/2006/ole">
             <mc:AlternateContent xmlns:mc="http://schemas.openxmlformats.org/markup-compatibility/2006">
               <mc:Choice xmlns:v="urn:schemas-microsoft-com:vml" Requires="v">
-                <p:oleObj spid="_x0000_s15414" name="Chart" r:id="rId3" imgW="8229546" imgH="4526388" progId="MSGraph.Chart.8">
+                <p:oleObj spid="_x0000_s15415" name="Chart" r:id="rId3" imgW="8229546" imgH="4526388" progId="MSGraph.Chart.8">
                   <p:embed followColorScheme="full"/>
                 </p:oleObj>
               </mc:Choice>

--- a/Slides/slides_trade_f14.pptx
+++ b/Slides/slides_trade_f14.pptx
@@ -5,10 +5,10 @@
     <p:sldMasterId id="2147483648" r:id="rId1"/>
   </p:sldMasterIdLst>
   <p:notesMasterIdLst>
-    <p:notesMasterId r:id="rId92"/>
+    <p:notesMasterId r:id="rId93"/>
   </p:notesMasterIdLst>
   <p:handoutMasterIdLst>
-    <p:handoutMasterId r:id="rId93"/>
+    <p:handoutMasterId r:id="rId94"/>
   </p:handoutMasterIdLst>
   <p:sldIdLst>
     <p:sldId id="256" r:id="rId2"/>
@@ -70,37 +70,38 @@
     <p:sldId id="382" r:id="rId58"/>
     <p:sldId id="384" r:id="rId59"/>
     <p:sldId id="397" r:id="rId60"/>
-    <p:sldId id="387" r:id="rId61"/>
-    <p:sldId id="391" r:id="rId62"/>
-    <p:sldId id="380" r:id="rId63"/>
-    <p:sldId id="288" r:id="rId64"/>
-    <p:sldId id="388" r:id="rId65"/>
-    <p:sldId id="389" r:id="rId66"/>
-    <p:sldId id="327" r:id="rId67"/>
-    <p:sldId id="328" r:id="rId68"/>
-    <p:sldId id="329" r:id="rId69"/>
-    <p:sldId id="390" r:id="rId70"/>
-    <p:sldId id="330" r:id="rId71"/>
-    <p:sldId id="411" r:id="rId72"/>
-    <p:sldId id="392" r:id="rId73"/>
-    <p:sldId id="393" r:id="rId74"/>
-    <p:sldId id="423" r:id="rId75"/>
-    <p:sldId id="394" r:id="rId76"/>
-    <p:sldId id="395" r:id="rId77"/>
-    <p:sldId id="396" r:id="rId78"/>
-    <p:sldId id="399" r:id="rId79"/>
-    <p:sldId id="302" r:id="rId80"/>
-    <p:sldId id="303" r:id="rId81"/>
-    <p:sldId id="401" r:id="rId82"/>
-    <p:sldId id="402" r:id="rId83"/>
-    <p:sldId id="403" r:id="rId84"/>
-    <p:sldId id="417" r:id="rId85"/>
-    <p:sldId id="315" r:id="rId86"/>
-    <p:sldId id="316" r:id="rId87"/>
-    <p:sldId id="309" r:id="rId88"/>
-    <p:sldId id="310" r:id="rId89"/>
-    <p:sldId id="318" r:id="rId90"/>
-    <p:sldId id="331" r:id="rId91"/>
+    <p:sldId id="424" r:id="rId61"/>
+    <p:sldId id="387" r:id="rId62"/>
+    <p:sldId id="391" r:id="rId63"/>
+    <p:sldId id="380" r:id="rId64"/>
+    <p:sldId id="288" r:id="rId65"/>
+    <p:sldId id="388" r:id="rId66"/>
+    <p:sldId id="389" r:id="rId67"/>
+    <p:sldId id="327" r:id="rId68"/>
+    <p:sldId id="328" r:id="rId69"/>
+    <p:sldId id="329" r:id="rId70"/>
+    <p:sldId id="390" r:id="rId71"/>
+    <p:sldId id="330" r:id="rId72"/>
+    <p:sldId id="411" r:id="rId73"/>
+    <p:sldId id="392" r:id="rId74"/>
+    <p:sldId id="393" r:id="rId75"/>
+    <p:sldId id="423" r:id="rId76"/>
+    <p:sldId id="394" r:id="rId77"/>
+    <p:sldId id="395" r:id="rId78"/>
+    <p:sldId id="396" r:id="rId79"/>
+    <p:sldId id="399" r:id="rId80"/>
+    <p:sldId id="302" r:id="rId81"/>
+    <p:sldId id="303" r:id="rId82"/>
+    <p:sldId id="401" r:id="rId83"/>
+    <p:sldId id="402" r:id="rId84"/>
+    <p:sldId id="403" r:id="rId85"/>
+    <p:sldId id="417" r:id="rId86"/>
+    <p:sldId id="315" r:id="rId87"/>
+    <p:sldId id="316" r:id="rId88"/>
+    <p:sldId id="309" r:id="rId89"/>
+    <p:sldId id="310" r:id="rId90"/>
+    <p:sldId id="318" r:id="rId91"/>
+    <p:sldId id="331" r:id="rId92"/>
   </p:sldIdLst>
   <p:sldSz cx="9144000" cy="6858000" type="screen4x3"/>
   <p:notesSz cx="7099300" cy="10234613"/>
@@ -231,7 +232,7 @@
   </p:defaultTextStyle>
   <p:extLst>
     <p:ext uri="{EFAFB233-063F-42B5-8137-9DF3F51BA10A}">
-      <p15:sldGuideLst xmlns="" xmlns:p15="http://schemas.microsoft.com/office/powerpoint/2012/main">
+      <p15:sldGuideLst xmlns:p15="http://schemas.microsoft.com/office/powerpoint/2012/main" xmlns="">
         <p15:guide id="1" orient="horz" pos="2160">
           <p15:clr>
             <a:srgbClr val="A4A3A4"/>
@@ -1337,7 +1338,7 @@
               <a:pPr>
                 <a:defRPr/>
               </a:pPr>
-              <a:t>73</a:t>
+              <a:t>74</a:t>
             </a:fld>
             <a:endParaRPr lang="en-US"/>
           </a:p>
@@ -1456,7 +1457,7 @@
               <a:pPr>
                 <a:defRPr/>
               </a:pPr>
-              <a:t>74</a:t>
+              <a:t>75</a:t>
             </a:fld>
             <a:endParaRPr lang="en-US"/>
           </a:p>
@@ -5259,7 +5260,7 @@
           <a:graphicData uri="http://schemas.openxmlformats.org/presentationml/2006/ole">
             <mc:AlternateContent xmlns:mc="http://schemas.openxmlformats.org/markup-compatibility/2006">
               <mc:Choice xmlns:v="urn:schemas-microsoft-com:vml" Requires="v">
-                <p:oleObj spid="_x0000_s16439" name="Chart" r:id="rId3" imgW="8220042" imgH="4533967" progId="MSGraph.Chart.8">
+                <p:oleObj spid="_x0000_s16440" name="Chart" r:id="rId3" imgW="8220042" imgH="4533967" progId="MSGraph.Chart.8">
                   <p:embed followColorScheme="full"/>
                 </p:oleObj>
               </mc:Choice>
@@ -5487,7 +5488,7 @@
           <a:graphicData uri="http://schemas.openxmlformats.org/presentationml/2006/ole">
             <mc:AlternateContent xmlns:mc="http://schemas.openxmlformats.org/markup-compatibility/2006">
               <mc:Choice xmlns:v="urn:schemas-microsoft-com:vml" Requires="v">
-                <p:oleObj spid="_x0000_s17463" name="Chart" r:id="rId3" imgW="8220042" imgH="4533967" progId="MSGraph.Chart.8">
+                <p:oleObj spid="_x0000_s17464" name="Chart" r:id="rId3" imgW="8220042" imgH="4533967" progId="MSGraph.Chart.8">
                   <p:embed followColorScheme="full"/>
                 </p:oleObj>
               </mc:Choice>
@@ -20392,6 +20393,154 @@
         </p:nvSpPr>
         <p:spPr>
           <a:xfrm>
+            <a:off x="457200" y="1600200"/>
+            <a:ext cx="7620000" cy="4525963"/>
+          </a:xfrm>
+        </p:spPr>
+        <p:txBody>
+          <a:bodyPr/>
+          <a:lstStyle/>
+          <a:p>
+            <a:pPr eaLnBrk="1" hangingPunct="1"/>
+            <a:r>
+              <a:rPr lang="en-US" sz="2400" smtClean="0"/>
+              <a:t>Pew polls – pic???</a:t>
+            </a:r>
+            <a:r>
+              <a:rPr lang="en-US" sz="2400" smtClean="0"/>
+              <a:t> </a:t>
+            </a:r>
+            <a:endParaRPr lang="en-US" sz="2400" dirty="0" smtClean="0"/>
+          </a:p>
+          <a:p>
+            <a:pPr lvl="1">
+              <a:lnSpc>
+                <a:spcPct val="90000"/>
+              </a:lnSpc>
+              <a:spcBef>
+                <a:spcPct val="50000"/>
+              </a:spcBef>
+            </a:pPr>
+            <a:r>
+              <a:rPr lang="en-US" sz="2000" dirty="0"/>
+              <a:t>http://marginalrevolution.com/marginalrevolution/2014/09/why-dont-we-have-more-free-trade.html  </a:t>
+            </a:r>
+            <a:r>
+              <a:rPr lang="en-US" sz="2000" dirty="0" smtClean="0">
+                <a:solidFill>
+                  <a:srgbClr val="000000"/>
+                </a:solidFill>
+                <a:latin typeface="Times New Roman"/>
+              </a:rPr>
+              <a:t> </a:t>
+            </a:r>
+            <a:endParaRPr lang="en-US" sz="2000" dirty="0" smtClean="0">
+              <a:solidFill>
+                <a:srgbClr val="000000"/>
+              </a:solidFill>
+              <a:latin typeface="Times New Roman"/>
+            </a:endParaRPr>
+          </a:p>
+        </p:txBody>
+      </p:sp>
+      <p:sp>
+        <p:nvSpPr>
+          <p:cNvPr id="4100" name="Slide Number Placeholder 3"/>
+          <p:cNvSpPr>
+            <a:spLocks noGrp="1"/>
+          </p:cNvSpPr>
+          <p:nvPr>
+            <p:ph type="sldNum" sz="quarter" idx="12"/>
+          </p:nvPr>
+        </p:nvSpPr>
+        <p:spPr>
+          <a:noFill/>
+        </p:spPr>
+        <p:txBody>
+          <a:bodyPr/>
+          <a:lstStyle/>
+          <a:p>
+            <a:fld id="{E041A9CD-8F68-446A-8192-3D8982304C37}" type="slidenum">
+              <a:rPr lang="en-US" smtClean="0"/>
+              <a:pPr/>
+              <a:t>60</a:t>
+            </a:fld>
+            <a:endParaRPr lang="en-US" smtClean="0"/>
+          </a:p>
+        </p:txBody>
+      </p:sp>
+    </p:spTree>
+    <p:extLst>
+      <p:ext uri="{BB962C8B-B14F-4D97-AF65-F5344CB8AC3E}">
+        <p14:creationId xmlns:p14="http://schemas.microsoft.com/office/powerpoint/2010/main" val="1735141304"/>
+      </p:ext>
+    </p:extLst>
+  </p:cSld>
+  <p:clrMapOvr>
+    <a:masterClrMapping/>
+  </p:clrMapOvr>
+  <p:timing>
+    <p:tnLst>
+      <p:par>
+        <p:cTn id="1" dur="indefinite" restart="never" nodeType="tmRoot"/>
+      </p:par>
+    </p:tnLst>
+  </p:timing>
+</p:sld>
+</file>
+
+<file path=ppt/slides/slide61.xml><?xml version="1.0" encoding="utf-8"?>
+<p:sld xmlns:a="http://schemas.openxmlformats.org/drawingml/2006/main" xmlns:r="http://schemas.openxmlformats.org/officeDocument/2006/relationships" xmlns:p="http://schemas.openxmlformats.org/presentationml/2006/main">
+  <p:cSld>
+    <p:spTree>
+      <p:nvGrpSpPr>
+        <p:cNvPr id="1" name=""/>
+        <p:cNvGrpSpPr/>
+        <p:nvPr/>
+      </p:nvGrpSpPr>
+      <p:grpSpPr>
+        <a:xfrm>
+          <a:off x="0" y="0"/>
+          <a:ext cx="0" cy="0"/>
+          <a:chOff x="0" y="0"/>
+          <a:chExt cx="0" cy="0"/>
+        </a:xfrm>
+      </p:grpSpPr>
+      <p:sp>
+        <p:nvSpPr>
+          <p:cNvPr id="4098" name="Rectangle 2"/>
+          <p:cNvSpPr>
+            <a:spLocks noGrp="1" noChangeArrowheads="1"/>
+          </p:cNvSpPr>
+          <p:nvPr>
+            <p:ph type="title" idx="4294967295"/>
+          </p:nvPr>
+        </p:nvSpPr>
+        <p:spPr/>
+        <p:txBody>
+          <a:bodyPr/>
+          <a:lstStyle/>
+          <a:p>
+            <a:pPr algn="l" eaLnBrk="1" hangingPunct="1"/>
+            <a:r>
+              <a:rPr lang="en-US" dirty="0" smtClean="0"/>
+              <a:t>… why are so many people against it?</a:t>
+            </a:r>
+          </a:p>
+        </p:txBody>
+      </p:sp>
+      <p:sp>
+        <p:nvSpPr>
+          <p:cNvPr id="4099" name="Rectangle 3"/>
+          <p:cNvSpPr>
+            <a:spLocks noGrp="1" noChangeArrowheads="1"/>
+          </p:cNvSpPr>
+          <p:nvPr>
+            <p:ph type="body" idx="4294967295"/>
+          </p:nvPr>
+        </p:nvSpPr>
+        <p:spPr>
+          <a:xfrm>
             <a:off x="457200" y="1575148"/>
             <a:ext cx="7772400" cy="4525963"/>
           </a:xfrm>
@@ -20520,7 +20669,7 @@
             <a:fld id="{E041A9CD-8F68-446A-8192-3D8982304C37}" type="slidenum">
               <a:rPr lang="en-US" smtClean="0"/>
               <a:pPr/>
-              <a:t>60</a:t>
+              <a:t>61</a:t>
             </a:fld>
             <a:endParaRPr lang="en-US" smtClean="0"/>
           </a:p>
@@ -20655,243 +20804,6 @@
 </p:sld>
 </file>
 
-<file path=ppt/slides/slide61.xml><?xml version="1.0" encoding="utf-8"?>
-<p:sld xmlns:a="http://schemas.openxmlformats.org/drawingml/2006/main" xmlns:r="http://schemas.openxmlformats.org/officeDocument/2006/relationships" xmlns:p="http://schemas.openxmlformats.org/presentationml/2006/main">
-  <p:cSld>
-    <p:spTree>
-      <p:nvGrpSpPr>
-        <p:cNvPr id="1" name=""/>
-        <p:cNvGrpSpPr/>
-        <p:nvPr/>
-      </p:nvGrpSpPr>
-      <p:grpSpPr>
-        <a:xfrm>
-          <a:off x="0" y="0"/>
-          <a:ext cx="0" cy="0"/>
-          <a:chOff x="0" y="0"/>
-          <a:chExt cx="0" cy="0"/>
-        </a:xfrm>
-      </p:grpSpPr>
-      <p:sp>
-        <p:nvSpPr>
-          <p:cNvPr id="4098" name="Rectangle 2"/>
-          <p:cNvSpPr>
-            <a:spLocks noGrp="1" noChangeArrowheads="1"/>
-          </p:cNvSpPr>
-          <p:nvPr>
-            <p:ph type="title" idx="4294967295"/>
-          </p:nvPr>
-        </p:nvSpPr>
-        <p:spPr/>
-        <p:txBody>
-          <a:bodyPr/>
-          <a:lstStyle/>
-          <a:p>
-            <a:pPr algn="l" eaLnBrk="1" hangingPunct="1"/>
-            <a:r>
-              <a:rPr lang="en-US" dirty="0" smtClean="0"/>
-              <a:t>… why are so many people against it?</a:t>
-            </a:r>
-          </a:p>
-        </p:txBody>
-      </p:sp>
-      <p:sp>
-        <p:nvSpPr>
-          <p:cNvPr id="4099" name="Rectangle 3"/>
-          <p:cNvSpPr>
-            <a:spLocks noGrp="1" noChangeArrowheads="1"/>
-          </p:cNvSpPr>
-          <p:nvPr>
-            <p:ph type="body" idx="4294967295"/>
-          </p:nvPr>
-        </p:nvSpPr>
-        <p:spPr>
-          <a:xfrm>
-            <a:off x="457200" y="1600200"/>
-            <a:ext cx="8077200" cy="4525963"/>
-          </a:xfrm>
-        </p:spPr>
-        <p:txBody>
-          <a:bodyPr/>
-          <a:lstStyle/>
-          <a:p>
-            <a:pPr eaLnBrk="1" hangingPunct="1"/>
-            <a:r>
-              <a:rPr lang="en-US" sz="2400" dirty="0" smtClean="0"/>
-              <a:t>Political process   </a:t>
-            </a:r>
-          </a:p>
-          <a:p>
-            <a:pPr lvl="1">
-              <a:lnSpc>
-                <a:spcPct val="90000"/>
-              </a:lnSpc>
-              <a:spcBef>
-                <a:spcPct val="50000"/>
-              </a:spcBef>
-            </a:pPr>
-            <a:r>
-              <a:rPr lang="en-US" sz="2000" dirty="0" smtClean="0">
-                <a:solidFill>
-                  <a:srgbClr val="000000"/>
-                </a:solidFill>
-                <a:latin typeface="+mj-lt"/>
-              </a:rPr>
-              <a:t>Democratic leaders often protect their supporters </a:t>
-            </a:r>
-          </a:p>
-          <a:p>
-            <a:pPr lvl="1">
-              <a:lnSpc>
-                <a:spcPct val="90000"/>
-              </a:lnSpc>
-              <a:spcBef>
-                <a:spcPct val="50000"/>
-              </a:spcBef>
-            </a:pPr>
-            <a:r>
-              <a:rPr lang="en-US" sz="2000" dirty="0" smtClean="0">
-                <a:solidFill>
-                  <a:srgbClr val="000000"/>
-                </a:solidFill>
-                <a:latin typeface="+mj-lt"/>
-              </a:rPr>
-              <a:t>Dictators often protect their friends </a:t>
-            </a:r>
-          </a:p>
-          <a:p>
-            <a:pPr>
-              <a:lnSpc>
-                <a:spcPct val="90000"/>
-              </a:lnSpc>
-              <a:spcBef>
-                <a:spcPct val="50000"/>
-              </a:spcBef>
-            </a:pPr>
-            <a:r>
-              <a:rPr lang="en-US" sz="2400" dirty="0" smtClean="0">
-                <a:solidFill>
-                  <a:srgbClr val="000000"/>
-                </a:solidFill>
-              </a:rPr>
-              <a:t>Trade adds </a:t>
-            </a:r>
-          </a:p>
-          <a:p>
-            <a:pPr lvl="1">
-              <a:lnSpc>
-                <a:spcPct val="90000"/>
-              </a:lnSpc>
-              <a:spcBef>
-                <a:spcPct val="50000"/>
-              </a:spcBef>
-            </a:pPr>
-            <a:r>
-              <a:rPr lang="en-US" sz="2000" dirty="0" smtClean="0">
-                <a:solidFill>
-                  <a:srgbClr val="000000"/>
-                </a:solidFill>
-              </a:rPr>
-              <a:t>Protect us from foreign competitors who don’t vote </a:t>
-            </a:r>
-          </a:p>
-          <a:p>
-            <a:pPr>
-              <a:lnSpc>
-                <a:spcPct val="90000"/>
-              </a:lnSpc>
-              <a:spcBef>
-                <a:spcPct val="50000"/>
-              </a:spcBef>
-            </a:pPr>
-            <a:r>
-              <a:rPr lang="en-US" sz="2400" dirty="0" smtClean="0">
-                <a:solidFill>
-                  <a:srgbClr val="000000"/>
-                </a:solidFill>
-              </a:rPr>
-              <a:t>Gains outweigh losses, but </a:t>
-            </a:r>
-          </a:p>
-          <a:p>
-            <a:pPr lvl="1">
-              <a:lnSpc>
-                <a:spcPct val="90000"/>
-              </a:lnSpc>
-              <a:spcBef>
-                <a:spcPct val="50000"/>
-              </a:spcBef>
-            </a:pPr>
-            <a:r>
-              <a:rPr lang="en-US" sz="2000" dirty="0" smtClean="0">
-                <a:solidFill>
-                  <a:srgbClr val="000000"/>
-                </a:solidFill>
-              </a:rPr>
-              <a:t>Losses clear and concentrated (5k people lose 100k jobs) </a:t>
-            </a:r>
-          </a:p>
-          <a:p>
-            <a:pPr lvl="1">
-              <a:lnSpc>
-                <a:spcPct val="90000"/>
-              </a:lnSpc>
-              <a:spcBef>
-                <a:spcPct val="50000"/>
-              </a:spcBef>
-            </a:pPr>
-            <a:r>
-              <a:rPr lang="en-US" sz="2000" dirty="0" smtClean="0">
-                <a:solidFill>
-                  <a:srgbClr val="000000"/>
-                </a:solidFill>
-              </a:rPr>
-              <a:t>Gains fuzzy and dispersed (300m people gain $10 each)</a:t>
-            </a:r>
-          </a:p>
-        </p:txBody>
-      </p:sp>
-      <p:sp>
-        <p:nvSpPr>
-          <p:cNvPr id="4100" name="Slide Number Placeholder 3"/>
-          <p:cNvSpPr>
-            <a:spLocks noGrp="1"/>
-          </p:cNvSpPr>
-          <p:nvPr>
-            <p:ph type="sldNum" sz="quarter" idx="12"/>
-          </p:nvPr>
-        </p:nvSpPr>
-        <p:spPr>
-          <a:noFill/>
-        </p:spPr>
-        <p:txBody>
-          <a:bodyPr/>
-          <a:lstStyle/>
-          <a:p>
-            <a:fld id="{E041A9CD-8F68-446A-8192-3D8982304C37}" type="slidenum">
-              <a:rPr lang="en-US" smtClean="0"/>
-              <a:pPr/>
-              <a:t>61</a:t>
-            </a:fld>
-            <a:endParaRPr lang="en-US" smtClean="0"/>
-          </a:p>
-        </p:txBody>
-      </p:sp>
-    </p:spTree>
-  </p:cSld>
-  <p:clrMapOvr>
-    <a:masterClrMapping/>
-  </p:clrMapOvr>
-  <p:timing>
-    <p:tnLst>
-      <p:par>
-        <p:cTn id="1" dur="indefinite" restart="never" nodeType="tmRoot"/>
-      </p:par>
-    </p:tnLst>
-  </p:timing>
-</p:sld>
-</file>
-
 <file path=ppt/slides/slide62.xml><?xml version="1.0" encoding="utf-8"?>
 <p:sld xmlns:a="http://schemas.openxmlformats.org/drawingml/2006/main" xmlns:r="http://schemas.openxmlformats.org/officeDocument/2006/relationships" xmlns:p="http://schemas.openxmlformats.org/presentationml/2006/main">
   <p:cSld>
@@ -20911,18 +20823,41 @@
       </p:grpSpPr>
       <p:sp>
         <p:nvSpPr>
-          <p:cNvPr id="57346" name="Rectangle 4"/>
+          <p:cNvPr id="4098" name="Rectangle 2"/>
           <p:cNvSpPr>
             <a:spLocks noGrp="1" noChangeArrowheads="1"/>
           </p:cNvSpPr>
           <p:nvPr>
-            <p:ph type="ctrTitle"/>
+            <p:ph type="title" idx="4294967295"/>
+          </p:nvPr>
+        </p:nvSpPr>
+        <p:spPr/>
+        <p:txBody>
+          <a:bodyPr/>
+          <a:lstStyle/>
+          <a:p>
+            <a:pPr algn="l" eaLnBrk="1" hangingPunct="1"/>
+            <a:r>
+              <a:rPr lang="en-US" dirty="0" smtClean="0"/>
+              <a:t>… why are so many people against it?</a:t>
+            </a:r>
+          </a:p>
+        </p:txBody>
+      </p:sp>
+      <p:sp>
+        <p:nvSpPr>
+          <p:cNvPr id="4099" name="Rectangle 3"/>
+          <p:cNvSpPr>
+            <a:spLocks noGrp="1" noChangeArrowheads="1"/>
+          </p:cNvSpPr>
+          <p:nvPr>
+            <p:ph type="body" idx="4294967295"/>
           </p:nvPr>
         </p:nvSpPr>
         <p:spPr>
           <a:xfrm>
-            <a:off x="685800" y="2667000"/>
-            <a:ext cx="7772400" cy="1470025"/>
+            <a:off x="457200" y="1600200"/>
+            <a:ext cx="8077200" cy="4525963"/>
           </a:xfrm>
         </p:spPr>
         <p:txBody>
@@ -20931,13 +20866,163 @@
           <a:p>
             <a:pPr eaLnBrk="1" hangingPunct="1"/>
             <a:r>
-              <a:rPr lang="en-US" i="1" dirty="0" err="1" smtClean="0"/>
-              <a:t>Offshoring</a:t>
-            </a:r>
-            <a:r>
-              <a:rPr lang="en-US" i="1" dirty="0" smtClean="0"/>
-              <a:t> </a:t>
-            </a:r>
+              <a:rPr lang="en-US" sz="2400" dirty="0" smtClean="0"/>
+              <a:t>Political process   </a:t>
+            </a:r>
+          </a:p>
+          <a:p>
+            <a:pPr lvl="1">
+              <a:lnSpc>
+                <a:spcPct val="90000"/>
+              </a:lnSpc>
+              <a:spcBef>
+                <a:spcPct val="50000"/>
+              </a:spcBef>
+            </a:pPr>
+            <a:r>
+              <a:rPr lang="en-US" sz="2000" dirty="0" smtClean="0">
+                <a:solidFill>
+                  <a:srgbClr val="000000"/>
+                </a:solidFill>
+                <a:latin typeface="+mj-lt"/>
+              </a:rPr>
+              <a:t>Democratic leaders often protect their supporters </a:t>
+            </a:r>
+          </a:p>
+          <a:p>
+            <a:pPr lvl="1">
+              <a:lnSpc>
+                <a:spcPct val="90000"/>
+              </a:lnSpc>
+              <a:spcBef>
+                <a:spcPct val="50000"/>
+              </a:spcBef>
+            </a:pPr>
+            <a:r>
+              <a:rPr lang="en-US" sz="2000" dirty="0" smtClean="0">
+                <a:solidFill>
+                  <a:srgbClr val="000000"/>
+                </a:solidFill>
+                <a:latin typeface="+mj-lt"/>
+              </a:rPr>
+              <a:t>Dictators often protect their friends </a:t>
+            </a:r>
+          </a:p>
+          <a:p>
+            <a:pPr>
+              <a:lnSpc>
+                <a:spcPct val="90000"/>
+              </a:lnSpc>
+              <a:spcBef>
+                <a:spcPct val="50000"/>
+              </a:spcBef>
+            </a:pPr>
+            <a:r>
+              <a:rPr lang="en-US" sz="2400" dirty="0" smtClean="0">
+                <a:solidFill>
+                  <a:srgbClr val="000000"/>
+                </a:solidFill>
+              </a:rPr>
+              <a:t>Trade adds </a:t>
+            </a:r>
+          </a:p>
+          <a:p>
+            <a:pPr lvl="1">
+              <a:lnSpc>
+                <a:spcPct val="90000"/>
+              </a:lnSpc>
+              <a:spcBef>
+                <a:spcPct val="50000"/>
+              </a:spcBef>
+            </a:pPr>
+            <a:r>
+              <a:rPr lang="en-US" sz="2000" dirty="0" smtClean="0">
+                <a:solidFill>
+                  <a:srgbClr val="000000"/>
+                </a:solidFill>
+              </a:rPr>
+              <a:t>Protect us from foreign competitors who don’t vote </a:t>
+            </a:r>
+          </a:p>
+          <a:p>
+            <a:pPr>
+              <a:lnSpc>
+                <a:spcPct val="90000"/>
+              </a:lnSpc>
+              <a:spcBef>
+                <a:spcPct val="50000"/>
+              </a:spcBef>
+            </a:pPr>
+            <a:r>
+              <a:rPr lang="en-US" sz="2400" dirty="0" smtClean="0">
+                <a:solidFill>
+                  <a:srgbClr val="000000"/>
+                </a:solidFill>
+              </a:rPr>
+              <a:t>Gains outweigh losses, but </a:t>
+            </a:r>
+          </a:p>
+          <a:p>
+            <a:pPr lvl="1">
+              <a:lnSpc>
+                <a:spcPct val="90000"/>
+              </a:lnSpc>
+              <a:spcBef>
+                <a:spcPct val="50000"/>
+              </a:spcBef>
+            </a:pPr>
+            <a:r>
+              <a:rPr lang="en-US" sz="2000" dirty="0" smtClean="0">
+                <a:solidFill>
+                  <a:srgbClr val="000000"/>
+                </a:solidFill>
+              </a:rPr>
+              <a:t>Losses clear and concentrated (5k people lose 100k jobs) </a:t>
+            </a:r>
+          </a:p>
+          <a:p>
+            <a:pPr lvl="1">
+              <a:lnSpc>
+                <a:spcPct val="90000"/>
+              </a:lnSpc>
+              <a:spcBef>
+                <a:spcPct val="50000"/>
+              </a:spcBef>
+            </a:pPr>
+            <a:r>
+              <a:rPr lang="en-US" sz="2000" dirty="0" smtClean="0">
+                <a:solidFill>
+                  <a:srgbClr val="000000"/>
+                </a:solidFill>
+              </a:rPr>
+              <a:t>Gains fuzzy and dispersed (300m people gain $10 each)</a:t>
+            </a:r>
+          </a:p>
+        </p:txBody>
+      </p:sp>
+      <p:sp>
+        <p:nvSpPr>
+          <p:cNvPr id="4100" name="Slide Number Placeholder 3"/>
+          <p:cNvSpPr>
+            <a:spLocks noGrp="1"/>
+          </p:cNvSpPr>
+          <p:nvPr>
+            <p:ph type="sldNum" sz="quarter" idx="12"/>
+          </p:nvPr>
+        </p:nvSpPr>
+        <p:spPr>
+          <a:noFill/>
+        </p:spPr>
+        <p:txBody>
+          <a:bodyPr/>
+          <a:lstStyle/>
+          <a:p>
+            <a:fld id="{E041A9CD-8F68-446A-8192-3D8982304C37}" type="slidenum">
+              <a:rPr lang="en-US" smtClean="0"/>
+              <a:pPr/>
+              <a:t>62</a:t>
+            </a:fld>
+            <a:endParaRPr lang="en-US" smtClean="0"/>
           </a:p>
         </p:txBody>
       </p:sp>
@@ -20975,182 +21060,33 @@
       </p:grpSpPr>
       <p:sp>
         <p:nvSpPr>
-          <p:cNvPr id="46082" name="Rectangle 2"/>
+          <p:cNvPr id="57346" name="Rectangle 4"/>
           <p:cNvSpPr>
             <a:spLocks noGrp="1" noChangeArrowheads="1"/>
           </p:cNvSpPr>
           <p:nvPr>
-            <p:ph type="title"/>
-          </p:nvPr>
-        </p:nvSpPr>
-        <p:spPr/>
-        <p:txBody>
-          <a:bodyPr/>
-          <a:lstStyle/>
-          <a:p>
-            <a:pPr algn="l" eaLnBrk="1" hangingPunct="1"/>
-            <a:r>
-              <a:rPr lang="en-US" dirty="0" err="1" smtClean="0"/>
-              <a:t>Offshoring</a:t>
-            </a:r>
-            <a:endParaRPr lang="en-US" dirty="0" smtClean="0"/>
-          </a:p>
-        </p:txBody>
-      </p:sp>
-      <p:sp>
-        <p:nvSpPr>
-          <p:cNvPr id="46083" name="Rectangle 3"/>
-          <p:cNvSpPr>
-            <a:spLocks noGrp="1" noChangeArrowheads="1"/>
-          </p:cNvSpPr>
-          <p:nvPr>
-            <p:ph type="body" idx="1"/>
+            <p:ph type="ctrTitle"/>
           </p:nvPr>
         </p:nvSpPr>
         <p:spPr>
           <a:xfrm>
-            <a:off x="457200" y="1447800"/>
-            <a:ext cx="8229600" cy="4525963"/>
+            <a:off x="685800" y="2667000"/>
+            <a:ext cx="7772400" cy="1470025"/>
           </a:xfrm>
         </p:spPr>
         <p:txBody>
           <a:bodyPr/>
           <a:lstStyle/>
           <a:p>
-            <a:pPr eaLnBrk="1" hangingPunct="1">
-              <a:lnSpc>
-                <a:spcPct val="90000"/>
-              </a:lnSpc>
-              <a:spcBef>
-                <a:spcPct val="50000"/>
-              </a:spcBef>
-            </a:pPr>
-            <a:r>
-              <a:rPr lang="en-US" sz="2400" dirty="0" smtClean="0"/>
-              <a:t>Terminology </a:t>
-            </a:r>
-          </a:p>
-          <a:p>
-            <a:pPr lvl="1" eaLnBrk="1" hangingPunct="1">
-              <a:lnSpc>
-                <a:spcPct val="90000"/>
-              </a:lnSpc>
-              <a:spcBef>
-                <a:spcPct val="50000"/>
-              </a:spcBef>
-            </a:pPr>
-            <a:r>
-              <a:rPr lang="en-US" sz="2000" dirty="0" smtClean="0"/>
-              <a:t>Outsourcing:   buy something you previously produced yourself</a:t>
-            </a:r>
-          </a:p>
-          <a:p>
-            <a:pPr lvl="1" eaLnBrk="1" hangingPunct="1">
-              <a:lnSpc>
-                <a:spcPct val="90000"/>
-              </a:lnSpc>
-              <a:spcBef>
-                <a:spcPct val="50000"/>
-              </a:spcBef>
-            </a:pPr>
-            <a:r>
-              <a:rPr lang="en-US" sz="2000" dirty="0" err="1" smtClean="0"/>
+            <a:pPr eaLnBrk="1" hangingPunct="1"/>
+            <a:r>
+              <a:rPr lang="en-US" i="1" dirty="0" err="1" smtClean="0"/>
               <a:t>Offshoring</a:t>
             </a:r>
             <a:r>
-              <a:rPr lang="en-US" sz="2000" dirty="0" smtClean="0"/>
-              <a:t>:   usually means imports of services 		      [</a:t>
-            </a:r>
-            <a:r>
-              <a:rPr lang="en-US" sz="2000" dirty="0" err="1" smtClean="0"/>
-              <a:t>eg</a:t>
-            </a:r>
-            <a:r>
-              <a:rPr lang="en-US" sz="2000" dirty="0" smtClean="0"/>
-              <a:t>, business process outsourcing]</a:t>
-            </a:r>
-          </a:p>
-          <a:p>
-            <a:pPr eaLnBrk="1" hangingPunct="1">
-              <a:lnSpc>
-                <a:spcPct val="90000"/>
-              </a:lnSpc>
-              <a:spcBef>
-                <a:spcPct val="50000"/>
-              </a:spcBef>
-            </a:pPr>
-            <a:r>
-              <a:rPr lang="en-US" sz="2400" dirty="0" smtClean="0"/>
-              <a:t>Technology makes this much easier than before</a:t>
-            </a:r>
-          </a:p>
-          <a:p>
-            <a:pPr lvl="1" eaLnBrk="1" hangingPunct="1">
-              <a:lnSpc>
-                <a:spcPct val="90000"/>
-              </a:lnSpc>
-              <a:spcBef>
-                <a:spcPct val="50000"/>
-              </a:spcBef>
-            </a:pPr>
-            <a:r>
-              <a:rPr lang="en-US" sz="2000" dirty="0" smtClean="0"/>
-              <a:t>Internet connections, Skype, etc </a:t>
-            </a:r>
-          </a:p>
-          <a:p>
-            <a:pPr lvl="1" eaLnBrk="1" hangingPunct="1">
-              <a:lnSpc>
-                <a:spcPct val="90000"/>
-              </a:lnSpc>
-              <a:spcBef>
-                <a:spcPct val="50000"/>
-              </a:spcBef>
-            </a:pPr>
-            <a:r>
-              <a:rPr lang="en-US" sz="2000" dirty="0" smtClean="0"/>
-              <a:t>Communication virtually free to anywhere </a:t>
-            </a:r>
-          </a:p>
-          <a:p>
-            <a:pPr eaLnBrk="1" hangingPunct="1">
-              <a:lnSpc>
-                <a:spcPct val="90000"/>
-              </a:lnSpc>
-              <a:spcBef>
-                <a:spcPct val="50000"/>
-              </a:spcBef>
-            </a:pPr>
-            <a:r>
-              <a:rPr lang="en-US" sz="2400" dirty="0" smtClean="0"/>
-              <a:t>Feels more threatening to many of us</a:t>
-            </a:r>
-          </a:p>
-        </p:txBody>
-      </p:sp>
-      <p:sp>
-        <p:nvSpPr>
-          <p:cNvPr id="46084" name="Slide Number Placeholder 3"/>
-          <p:cNvSpPr>
-            <a:spLocks noGrp="1"/>
-          </p:cNvSpPr>
-          <p:nvPr>
-            <p:ph type="sldNum" sz="quarter" idx="12"/>
-          </p:nvPr>
-        </p:nvSpPr>
-        <p:spPr>
-          <a:noFill/>
-        </p:spPr>
-        <p:txBody>
-          <a:bodyPr/>
-          <a:lstStyle/>
-          <a:p>
-            <a:fld id="{86DBE4C1-34D3-4E54-90B2-33FC6033C4BB}" type="slidenum">
-              <a:rPr lang="en-US" smtClean="0"/>
-              <a:pPr/>
-              <a:t>63</a:t>
-            </a:fld>
-            <a:endParaRPr lang="en-US" smtClean="0"/>
+              <a:rPr lang="en-US" i="1" dirty="0" smtClean="0"/>
+              <a:t> </a:t>
+            </a:r>
           </a:p>
         </p:txBody>
       </p:sp>
@@ -21204,12 +21140,9 @@
             <a:pPr algn="l" eaLnBrk="1" hangingPunct="1"/>
             <a:r>
               <a:rPr lang="en-US" dirty="0" err="1" smtClean="0"/>
-              <a:t>Krugman’s</a:t>
-            </a:r>
-            <a:r>
-              <a:rPr lang="en-US" dirty="0" smtClean="0"/>
-              <a:t> example</a:t>
-            </a:r>
+              <a:t>Offshoring</a:t>
+            </a:r>
+            <a:endParaRPr lang="en-US" dirty="0" smtClean="0"/>
           </a:p>
         </p:txBody>
       </p:sp>
@@ -21238,12 +21171,52 @@
                 <a:spcPct val="90000"/>
               </a:lnSpc>
               <a:spcBef>
-                <a:spcPts val="1200"/>
+                <a:spcPct val="50000"/>
               </a:spcBef>
             </a:pPr>
             <a:r>
               <a:rPr lang="en-US" sz="2400" dirty="0" smtClean="0"/>
-              <a:t>You work for Deutsche Bank, make $100k/year </a:t>
+              <a:t>Terminology </a:t>
+            </a:r>
+          </a:p>
+          <a:p>
+            <a:pPr lvl="1" eaLnBrk="1" hangingPunct="1">
+              <a:lnSpc>
+                <a:spcPct val="90000"/>
+              </a:lnSpc>
+              <a:spcBef>
+                <a:spcPct val="50000"/>
+              </a:spcBef>
+            </a:pPr>
+            <a:r>
+              <a:rPr lang="en-US" sz="2000" dirty="0" smtClean="0"/>
+              <a:t>Outsourcing:   buy something you previously produced yourself</a:t>
+            </a:r>
+          </a:p>
+          <a:p>
+            <a:pPr lvl="1" eaLnBrk="1" hangingPunct="1">
+              <a:lnSpc>
+                <a:spcPct val="90000"/>
+              </a:lnSpc>
+              <a:spcBef>
+                <a:spcPct val="50000"/>
+              </a:spcBef>
+            </a:pPr>
+            <a:r>
+              <a:rPr lang="en-US" sz="2000" dirty="0" err="1" smtClean="0"/>
+              <a:t>Offshoring</a:t>
+            </a:r>
+            <a:r>
+              <a:rPr lang="en-US" sz="2000" dirty="0" smtClean="0"/>
+              <a:t>:   usually means imports of services 		      [</a:t>
+            </a:r>
+            <a:r>
+              <a:rPr lang="en-US" sz="2000" dirty="0" err="1" smtClean="0"/>
+              <a:t>eg</a:t>
+            </a:r>
+            <a:r>
+              <a:rPr lang="en-US" sz="2000" dirty="0" smtClean="0"/>
+              <a:t>, business process outsourcing]</a:t>
             </a:r>
           </a:p>
           <a:p>
@@ -21252,12 +21225,40 @@
                 <a:spcPct val="90000"/>
               </a:lnSpc>
               <a:spcBef>
-                <a:spcPts val="1200"/>
+                <a:spcPct val="50000"/>
               </a:spcBef>
             </a:pPr>
             <a:r>
               <a:rPr lang="en-US" sz="2400" dirty="0" smtClean="0"/>
-              <a:t>They fire you, pay 20k to Indian producer, save 80k  </a:t>
+              <a:t>Technology makes this much easier than before</a:t>
+            </a:r>
+          </a:p>
+          <a:p>
+            <a:pPr lvl="1" eaLnBrk="1" hangingPunct="1">
+              <a:lnSpc>
+                <a:spcPct val="90000"/>
+              </a:lnSpc>
+              <a:spcBef>
+                <a:spcPct val="50000"/>
+              </a:spcBef>
+            </a:pPr>
+            <a:r>
+              <a:rPr lang="en-US" sz="2000" dirty="0" smtClean="0"/>
+              <a:t>Internet connections, Skype, etc </a:t>
+            </a:r>
+          </a:p>
+          <a:p>
+            <a:pPr lvl="1" eaLnBrk="1" hangingPunct="1">
+              <a:lnSpc>
+                <a:spcPct val="90000"/>
+              </a:lnSpc>
+              <a:spcBef>
+                <a:spcPct val="50000"/>
+              </a:spcBef>
+            </a:pPr>
+            <a:r>
+              <a:rPr lang="en-US" sz="2000" dirty="0" smtClean="0"/>
+              <a:t>Communication virtually free to anywhere </a:t>
             </a:r>
           </a:p>
           <a:p>
@@ -21266,12 +21267,12 @@
                 <a:spcPct val="90000"/>
               </a:lnSpc>
               <a:spcBef>
-                <a:spcPts val="1200"/>
+                <a:spcPct val="50000"/>
               </a:spcBef>
             </a:pPr>
             <a:r>
               <a:rPr lang="en-US" sz="2400" dirty="0" smtClean="0"/>
-              <a:t>Who gains?  Who loses?  </a:t>
+              <a:t>Feels more threatening to many of us</a:t>
             </a:r>
           </a:p>
         </p:txBody>
@@ -21356,7 +21357,7 @@
             </a:r>
             <a:r>
               <a:rPr lang="en-US" dirty="0" smtClean="0"/>
-              <a:t> example, cont’d </a:t>
+              <a:t> example</a:t>
             </a:r>
           </a:p>
         </p:txBody>
@@ -21386,7 +21387,7 @@
                 <a:spcPct val="90000"/>
               </a:lnSpc>
               <a:spcBef>
-                <a:spcPct val="50000"/>
+                <a:spcPts val="1200"/>
               </a:spcBef>
             </a:pPr>
             <a:r>
@@ -21400,12 +21401,12 @@
                 <a:spcPct val="90000"/>
               </a:lnSpc>
               <a:spcBef>
-                <a:spcPct val="50000"/>
+                <a:spcPts val="1200"/>
               </a:spcBef>
             </a:pPr>
             <a:r>
               <a:rPr lang="en-US" sz="2400" dirty="0" smtClean="0"/>
-              <a:t>You pay 20k to Indian producer, pocket 80k  </a:t>
+              <a:t>They fire you, pay 20k to Indian producer, save 80k  </a:t>
             </a:r>
           </a:p>
           <a:p>
@@ -21414,7 +21415,7 @@
                 <a:spcPct val="90000"/>
               </a:lnSpc>
               <a:spcBef>
-                <a:spcPct val="50000"/>
+                <a:spcPts val="1200"/>
               </a:spcBef>
             </a:pPr>
             <a:r>
@@ -21422,6 +21423,112 @@
               <a:t>Who gains?  Who loses?  </a:t>
             </a:r>
           </a:p>
+        </p:txBody>
+      </p:sp>
+      <p:sp>
+        <p:nvSpPr>
+          <p:cNvPr id="46084" name="Slide Number Placeholder 3"/>
+          <p:cNvSpPr>
+            <a:spLocks noGrp="1"/>
+          </p:cNvSpPr>
+          <p:nvPr>
+            <p:ph type="sldNum" sz="quarter" idx="12"/>
+          </p:nvPr>
+        </p:nvSpPr>
+        <p:spPr>
+          <a:noFill/>
+        </p:spPr>
+        <p:txBody>
+          <a:bodyPr/>
+          <a:lstStyle/>
+          <a:p>
+            <a:fld id="{86DBE4C1-34D3-4E54-90B2-33FC6033C4BB}" type="slidenum">
+              <a:rPr lang="en-US" smtClean="0"/>
+              <a:pPr/>
+              <a:t>65</a:t>
+            </a:fld>
+            <a:endParaRPr lang="en-US" smtClean="0"/>
+          </a:p>
+        </p:txBody>
+      </p:sp>
+    </p:spTree>
+  </p:cSld>
+  <p:clrMapOvr>
+    <a:masterClrMapping/>
+  </p:clrMapOvr>
+  <p:timing>
+    <p:tnLst>
+      <p:par>
+        <p:cTn id="1" dur="indefinite" restart="never" nodeType="tmRoot"/>
+      </p:par>
+    </p:tnLst>
+  </p:timing>
+</p:sld>
+</file>
+
+<file path=ppt/slides/slide66.xml><?xml version="1.0" encoding="utf-8"?>
+<p:sld xmlns:a="http://schemas.openxmlformats.org/drawingml/2006/main" xmlns:r="http://schemas.openxmlformats.org/officeDocument/2006/relationships" xmlns:p="http://schemas.openxmlformats.org/presentationml/2006/main">
+  <p:cSld>
+    <p:spTree>
+      <p:nvGrpSpPr>
+        <p:cNvPr id="1" name=""/>
+        <p:cNvGrpSpPr/>
+        <p:nvPr/>
+      </p:nvGrpSpPr>
+      <p:grpSpPr>
+        <a:xfrm>
+          <a:off x="0" y="0"/>
+          <a:ext cx="0" cy="0"/>
+          <a:chOff x="0" y="0"/>
+          <a:chExt cx="0" cy="0"/>
+        </a:xfrm>
+      </p:grpSpPr>
+      <p:sp>
+        <p:nvSpPr>
+          <p:cNvPr id="46082" name="Rectangle 2"/>
+          <p:cNvSpPr>
+            <a:spLocks noGrp="1" noChangeArrowheads="1"/>
+          </p:cNvSpPr>
+          <p:nvPr>
+            <p:ph type="title"/>
+          </p:nvPr>
+        </p:nvSpPr>
+        <p:spPr/>
+        <p:txBody>
+          <a:bodyPr/>
+          <a:lstStyle/>
+          <a:p>
+            <a:pPr algn="l" eaLnBrk="1" hangingPunct="1"/>
+            <a:r>
+              <a:rPr lang="en-US" dirty="0" err="1" smtClean="0"/>
+              <a:t>Krugman’s</a:t>
+            </a:r>
+            <a:r>
+              <a:rPr lang="en-US" dirty="0" smtClean="0"/>
+              <a:t> example, cont’d </a:t>
+            </a:r>
+          </a:p>
+        </p:txBody>
+      </p:sp>
+      <p:sp>
+        <p:nvSpPr>
+          <p:cNvPr id="46083" name="Rectangle 3"/>
+          <p:cNvSpPr>
+            <a:spLocks noGrp="1" noChangeArrowheads="1"/>
+          </p:cNvSpPr>
+          <p:nvPr>
+            <p:ph type="body" idx="1"/>
+          </p:nvPr>
+        </p:nvSpPr>
+        <p:spPr>
+          <a:xfrm>
+            <a:off x="457200" y="1447800"/>
+            <a:ext cx="8229600" cy="4525963"/>
+          </a:xfrm>
+        </p:spPr>
+        <p:txBody>
+          <a:bodyPr/>
+          <a:lstStyle/>
           <a:p>
             <a:pPr eaLnBrk="1" hangingPunct="1">
               <a:lnSpc>
@@ -21433,6 +21540,48 @@
             </a:pPr>
             <a:r>
               <a:rPr lang="en-US" sz="2400" dirty="0" smtClean="0"/>
+              <a:t>You work for Deutsche Bank, make $100k/year </a:t>
+            </a:r>
+          </a:p>
+          <a:p>
+            <a:pPr eaLnBrk="1" hangingPunct="1">
+              <a:lnSpc>
+                <a:spcPct val="90000"/>
+              </a:lnSpc>
+              <a:spcBef>
+                <a:spcPct val="50000"/>
+              </a:spcBef>
+            </a:pPr>
+            <a:r>
+              <a:rPr lang="en-US" sz="2400" dirty="0" smtClean="0"/>
+              <a:t>You pay 20k to Indian producer, pocket 80k  </a:t>
+            </a:r>
+          </a:p>
+          <a:p>
+            <a:pPr eaLnBrk="1" hangingPunct="1">
+              <a:lnSpc>
+                <a:spcPct val="90000"/>
+              </a:lnSpc>
+              <a:spcBef>
+                <a:spcPct val="50000"/>
+              </a:spcBef>
+            </a:pPr>
+            <a:r>
+              <a:rPr lang="en-US" sz="2400" dirty="0" smtClean="0"/>
+              <a:t>Who gains?  Who loses?  </a:t>
+            </a:r>
+          </a:p>
+          <a:p>
+            <a:pPr eaLnBrk="1" hangingPunct="1">
+              <a:lnSpc>
+                <a:spcPct val="90000"/>
+              </a:lnSpc>
+              <a:spcBef>
+                <a:spcPct val="50000"/>
+              </a:spcBef>
+            </a:pPr>
+            <a:r>
+              <a:rPr lang="en-US" sz="2400" dirty="0" smtClean="0"/>
               <a:t>Someone did this:  </a:t>
             </a:r>
             <a:r>
@@ -21465,7 +21614,7 @@
             <a:fld id="{86DBE4C1-34D3-4E54-90B2-33FC6033C4BB}" type="slidenum">
               <a:rPr lang="en-US" smtClean="0"/>
               <a:pPr/>
-              <a:t>65</a:t>
+              <a:t>66</a:t>
             </a:fld>
             <a:endParaRPr lang="en-US" smtClean="0"/>
           </a:p>
@@ -21570,7 +21719,7 @@
 </p:sld>
 </file>
 
-<file path=ppt/slides/slide66.xml><?xml version="1.0" encoding="utf-8"?>
+<file path=ppt/slides/slide67.xml><?xml version="1.0" encoding="utf-8"?>
 <p:sld xmlns:a="http://schemas.openxmlformats.org/drawingml/2006/main" xmlns:r="http://schemas.openxmlformats.org/officeDocument/2006/relationships" xmlns:p="http://schemas.openxmlformats.org/presentationml/2006/main">
   <p:cSld>
     <p:spTree>
@@ -21628,7 +21777,7 @@
           <a:graphicData uri="http://schemas.openxmlformats.org/presentationml/2006/ole">
             <mc:AlternateContent xmlns:mc="http://schemas.openxmlformats.org/markup-compatibility/2006">
               <mc:Choice xmlns:v="urn:schemas-microsoft-com:vml" Requires="v">
-                <p:oleObj spid="_x0000_s47159" r:id="rId4" imgW="8230313" imgH="4828450" progId="Excel.Sheet.8">
+                <p:oleObj spid="_x0000_s47160" r:id="rId4" imgW="8230313" imgH="4828450" progId="Excel.Sheet.8">
                   <p:embed/>
                 </p:oleObj>
               </mc:Choice>
@@ -21820,7 +21969,7 @@
             <a:fld id="{8D70604D-076A-4148-B45F-CF385E6A950A}" type="slidenum">
               <a:rPr lang="en-US" smtClean="0"/>
               <a:pPr/>
-              <a:t>66</a:t>
+              <a:t>67</a:t>
             </a:fld>
             <a:endParaRPr lang="en-US" smtClean="0"/>
           </a:p>
@@ -21871,7 +22020,7 @@
 </p:sld>
 </file>
 
-<file path=ppt/slides/slide67.xml><?xml version="1.0" encoding="utf-8"?>
+<file path=ppt/slides/slide68.xml><?xml version="1.0" encoding="utf-8"?>
 <p:sld xmlns:a="http://schemas.openxmlformats.org/drawingml/2006/main" xmlns:r="http://schemas.openxmlformats.org/officeDocument/2006/relationships" xmlns:p="http://schemas.openxmlformats.org/presentationml/2006/main">
   <p:cSld>
     <p:spTree>
@@ -21929,7 +22078,7 @@
           <a:graphicData uri="http://schemas.openxmlformats.org/presentationml/2006/ole">
             <mc:AlternateContent xmlns:mc="http://schemas.openxmlformats.org/markup-compatibility/2006">
               <mc:Choice xmlns:v="urn:schemas-microsoft-com:vml" Requires="v">
-                <p:oleObj spid="_x0000_s48183" r:id="rId4" imgW="8230313" imgH="4828450" progId="Excel.Sheet.8">
+                <p:oleObj spid="_x0000_s48184" r:id="rId4" imgW="8230313" imgH="4828450" progId="Excel.Sheet.8">
                   <p:embed/>
                 </p:oleObj>
               </mc:Choice>
@@ -22091,7 +22240,7 @@
             <a:fld id="{701A94FB-3E50-4FD8-8520-5D888D371002}" type="slidenum">
               <a:rPr lang="en-US" smtClean="0"/>
               <a:pPr/>
-              <a:t>67</a:t>
+              <a:t>68</a:t>
             </a:fld>
             <a:endParaRPr lang="en-US" smtClean="0"/>
           </a:p>
@@ -22142,7 +22291,7 @@
 </p:sld>
 </file>
 
-<file path=ppt/slides/slide68.xml><?xml version="1.0" encoding="utf-8"?>
+<file path=ppt/slides/slide69.xml><?xml version="1.0" encoding="utf-8"?>
 <p:sld xmlns:a="http://schemas.openxmlformats.org/drawingml/2006/main" xmlns:r="http://schemas.openxmlformats.org/officeDocument/2006/relationships" xmlns:p="http://schemas.openxmlformats.org/presentationml/2006/main">
   <p:cSld>
     <p:spTree>
@@ -22200,7 +22349,7 @@
           <a:graphicData uri="http://schemas.openxmlformats.org/presentationml/2006/ole">
             <mc:AlternateContent xmlns:mc="http://schemas.openxmlformats.org/markup-compatibility/2006">
               <mc:Choice xmlns:v="urn:schemas-microsoft-com:vml" Requires="v">
-                <p:oleObj spid="_x0000_s49207" name="Chart" r:id="rId3" imgW="8229499" imgH="4524257" progId="MSGraph.Chart.8">
+                <p:oleObj spid="_x0000_s49208" name="Chart" r:id="rId3" imgW="8229499" imgH="4524257" progId="MSGraph.Chart.8">
                   <p:embed followColorScheme="full"/>
                 </p:oleObj>
               </mc:Choice>
@@ -22362,7 +22511,7 @@
             <a:fld id="{82FE0629-C0C5-4217-A891-CE47B2D2688A}" type="slidenum">
               <a:rPr lang="en-US" smtClean="0"/>
               <a:pPr/>
-              <a:t>68</a:t>
+              <a:t>69</a:t>
             </a:fld>
             <a:endParaRPr lang="en-US" smtClean="0"/>
           </a:p>
@@ -22395,66 +22544,6 @@
               <a:t>Source:   BEA, International data, table 3a.  </a:t>
             </a:r>
             <a:endParaRPr lang="en-US" sz="1200" dirty="0"/>
-          </a:p>
-        </p:txBody>
-      </p:sp>
-    </p:spTree>
-  </p:cSld>
-  <p:clrMapOvr>
-    <a:masterClrMapping/>
-  </p:clrMapOvr>
-  <p:timing>
-    <p:tnLst>
-      <p:par>
-        <p:cTn id="1" dur="indefinite" restart="never" nodeType="tmRoot"/>
-      </p:par>
-    </p:tnLst>
-  </p:timing>
-</p:sld>
-</file>
-
-<file path=ppt/slides/slide69.xml><?xml version="1.0" encoding="utf-8"?>
-<p:sld xmlns:a="http://schemas.openxmlformats.org/drawingml/2006/main" xmlns:r="http://schemas.openxmlformats.org/officeDocument/2006/relationships" xmlns:p="http://schemas.openxmlformats.org/presentationml/2006/main">
-  <p:cSld>
-    <p:spTree>
-      <p:nvGrpSpPr>
-        <p:cNvPr id="1" name=""/>
-        <p:cNvGrpSpPr/>
-        <p:nvPr/>
-      </p:nvGrpSpPr>
-      <p:grpSpPr>
-        <a:xfrm>
-          <a:off x="0" y="0"/>
-          <a:ext cx="0" cy="0"/>
-          <a:chOff x="0" y="0"/>
-          <a:chExt cx="0" cy="0"/>
-        </a:xfrm>
-      </p:grpSpPr>
-      <p:sp>
-        <p:nvSpPr>
-          <p:cNvPr id="57346" name="Rectangle 4"/>
-          <p:cNvSpPr>
-            <a:spLocks noGrp="1" noChangeArrowheads="1"/>
-          </p:cNvSpPr>
-          <p:nvPr>
-            <p:ph type="ctrTitle"/>
-          </p:nvPr>
-        </p:nvSpPr>
-        <p:spPr>
-          <a:xfrm>
-            <a:off x="685800" y="2667000"/>
-            <a:ext cx="7772400" cy="1470025"/>
-          </a:xfrm>
-        </p:spPr>
-        <p:txBody>
-          <a:bodyPr/>
-          <a:lstStyle/>
-          <a:p>
-            <a:pPr eaLnBrk="1" hangingPunct="1"/>
-            <a:r>
-              <a:rPr lang="en-US" i="1" dirty="0" smtClean="0"/>
-              <a:t>Trade restrictions </a:t>
-            </a:r>
           </a:p>
         </p:txBody>
       </p:sp>
@@ -22547,100 +22636,29 @@
       </p:grpSpPr>
       <p:sp>
         <p:nvSpPr>
-          <p:cNvPr id="60418" name="Rectangle 2"/>
+          <p:cNvPr id="57346" name="Rectangle 4"/>
           <p:cNvSpPr>
             <a:spLocks noGrp="1" noChangeArrowheads="1"/>
           </p:cNvSpPr>
           <p:nvPr>
-            <p:ph type="title"/>
-          </p:nvPr>
-        </p:nvSpPr>
-        <p:spPr/>
-        <p:txBody>
-          <a:bodyPr/>
-          <a:lstStyle/>
-          <a:p>
-            <a:pPr algn="l"/>
-            <a:r>
-              <a:rPr lang="en-US" dirty="0" smtClean="0"/>
-              <a:t>Managing markets</a:t>
-            </a:r>
-          </a:p>
-        </p:txBody>
-      </p:sp>
-      <p:sp>
-        <p:nvSpPr>
-          <p:cNvPr id="60419" name="Rectangle 3"/>
-          <p:cNvSpPr>
-            <a:spLocks noGrp="1" noChangeArrowheads="1"/>
-          </p:cNvSpPr>
-          <p:nvPr>
-            <p:ph type="body" idx="1"/>
-          </p:nvPr>
-        </p:nvSpPr>
-        <p:spPr/>
-        <p:txBody>
-          <a:bodyPr/>
-          <a:lstStyle/>
-          <a:p>
-            <a:pPr>
-              <a:spcBef>
-                <a:spcPts val="1200"/>
-              </a:spcBef>
-            </a:pPr>
-            <a:r>
-              <a:rPr lang="en-US" sz="2400" dirty="0" smtClean="0"/>
-              <a:t>There are times markets don’t work well </a:t>
-            </a:r>
-          </a:p>
-          <a:p>
-            <a:pPr>
-              <a:spcBef>
-                <a:spcPts val="1200"/>
-              </a:spcBef>
-            </a:pPr>
-            <a:r>
-              <a:rPr lang="en-US" sz="2400" dirty="0" smtClean="0"/>
-              <a:t>But hard-earned experience makes us modest about chances of doing better </a:t>
-            </a:r>
-          </a:p>
-          <a:p>
-            <a:pPr>
-              <a:spcBef>
-                <a:spcPts val="1200"/>
-              </a:spcBef>
-            </a:pPr>
-            <a:r>
-              <a:rPr lang="en-US" sz="2400" dirty="0" smtClean="0"/>
-              <a:t>See for yourself…</a:t>
-            </a:r>
-            <a:endParaRPr lang="en-US" sz="2000" dirty="0" smtClean="0"/>
-          </a:p>
-        </p:txBody>
-      </p:sp>
-      <p:sp>
-        <p:nvSpPr>
-          <p:cNvPr id="60420" name="Slide Number Placeholder 3"/>
-          <p:cNvSpPr>
-            <a:spLocks noGrp="1"/>
-          </p:cNvSpPr>
-          <p:nvPr>
-            <p:ph type="sldNum" sz="quarter" idx="12"/>
+            <p:ph type="ctrTitle"/>
           </p:nvPr>
         </p:nvSpPr>
         <p:spPr>
-          <a:noFill/>
+          <a:xfrm>
+            <a:off x="685800" y="2667000"/>
+            <a:ext cx="7772400" cy="1470025"/>
+          </a:xfrm>
         </p:spPr>
         <p:txBody>
           <a:bodyPr/>
           <a:lstStyle/>
           <a:p>
-            <a:fld id="{2DD4ECBD-5268-4BCD-AE1C-2FC898C65B02}" type="slidenum">
-              <a:rPr lang="en-US" smtClean="0"/>
-              <a:pPr/>
-              <a:t>70</a:t>
-            </a:fld>
-            <a:endParaRPr lang="en-US" smtClean="0"/>
+            <a:pPr eaLnBrk="1" hangingPunct="1"/>
+            <a:r>
+              <a:rPr lang="en-US" i="1" dirty="0" smtClean="0"/>
+              <a:t>Trade restrictions </a:t>
+            </a:r>
           </a:p>
         </p:txBody>
       </p:sp>
@@ -22694,7 +22712,7 @@
             <a:pPr algn="l"/>
             <a:r>
               <a:rPr lang="en-US" dirty="0" smtClean="0"/>
-              <a:t>Ways to restrict trade</a:t>
+              <a:t>Managing markets</a:t>
             </a:r>
           </a:p>
         </p:txBody>
@@ -22716,44 +22734,36 @@
           <a:p>
             <a:pPr>
               <a:spcBef>
-                <a:spcPts val="600"/>
-              </a:spcBef>
-              <a:spcAft>
-                <a:spcPts val="600"/>
-              </a:spcAft>
+                <a:spcPts val="1200"/>
+              </a:spcBef>
             </a:pPr>
             <a:r>
               <a:rPr lang="en-US" sz="2400" dirty="0" smtClean="0"/>
-              <a:t>Tariffs limited by treaty, so use </a:t>
-            </a:r>
-          </a:p>
-          <a:p>
-            <a:pPr lvl="1"/>
-            <a:r>
-              <a:rPr lang="en-US" sz="2000" dirty="0" smtClean="0"/>
-              <a:t>Subsidies to local producers </a:t>
-            </a:r>
-          </a:p>
-          <a:p>
-            <a:pPr lvl="1"/>
-            <a:r>
-              <a:rPr lang="en-US" sz="2000" dirty="0" smtClean="0"/>
-              <a:t>Health and safety regulations </a:t>
-            </a:r>
-          </a:p>
-          <a:p>
-            <a:pPr lvl="1"/>
-            <a:r>
-              <a:rPr lang="en-US" sz="2000" dirty="0" smtClean="0"/>
-              <a:t>Quotas</a:t>
-            </a:r>
-          </a:p>
-          <a:p>
-            <a:pPr lvl="1"/>
-            <a:r>
-              <a:rPr lang="en-US" sz="2000" dirty="0" smtClean="0"/>
-              <a:t>Antidumping suits </a:t>
-            </a:r>
+              <a:t>There are times markets don’t work well </a:t>
+            </a:r>
+          </a:p>
+          <a:p>
+            <a:pPr>
+              <a:spcBef>
+                <a:spcPts val="1200"/>
+              </a:spcBef>
+            </a:pPr>
+            <a:r>
+              <a:rPr lang="en-US" sz="2400" dirty="0" smtClean="0"/>
+              <a:t>But hard-earned experience makes us modest about chances of doing better </a:t>
+            </a:r>
+          </a:p>
+          <a:p>
+            <a:pPr>
+              <a:spcBef>
+                <a:spcPts val="1200"/>
+              </a:spcBef>
+            </a:pPr>
+            <a:r>
+              <a:rPr lang="en-US" sz="2400" dirty="0" smtClean="0"/>
+              <a:t>See for yourself…</a:t>
+            </a:r>
+            <a:endParaRPr lang="en-US" sz="2000" dirty="0" smtClean="0"/>
           </a:p>
         </p:txBody>
       </p:sp>
@@ -22784,11 +22794,6 @@
         </p:txBody>
       </p:sp>
     </p:spTree>
-    <p:extLst>
-      <p:ext uri="{BB962C8B-B14F-4D97-AF65-F5344CB8AC3E}">
-        <p14:creationId xmlns:p14="http://schemas.microsoft.com/office/powerpoint/2010/main" val="1573391472"/>
-      </p:ext>
-    </p:extLst>
   </p:cSld>
   <p:clrMapOvr>
     <a:masterClrMapping/>
@@ -22822,7 +22827,7 @@
       </p:grpSpPr>
       <p:sp>
         <p:nvSpPr>
-          <p:cNvPr id="61442" name="Rectangle 2"/>
+          <p:cNvPr id="60418" name="Rectangle 2"/>
           <p:cNvSpPr>
             <a:spLocks noGrp="1" noChangeArrowheads="1"/>
           </p:cNvSpPr>
@@ -22835,17 +22840,17 @@
           <a:bodyPr/>
           <a:lstStyle/>
           <a:p>
-            <a:pPr algn="l" eaLnBrk="1" hangingPunct="1"/>
+            <a:pPr algn="l"/>
             <a:r>
               <a:rPr lang="en-US" dirty="0" smtClean="0"/>
-              <a:t>Subsidies to sugar producers</a:t>
-            </a:r>
-          </a:p>
-        </p:txBody>
-      </p:sp>
-      <p:sp>
-        <p:nvSpPr>
-          <p:cNvPr id="61443" name="Rectangle 3"/>
+              <a:t>Ways to restrict trade</a:t>
+            </a:r>
+          </a:p>
+        </p:txBody>
+      </p:sp>
+      <p:sp>
+        <p:nvSpPr>
+          <p:cNvPr id="60419" name="Rectangle 3"/>
           <p:cNvSpPr>
             <a:spLocks noGrp="1" noChangeArrowheads="1"/>
           </p:cNvSpPr>
@@ -22853,160 +22858,57 @@
             <p:ph type="body" idx="1"/>
           </p:nvPr>
         </p:nvSpPr>
-        <p:spPr>
-          <a:xfrm>
-            <a:off x="457200" y="1493837"/>
-            <a:ext cx="8229600" cy="4754563"/>
-          </a:xfrm>
-        </p:spPr>
-        <p:txBody>
-          <a:bodyPr/>
-          <a:lstStyle/>
-          <a:p>
-            <a:pPr eaLnBrk="1" hangingPunct="1">
-              <a:lnSpc>
-                <a:spcPct val="80000"/>
-              </a:lnSpc>
-              <a:spcBef>
-                <a:spcPct val="50000"/>
-              </a:spcBef>
+        <p:spPr/>
+        <p:txBody>
+          <a:bodyPr/>
+          <a:lstStyle/>
+          <a:p>
+            <a:pPr>
+              <a:spcBef>
+                <a:spcPts val="600"/>
+              </a:spcBef>
+              <a:spcAft>
+                <a:spcPts val="600"/>
+              </a:spcAft>
             </a:pPr>
             <a:r>
               <a:rPr lang="en-US" sz="2400" dirty="0" smtClean="0"/>
-              <a:t>US policy</a:t>
-            </a:r>
-          </a:p>
-          <a:p>
-            <a:pPr lvl="1" eaLnBrk="1" hangingPunct="1">
-              <a:lnSpc>
-                <a:spcPct val="80000"/>
-              </a:lnSpc>
-              <a:spcBef>
-                <a:spcPct val="50000"/>
-              </a:spcBef>
-            </a:pPr>
+              <a:t>Tariffs limited by treaty, so use </a:t>
+            </a:r>
+          </a:p>
+          <a:p>
+            <a:pPr lvl="1"/>
             <a:r>
               <a:rPr lang="en-US" sz="2000" dirty="0" smtClean="0"/>
-              <a:t>Guaranteed prices for sugar (18-22 cents per lb.)</a:t>
-            </a:r>
-          </a:p>
-          <a:p>
-            <a:pPr lvl="1" eaLnBrk="1" hangingPunct="1">
-              <a:lnSpc>
-                <a:spcPct val="80000"/>
-              </a:lnSpc>
-              <a:spcBef>
-                <a:spcPct val="50000"/>
-              </a:spcBef>
-            </a:pPr>
+              <a:t>Subsidies to local producers </a:t>
+            </a:r>
+          </a:p>
+          <a:p>
+            <a:pPr lvl="1"/>
             <a:r>
               <a:rPr lang="en-US" sz="2000" dirty="0" smtClean="0"/>
-              <a:t>World price for sugar around 9 cents per lb.</a:t>
-            </a:r>
-          </a:p>
-          <a:p>
-            <a:pPr lvl="1" eaLnBrk="1" hangingPunct="1">
-              <a:lnSpc>
-                <a:spcPct val="80000"/>
-              </a:lnSpc>
-              <a:spcBef>
-                <a:spcPct val="50000"/>
-              </a:spcBef>
-            </a:pPr>
+              <a:t>Health and safety regulations </a:t>
+            </a:r>
+          </a:p>
+          <a:p>
+            <a:pPr lvl="1"/>
             <a:r>
               <a:rPr lang="en-US" sz="2000" dirty="0" smtClean="0"/>
-              <a:t>Estimated cost:  $2.15b over 10 years</a:t>
-            </a:r>
-          </a:p>
-          <a:p>
-            <a:pPr eaLnBrk="1" hangingPunct="1">
-              <a:lnSpc>
-                <a:spcPct val="80000"/>
-              </a:lnSpc>
-              <a:spcBef>
-                <a:spcPct val="50000"/>
-              </a:spcBef>
-            </a:pPr>
-            <a:r>
-              <a:rPr lang="en-US" sz="2400" dirty="0" smtClean="0"/>
-              <a:t>Who gains?   </a:t>
-            </a:r>
-          </a:p>
-          <a:p>
-            <a:pPr lvl="1" eaLnBrk="1" hangingPunct="1">
-              <a:lnSpc>
-                <a:spcPct val="80000"/>
-              </a:lnSpc>
-              <a:spcBef>
-                <a:spcPct val="50000"/>
-              </a:spcBef>
-            </a:pPr>
+              <a:t>Quotas</a:t>
+            </a:r>
+          </a:p>
+          <a:p>
+            <a:pPr lvl="1"/>
             <a:r>
               <a:rPr lang="en-US" sz="2000" dirty="0" smtClean="0"/>
-              <a:t>5,980 sugar and sugar beet farms in 2002 census (600k per!)</a:t>
-            </a:r>
-          </a:p>
-          <a:p>
-            <a:pPr eaLnBrk="1" hangingPunct="1">
-              <a:lnSpc>
-                <a:spcPct val="80000"/>
-              </a:lnSpc>
-              <a:spcBef>
-                <a:spcPct val="50000"/>
-              </a:spcBef>
-            </a:pPr>
-            <a:r>
-              <a:rPr lang="en-US" sz="2400" dirty="0" smtClean="0"/>
-              <a:t>Who loses?    </a:t>
-            </a:r>
-          </a:p>
-          <a:p>
-            <a:pPr lvl="1" eaLnBrk="1" hangingPunct="1">
-              <a:lnSpc>
-                <a:spcPct val="80000"/>
-              </a:lnSpc>
-              <a:spcBef>
-                <a:spcPct val="50000"/>
-              </a:spcBef>
-            </a:pPr>
-            <a:r>
-              <a:rPr lang="en-US" sz="2000" dirty="0" smtClean="0"/>
-              <a:t>Taxpayers </a:t>
-            </a:r>
-          </a:p>
-          <a:p>
-            <a:pPr lvl="1" eaLnBrk="1" hangingPunct="1">
-              <a:lnSpc>
-                <a:spcPct val="80000"/>
-              </a:lnSpc>
-              <a:spcBef>
-                <a:spcPct val="50000"/>
-              </a:spcBef>
-            </a:pPr>
-            <a:r>
-              <a:rPr lang="en-US" sz="2000" dirty="0" smtClean="0"/>
-              <a:t>Consumers:  they pay $1.9b over world price </a:t>
-            </a:r>
-          </a:p>
-          <a:p>
-            <a:pPr eaLnBrk="1" hangingPunct="1">
-              <a:lnSpc>
-                <a:spcPct val="80000"/>
-              </a:lnSpc>
-              <a:spcBef>
-                <a:spcPct val="50000"/>
-              </a:spcBef>
-            </a:pPr>
-            <a:r>
-              <a:rPr lang="en-US" sz="2400" dirty="0" smtClean="0"/>
-              <a:t>Who’s the pirate?</a:t>
-            </a:r>
-          </a:p>
-        </p:txBody>
-      </p:sp>
-      <p:sp>
-        <p:nvSpPr>
-          <p:cNvPr id="61444" name="Slide Number Placeholder 3"/>
+              <a:t>Antidumping suits </a:t>
+            </a:r>
+          </a:p>
+        </p:txBody>
+      </p:sp>
+      <p:sp>
+        <p:nvSpPr>
+          <p:cNvPr id="60420" name="Slide Number Placeholder 3"/>
           <p:cNvSpPr>
             <a:spLocks noGrp="1"/>
           </p:cNvSpPr>
@@ -23021,7 +22923,7 @@
           <a:bodyPr/>
           <a:lstStyle/>
           <a:p>
-            <a:fld id="{D0835708-5609-4526-A0B8-8B0C01212E7E}" type="slidenum">
+            <a:fld id="{2DD4ECBD-5268-4BCD-AE1C-2FC898C65B02}" type="slidenum">
               <a:rPr lang="en-US" smtClean="0"/>
               <a:pPr/>
               <a:t>72</a:t>
@@ -23031,6 +22933,11 @@
         </p:txBody>
       </p:sp>
     </p:spTree>
+    <p:extLst>
+      <p:ext uri="{BB962C8B-B14F-4D97-AF65-F5344CB8AC3E}">
+        <p14:creationId xmlns:p14="http://schemas.microsoft.com/office/powerpoint/2010/main" val="1573391472"/>
+      </p:ext>
+    </p:extLst>
   </p:cSld>
   <p:clrMapOvr>
     <a:masterClrMapping/>
@@ -23080,7 +22987,7 @@
             <a:pPr algn="l" eaLnBrk="1" hangingPunct="1"/>
             <a:r>
               <a:rPr lang="en-US" dirty="0" smtClean="0"/>
-              <a:t>Subsidies to sugar producers, cont’d</a:t>
+              <a:t>Subsidies to sugar producers</a:t>
             </a:r>
           </a:p>
         </p:txBody>
@@ -23110,15 +23017,54 @@
                 <a:spcPct val="80000"/>
               </a:lnSpc>
               <a:spcBef>
-                <a:spcPts val="1200"/>
-              </a:spcBef>
-              <a:spcAft>
-                <a:spcPts val="600"/>
-              </a:spcAft>
+                <a:spcPct val="50000"/>
+              </a:spcBef>
             </a:pPr>
             <a:r>
               <a:rPr lang="en-US" sz="2400" dirty="0" smtClean="0"/>
-              <a:t>Why does this work?  </a:t>
+              <a:t>US policy</a:t>
+            </a:r>
+          </a:p>
+          <a:p>
+            <a:pPr lvl="1" eaLnBrk="1" hangingPunct="1">
+              <a:lnSpc>
+                <a:spcPct val="80000"/>
+              </a:lnSpc>
+              <a:spcBef>
+                <a:spcPct val="50000"/>
+              </a:spcBef>
+            </a:pPr>
+            <a:r>
+              <a:rPr lang="en-US" sz="2000" dirty="0" smtClean="0"/>
+              <a:t>Guaranteed prices for sugar (18-22 cents per lb.)</a:t>
+            </a:r>
+          </a:p>
+          <a:p>
+            <a:pPr lvl="1" eaLnBrk="1" hangingPunct="1">
+              <a:lnSpc>
+                <a:spcPct val="80000"/>
+              </a:lnSpc>
+              <a:spcBef>
+                <a:spcPct val="50000"/>
+              </a:spcBef>
+            </a:pPr>
+            <a:r>
+              <a:rPr lang="en-US" sz="2000" dirty="0" smtClean="0"/>
+              <a:t>World price for sugar around 9 cents per lb.</a:t>
+            </a:r>
+          </a:p>
+          <a:p>
+            <a:pPr lvl="1" eaLnBrk="1" hangingPunct="1">
+              <a:lnSpc>
+                <a:spcPct val="80000"/>
+              </a:lnSpc>
+              <a:spcBef>
+                <a:spcPct val="50000"/>
+              </a:spcBef>
+            </a:pPr>
+            <a:r>
+              <a:rPr lang="en-US" sz="2000" dirty="0" smtClean="0"/>
+              <a:t>Estimated cost:  $2.15b over 10 years</a:t>
             </a:r>
           </a:p>
           <a:p>
@@ -23127,15 +23073,12 @@
                 <a:spcPct val="80000"/>
               </a:lnSpc>
               <a:spcBef>
-                <a:spcPts val="1200"/>
-              </a:spcBef>
-              <a:spcAft>
-                <a:spcPts val="600"/>
-              </a:spcAft>
+                <a:spcPct val="50000"/>
+              </a:spcBef>
             </a:pPr>
             <a:r>
               <a:rPr lang="en-US" sz="2400" dirty="0" smtClean="0"/>
-              <a:t>Accidental byproducts</a:t>
+              <a:t>Who gains?   </a:t>
             </a:r>
           </a:p>
           <a:p>
@@ -23149,7 +23092,21 @@
             </a:pPr>
             <a:r>
               <a:rPr lang="en-US" sz="2000" dirty="0" smtClean="0"/>
-              <a:t>High-fructose corn syrup</a:t>
+              <a:t>5,980 sugar and sugar beet farms in 2002 census (600k per!)</a:t>
+            </a:r>
+          </a:p>
+          <a:p>
+            <a:pPr eaLnBrk="1" hangingPunct="1">
+              <a:lnSpc>
+                <a:spcPct val="80000"/>
+              </a:lnSpc>
+              <a:spcBef>
+                <a:spcPct val="50000"/>
+              </a:spcBef>
+            </a:pPr>
+            <a:r>
+              <a:rPr lang="en-US" sz="2400" dirty="0" smtClean="0"/>
+              <a:t>Who loses?    </a:t>
             </a:r>
           </a:p>
           <a:p>
@@ -23163,9 +23120,36 @@
             </a:pPr>
             <a:r>
               <a:rPr lang="en-US" sz="2000" dirty="0" smtClean="0"/>
-              <a:t>Ethanol </a:t>
-            </a:r>
-            <a:endParaRPr lang="en-US" sz="2400" dirty="0" smtClean="0"/>
+              <a:t>Taxpayers </a:t>
+            </a:r>
+          </a:p>
+          <a:p>
+            <a:pPr lvl="1" eaLnBrk="1" hangingPunct="1">
+              <a:lnSpc>
+                <a:spcPct val="80000"/>
+              </a:lnSpc>
+              <a:spcBef>
+                <a:spcPct val="50000"/>
+              </a:spcBef>
+            </a:pPr>
+            <a:r>
+              <a:rPr lang="en-US" sz="2000" dirty="0" smtClean="0"/>
+              <a:t>Consumers:  they pay $1.9b over world price </a:t>
+            </a:r>
+          </a:p>
+          <a:p>
+            <a:pPr eaLnBrk="1" hangingPunct="1">
+              <a:lnSpc>
+                <a:spcPct val="80000"/>
+              </a:lnSpc>
+              <a:spcBef>
+                <a:spcPct val="50000"/>
+              </a:spcBef>
+            </a:pPr>
+            <a:r>
+              <a:rPr lang="en-US" sz="2400" dirty="0" smtClean="0"/>
+              <a:t>Who’s the pirate?</a:t>
+            </a:r>
           </a:p>
         </p:txBody>
       </p:sp>
@@ -23283,7 +23267,7 @@
             </a:pPr>
             <a:r>
               <a:rPr lang="en-US" sz="2400" dirty="0" smtClean="0"/>
-              <a:t>Links</a:t>
+              <a:t>Why does this work?  </a:t>
             </a:r>
           </a:p>
           <a:p>
@@ -23299,50 +23283,36 @@
               </a:spcAft>
             </a:pPr>
             <a:r>
-              <a:rPr lang="en-US" sz="2400" dirty="0" smtClean="0">
-                <a:hlinkClick r:id="rId3"/>
-              </a:rPr>
-              <a:t>http://www.npr.org/2013/03/28/175569499/farm-bills-sugar-subsidy-more-taxing-than-sweet-critics-say</a:t>
-            </a:r>
-            <a:r>
               <a:rPr lang="en-US" sz="2400" dirty="0" smtClean="0"/>
-              <a:t/>
-            </a:r>
-            <a:br>
-              <a:rPr lang="en-US" sz="2400" dirty="0" smtClean="0"/>
-            </a:br>
-            <a:r>
-              <a:rPr lang="en-US" sz="2400" dirty="0" smtClean="0"/>
-              <a:t/>
-            </a:r>
-            <a:br>
-              <a:rPr lang="en-US" sz="2400" dirty="0" smtClean="0"/>
-            </a:br>
-            <a:r>
-              <a:rPr lang="en-US" sz="2400" dirty="0" smtClean="0">
-                <a:hlinkClick r:id="rId4"/>
-              </a:rPr>
-              <a:t>http://www.motherjones.com/kevin-drum/2013/06/sugar-industry-getting-sweet-deal-uncle-sugar</a:t>
-            </a:r>
-            <a:endParaRPr lang="en-US" sz="2400" dirty="0" smtClean="0"/>
-          </a:p>
-          <a:p>
-            <a:pPr eaLnBrk="1" hangingPunct="1">
+              <a:t>Accidental byproducts</a:t>
+            </a:r>
+          </a:p>
+          <a:p>
+            <a:pPr lvl="1" eaLnBrk="1" hangingPunct="1">
               <a:lnSpc>
                 <a:spcPct val="80000"/>
               </a:lnSpc>
               <a:spcBef>
-                <a:spcPts val="1200"/>
-              </a:spcBef>
-              <a:spcAft>
-                <a:spcPts val="600"/>
-              </a:spcAft>
-            </a:pPr>
-            <a:r>
-              <a:rPr lang="en-US" sz="2400" smtClean="0">
-                <a:hlinkClick r:id="rId5"/>
-              </a:rPr>
-              <a:t>http://www.mysanantonio.com/opinion/commentary/article/Sweet-deal-for-U-S-sugar-growers-4923616.php</a:t>
+                <a:spcPct val="50000"/>
+              </a:spcBef>
+            </a:pPr>
+            <a:r>
+              <a:rPr lang="en-US" sz="2000" dirty="0" smtClean="0"/>
+              <a:t>High-fructose corn syrup</a:t>
+            </a:r>
+          </a:p>
+          <a:p>
+            <a:pPr lvl="1" eaLnBrk="1" hangingPunct="1">
+              <a:lnSpc>
+                <a:spcPct val="80000"/>
+              </a:lnSpc>
+              <a:spcBef>
+                <a:spcPct val="50000"/>
+              </a:spcBef>
+            </a:pPr>
+            <a:r>
+              <a:rPr lang="en-US" sz="2000" dirty="0" smtClean="0"/>
+              <a:t>Ethanol </a:t>
             </a:r>
             <a:endParaRPr lang="en-US" sz="2400" dirty="0" smtClean="0"/>
           </a:p>
@@ -23424,7 +23394,7 @@
             <a:pPr algn="l" eaLnBrk="1" hangingPunct="1"/>
             <a:r>
               <a:rPr lang="en-US" dirty="0" smtClean="0"/>
-              <a:t>Subsidies to cotton producers</a:t>
+              <a:t>Subsidies to sugar producers, cont’d</a:t>
             </a:r>
           </a:p>
         </p:txBody>
@@ -23454,82 +23424,15 @@
                 <a:spcPct val="80000"/>
               </a:lnSpc>
               <a:spcBef>
-                <a:spcPct val="50000"/>
-              </a:spcBef>
+                <a:spcPts val="1200"/>
+              </a:spcBef>
+              <a:spcAft>
+                <a:spcPts val="600"/>
+              </a:spcAft>
             </a:pPr>
             <a:r>
               <a:rPr lang="en-US" sz="2400" dirty="0" smtClean="0"/>
-              <a:t>US policy</a:t>
-            </a:r>
-          </a:p>
-          <a:p>
-            <a:pPr lvl="1" eaLnBrk="1" hangingPunct="1">
-              <a:lnSpc>
-                <a:spcPct val="80000"/>
-              </a:lnSpc>
-              <a:spcBef>
-                <a:spcPct val="50000"/>
-              </a:spcBef>
-            </a:pPr>
-            <a:r>
-              <a:rPr lang="en-US" sz="2000" dirty="0" smtClean="0"/>
-              <a:t>Agreed to $1.6b cap in 1995</a:t>
-            </a:r>
-          </a:p>
-          <a:p>
-            <a:pPr lvl="1" eaLnBrk="1" hangingPunct="1">
-              <a:lnSpc>
-                <a:spcPct val="80000"/>
-              </a:lnSpc>
-              <a:spcBef>
-                <a:spcPct val="50000"/>
-              </a:spcBef>
-            </a:pPr>
-            <a:r>
-              <a:rPr lang="en-US" sz="2000" dirty="0" smtClean="0"/>
-              <a:t>Current subsidy:  &gt;$2b</a:t>
-            </a:r>
-          </a:p>
-          <a:p>
-            <a:pPr lvl="1" eaLnBrk="1" hangingPunct="1">
-              <a:lnSpc>
-                <a:spcPct val="80000"/>
-              </a:lnSpc>
-              <a:spcBef>
-                <a:spcPct val="50000"/>
-              </a:spcBef>
-            </a:pPr>
-            <a:r>
-              <a:rPr lang="en-US" sz="2000" dirty="0" smtClean="0"/>
-              <a:t>Brazil argued they violate trade rules </a:t>
-            </a:r>
-          </a:p>
-          <a:p>
-            <a:pPr lvl="1" eaLnBrk="1" hangingPunct="1">
-              <a:lnSpc>
-                <a:spcPct val="80000"/>
-              </a:lnSpc>
-              <a:spcBef>
-                <a:spcPct val="50000"/>
-              </a:spcBef>
-            </a:pPr>
-            <a:r>
-              <a:rPr lang="en-US" sz="2000" dirty="0" smtClean="0"/>
-              <a:t>WTO agreed in 2004 </a:t>
-            </a:r>
-          </a:p>
-          <a:p>
-            <a:pPr lvl="1" eaLnBrk="1" hangingPunct="1">
-              <a:lnSpc>
-                <a:spcPct val="80000"/>
-              </a:lnSpc>
-              <a:spcBef>
-                <a:spcPct val="50000"/>
-              </a:spcBef>
-            </a:pPr>
-            <a:r>
-              <a:rPr lang="en-US" sz="2000" dirty="0" smtClean="0"/>
-              <a:t>Resolution:  we subsidize Brazilian producers, too </a:t>
+              <a:t>Links</a:t>
             </a:r>
           </a:p>
           <a:p>
@@ -23538,13 +23441,39 @@
                 <a:spcPct val="80000"/>
               </a:lnSpc>
               <a:spcBef>
-                <a:spcPct val="50000"/>
-              </a:spcBef>
-            </a:pPr>
+                <a:spcPts val="1200"/>
+              </a:spcBef>
+              <a:spcAft>
+                <a:spcPts val="600"/>
+              </a:spcAft>
+            </a:pPr>
+            <a:r>
+              <a:rPr lang="en-US" sz="2400" dirty="0" smtClean="0">
+                <a:hlinkClick r:id="rId3"/>
+              </a:rPr>
+              <a:t>http://www.npr.org/2013/03/28/175569499/farm-bills-sugar-subsidy-more-taxing-than-sweet-critics-say</a:t>
+            </a:r>
             <a:r>
               <a:rPr lang="en-US" sz="2400" dirty="0" smtClean="0"/>
-              <a:t>Who gains?  Who loses?  Who’s the pirate?  </a:t>
-            </a:r>
+              <a:t/>
+            </a:r>
+            <a:br>
+              <a:rPr lang="en-US" sz="2400" dirty="0" smtClean="0"/>
+            </a:br>
+            <a:r>
+              <a:rPr lang="en-US" sz="2400" dirty="0" smtClean="0"/>
+              <a:t/>
+            </a:r>
+            <a:br>
+              <a:rPr lang="en-US" sz="2400" dirty="0" smtClean="0"/>
+            </a:br>
+            <a:r>
+              <a:rPr lang="en-US" sz="2400" dirty="0" smtClean="0">
+                <a:hlinkClick r:id="rId4"/>
+              </a:rPr>
+              <a:t>http://www.motherjones.com/kevin-drum/2013/06/sugar-industry-getting-sweet-deal-uncle-sugar</a:t>
+            </a:r>
+            <a:endParaRPr lang="en-US" sz="2400" dirty="0" smtClean="0"/>
           </a:p>
           <a:p>
             <a:pPr eaLnBrk="1" hangingPunct="1">
@@ -23552,19 +23481,19 @@
                 <a:spcPct val="80000"/>
               </a:lnSpc>
               <a:spcBef>
-                <a:spcPct val="50000"/>
-              </a:spcBef>
-            </a:pPr>
-            <a:r>
-              <a:rPr lang="en-US" sz="2400" dirty="0" smtClean="0">
-                <a:hlinkClick r:id="rId2"/>
+                <a:spcPts val="1200"/>
+              </a:spcBef>
+              <a:spcAft>
+                <a:spcPts val="600"/>
+              </a:spcAft>
+            </a:pPr>
+            <a:r>
+              <a:rPr lang="en-US" sz="2400" smtClean="0">
+                <a:hlinkClick r:id="rId5"/>
               </a:rPr>
-              <a:t>Planet Money podcast</a:t>
-            </a:r>
-            <a:r>
-              <a:rPr lang="en-US" sz="2400" dirty="0" smtClean="0"/>
-              <a:t> (search:  “cotton wars”)</a:t>
-            </a:r>
+              <a:t>http://www.mysanantonio.com/opinion/commentary/article/Sweet-deal-for-U-S-sugar-growers-4923616.php</a:t>
+            </a:r>
+            <a:endParaRPr lang="en-US" sz="2400" dirty="0" smtClean="0"/>
           </a:p>
         </p:txBody>
       </p:sp>
@@ -23644,7 +23573,7 @@
             <a:pPr algn="l" eaLnBrk="1" hangingPunct="1"/>
             <a:r>
               <a:rPr lang="en-US" dirty="0" smtClean="0"/>
-              <a:t>Norway</a:t>
+              <a:t>Subsidies to cotton producers</a:t>
             </a:r>
           </a:p>
         </p:txBody>
@@ -23662,7 +23591,7 @@
         <p:spPr>
           <a:xfrm>
             <a:off x="457200" y="1493837"/>
-            <a:ext cx="8229600" cy="2316163"/>
+            <a:ext cx="8229600" cy="4754563"/>
           </a:xfrm>
         </p:spPr>
         <p:txBody>
@@ -23679,7 +23608,111 @@
             </a:pPr>
             <a:r>
               <a:rPr lang="en-US" sz="2400" dirty="0" smtClean="0"/>
-              <a:t>Smuggling milk and butter into Norway </a:t>
+              <a:t>US policy</a:t>
+            </a:r>
+          </a:p>
+          <a:p>
+            <a:pPr lvl="1" eaLnBrk="1" hangingPunct="1">
+              <a:lnSpc>
+                <a:spcPct val="80000"/>
+              </a:lnSpc>
+              <a:spcBef>
+                <a:spcPct val="50000"/>
+              </a:spcBef>
+            </a:pPr>
+            <a:r>
+              <a:rPr lang="en-US" sz="2000" dirty="0" smtClean="0"/>
+              <a:t>Agreed to $1.6b cap in 1995</a:t>
+            </a:r>
+          </a:p>
+          <a:p>
+            <a:pPr lvl="1" eaLnBrk="1" hangingPunct="1">
+              <a:lnSpc>
+                <a:spcPct val="80000"/>
+              </a:lnSpc>
+              <a:spcBef>
+                <a:spcPct val="50000"/>
+              </a:spcBef>
+            </a:pPr>
+            <a:r>
+              <a:rPr lang="en-US" sz="2000" dirty="0" smtClean="0"/>
+              <a:t>Current subsidy:  &gt;$2b</a:t>
+            </a:r>
+          </a:p>
+          <a:p>
+            <a:pPr lvl="1" eaLnBrk="1" hangingPunct="1">
+              <a:lnSpc>
+                <a:spcPct val="80000"/>
+              </a:lnSpc>
+              <a:spcBef>
+                <a:spcPct val="50000"/>
+              </a:spcBef>
+            </a:pPr>
+            <a:r>
+              <a:rPr lang="en-US" sz="2000" dirty="0" smtClean="0"/>
+              <a:t>Brazil argued they violate trade rules </a:t>
+            </a:r>
+          </a:p>
+          <a:p>
+            <a:pPr lvl="1" eaLnBrk="1" hangingPunct="1">
+              <a:lnSpc>
+                <a:spcPct val="80000"/>
+              </a:lnSpc>
+              <a:spcBef>
+                <a:spcPct val="50000"/>
+              </a:spcBef>
+            </a:pPr>
+            <a:r>
+              <a:rPr lang="en-US" sz="2000" dirty="0" smtClean="0"/>
+              <a:t>WTO agreed in 2004 </a:t>
+            </a:r>
+          </a:p>
+          <a:p>
+            <a:pPr lvl="1" eaLnBrk="1" hangingPunct="1">
+              <a:lnSpc>
+                <a:spcPct val="80000"/>
+              </a:lnSpc>
+              <a:spcBef>
+                <a:spcPct val="50000"/>
+              </a:spcBef>
+            </a:pPr>
+            <a:r>
+              <a:rPr lang="en-US" sz="2000" dirty="0" smtClean="0"/>
+              <a:t>Resolution:  we subsidize Brazilian producers, too </a:t>
+            </a:r>
+          </a:p>
+          <a:p>
+            <a:pPr eaLnBrk="1" hangingPunct="1">
+              <a:lnSpc>
+                <a:spcPct val="80000"/>
+              </a:lnSpc>
+              <a:spcBef>
+                <a:spcPct val="50000"/>
+              </a:spcBef>
+            </a:pPr>
+            <a:r>
+              <a:rPr lang="en-US" sz="2400" dirty="0" smtClean="0"/>
+              <a:t>Who gains?  Who loses?  Who’s the pirate?  </a:t>
+            </a:r>
+          </a:p>
+          <a:p>
+            <a:pPr eaLnBrk="1" hangingPunct="1">
+              <a:lnSpc>
+                <a:spcPct val="80000"/>
+              </a:lnSpc>
+              <a:spcBef>
+                <a:spcPct val="50000"/>
+              </a:spcBef>
+            </a:pPr>
+            <a:r>
+              <a:rPr lang="en-US" sz="2400" dirty="0" smtClean="0">
+                <a:hlinkClick r:id="rId2"/>
+              </a:rPr>
+              <a:t>Planet Money podcast</a:t>
+            </a:r>
+            <a:r>
+              <a:rPr lang="en-US" sz="2400" dirty="0" smtClean="0"/>
+              <a:t> (search:  “cotton wars”)</a:t>
             </a:r>
           </a:p>
         </p:txBody>
@@ -23760,7 +23793,42 @@
             <a:pPr algn="l" eaLnBrk="1" hangingPunct="1"/>
             <a:r>
               <a:rPr lang="en-US" dirty="0" smtClean="0"/>
-              <a:t>Agricultural subsidies </a:t>
+              <a:t>Norway</a:t>
+            </a:r>
+          </a:p>
+        </p:txBody>
+      </p:sp>
+      <p:sp>
+        <p:nvSpPr>
+          <p:cNvPr id="61443" name="Rectangle 3"/>
+          <p:cNvSpPr>
+            <a:spLocks noGrp="1" noChangeArrowheads="1"/>
+          </p:cNvSpPr>
+          <p:nvPr>
+            <p:ph type="body" idx="1"/>
+          </p:nvPr>
+        </p:nvSpPr>
+        <p:spPr>
+          <a:xfrm>
+            <a:off x="457200" y="1493837"/>
+            <a:ext cx="8229600" cy="2316163"/>
+          </a:xfrm>
+        </p:spPr>
+        <p:txBody>
+          <a:bodyPr/>
+          <a:lstStyle/>
+          <a:p>
+            <a:pPr eaLnBrk="1" hangingPunct="1">
+              <a:lnSpc>
+                <a:spcPct val="80000"/>
+              </a:lnSpc>
+              <a:spcBef>
+                <a:spcPct val="50000"/>
+              </a:spcBef>
+            </a:pPr>
+            <a:r>
+              <a:rPr lang="en-US" sz="2400" dirty="0" smtClean="0"/>
+              <a:t>Smuggling milk and butter into Norway </a:t>
             </a:r>
           </a:p>
         </p:txBody>
@@ -23786,6 +23854,87 @@
               <a:rPr lang="en-US" smtClean="0"/>
               <a:pPr/>
               <a:t>77</a:t>
+            </a:fld>
+            <a:endParaRPr lang="en-US" smtClean="0"/>
+          </a:p>
+        </p:txBody>
+      </p:sp>
+    </p:spTree>
+  </p:cSld>
+  <p:clrMapOvr>
+    <a:masterClrMapping/>
+  </p:clrMapOvr>
+  <p:timing>
+    <p:tnLst>
+      <p:par>
+        <p:cTn id="1" dur="indefinite" restart="never" nodeType="tmRoot"/>
+      </p:par>
+    </p:tnLst>
+  </p:timing>
+</p:sld>
+</file>
+
+<file path=ppt/slides/slide78.xml><?xml version="1.0" encoding="utf-8"?>
+<p:sld xmlns:a="http://schemas.openxmlformats.org/drawingml/2006/main" xmlns:r="http://schemas.openxmlformats.org/officeDocument/2006/relationships" xmlns:p="http://schemas.openxmlformats.org/presentationml/2006/main">
+  <p:cSld>
+    <p:spTree>
+      <p:nvGrpSpPr>
+        <p:cNvPr id="1" name=""/>
+        <p:cNvGrpSpPr/>
+        <p:nvPr/>
+      </p:nvGrpSpPr>
+      <p:grpSpPr>
+        <a:xfrm>
+          <a:off x="0" y="0"/>
+          <a:ext cx="0" cy="0"/>
+          <a:chOff x="0" y="0"/>
+          <a:chExt cx="0" cy="0"/>
+        </a:xfrm>
+      </p:grpSpPr>
+      <p:sp>
+        <p:nvSpPr>
+          <p:cNvPr id="61442" name="Rectangle 2"/>
+          <p:cNvSpPr>
+            <a:spLocks noGrp="1" noChangeArrowheads="1"/>
+          </p:cNvSpPr>
+          <p:nvPr>
+            <p:ph type="title"/>
+          </p:nvPr>
+        </p:nvSpPr>
+        <p:spPr/>
+        <p:txBody>
+          <a:bodyPr/>
+          <a:lstStyle/>
+          <a:p>
+            <a:pPr algn="l" eaLnBrk="1" hangingPunct="1"/>
+            <a:r>
+              <a:rPr lang="en-US" dirty="0" smtClean="0"/>
+              <a:t>Agricultural subsidies </a:t>
+            </a:r>
+          </a:p>
+        </p:txBody>
+      </p:sp>
+      <p:sp>
+        <p:nvSpPr>
+          <p:cNvPr id="61444" name="Slide Number Placeholder 3"/>
+          <p:cNvSpPr>
+            <a:spLocks noGrp="1"/>
+          </p:cNvSpPr>
+          <p:nvPr>
+            <p:ph type="sldNum" sz="quarter" idx="12"/>
+          </p:nvPr>
+        </p:nvSpPr>
+        <p:spPr>
+          <a:noFill/>
+        </p:spPr>
+        <p:txBody>
+          <a:bodyPr/>
+          <a:lstStyle/>
+          <a:p>
+            <a:fld id="{D0835708-5609-4526-A0B8-8B0C01212E7E}" type="slidenum">
+              <a:rPr lang="en-US" smtClean="0"/>
+              <a:pPr/>
+              <a:t>78</a:t>
             </a:fld>
             <a:endParaRPr lang="en-US" smtClean="0"/>
           </a:p>
@@ -23913,220 +24062,6 @@
 </p:sld>
 </file>
 
-<file path=ppt/slides/slide78.xml><?xml version="1.0" encoding="utf-8"?>
-<p:sld xmlns:a="http://schemas.openxmlformats.org/drawingml/2006/main" xmlns:r="http://schemas.openxmlformats.org/officeDocument/2006/relationships" xmlns:p="http://schemas.openxmlformats.org/presentationml/2006/main">
-  <p:cSld>
-    <p:spTree>
-      <p:nvGrpSpPr>
-        <p:cNvPr id="1" name=""/>
-        <p:cNvGrpSpPr/>
-        <p:nvPr/>
-      </p:nvGrpSpPr>
-      <p:grpSpPr>
-        <a:xfrm>
-          <a:off x="0" y="0"/>
-          <a:ext cx="0" cy="0"/>
-          <a:chOff x="0" y="0"/>
-          <a:chExt cx="0" cy="0"/>
-        </a:xfrm>
-      </p:grpSpPr>
-      <p:sp>
-        <p:nvSpPr>
-          <p:cNvPr id="62466" name="Rectangle 2"/>
-          <p:cNvSpPr>
-            <a:spLocks noGrp="1" noChangeArrowheads="1"/>
-          </p:cNvSpPr>
-          <p:nvPr>
-            <p:ph type="title"/>
-          </p:nvPr>
-        </p:nvSpPr>
-        <p:spPr/>
-        <p:txBody>
-          <a:bodyPr/>
-          <a:lstStyle/>
-          <a:p>
-            <a:pPr algn="l" eaLnBrk="1" hangingPunct="1"/>
-            <a:r>
-              <a:rPr lang="en-US" dirty="0" smtClean="0"/>
-              <a:t>Health and safety</a:t>
-            </a:r>
-          </a:p>
-        </p:txBody>
-      </p:sp>
-      <p:sp>
-        <p:nvSpPr>
-          <p:cNvPr id="62467" name="Rectangle 3"/>
-          <p:cNvSpPr>
-            <a:spLocks noGrp="1" noChangeArrowheads="1"/>
-          </p:cNvSpPr>
-          <p:nvPr>
-            <p:ph type="body" idx="1"/>
-          </p:nvPr>
-        </p:nvSpPr>
-        <p:spPr>
-          <a:xfrm>
-            <a:off x="457200" y="1600200"/>
-            <a:ext cx="8229600" cy="3048000"/>
-          </a:xfrm>
-        </p:spPr>
-        <p:txBody>
-          <a:bodyPr/>
-          <a:lstStyle/>
-          <a:p>
-            <a:pPr eaLnBrk="1" hangingPunct="1">
-              <a:lnSpc>
-                <a:spcPct val="90000"/>
-              </a:lnSpc>
-              <a:spcBef>
-                <a:spcPct val="50000"/>
-              </a:spcBef>
-            </a:pPr>
-            <a:r>
-              <a:rPr lang="en-US" sz="2400" dirty="0" smtClean="0"/>
-              <a:t>EU bans hormone-treated meat </a:t>
-            </a:r>
-          </a:p>
-          <a:p>
-            <a:pPr eaLnBrk="1" hangingPunct="1">
-              <a:lnSpc>
-                <a:spcPct val="90000"/>
-              </a:lnSpc>
-              <a:spcBef>
-                <a:spcPct val="50000"/>
-              </a:spcBef>
-            </a:pPr>
-            <a:r>
-              <a:rPr lang="en-US" sz="2400" dirty="0" smtClean="0"/>
-              <a:t>US bans unpasteurized cheese </a:t>
-            </a:r>
-          </a:p>
-          <a:p>
-            <a:pPr lvl="1" eaLnBrk="1" hangingPunct="1">
-              <a:lnSpc>
-                <a:spcPct val="90000"/>
-              </a:lnSpc>
-              <a:spcBef>
-                <a:spcPct val="50000"/>
-              </a:spcBef>
-            </a:pPr>
-            <a:r>
-              <a:rPr lang="en-US" sz="2000" dirty="0" smtClean="0"/>
-              <a:t>Cheese must be made with pasteurized milk or aged for 60 days</a:t>
-            </a:r>
-            <a:endParaRPr lang="en-US" sz="2400" dirty="0" smtClean="0"/>
-          </a:p>
-          <a:p>
-            <a:pPr eaLnBrk="1" hangingPunct="1">
-              <a:lnSpc>
-                <a:spcPct val="90000"/>
-              </a:lnSpc>
-              <a:spcBef>
-                <a:spcPct val="50000"/>
-              </a:spcBef>
-            </a:pPr>
-            <a:r>
-              <a:rPr lang="en-US" sz="2400" dirty="0" smtClean="0"/>
-              <a:t>Many countries ban genetically-modified rice </a:t>
-            </a:r>
-          </a:p>
-          <a:p>
-            <a:pPr lvl="1" eaLnBrk="1" hangingPunct="1">
-              <a:lnSpc>
-                <a:spcPct val="90000"/>
-              </a:lnSpc>
-              <a:spcBef>
-                <a:spcPct val="50000"/>
-              </a:spcBef>
-            </a:pPr>
-            <a:r>
-              <a:rPr lang="en-US" sz="2000" dirty="0" smtClean="0"/>
-              <a:t>Only approved for consumption in US, Canada </a:t>
-            </a:r>
-          </a:p>
-          <a:p>
-            <a:pPr eaLnBrk="1" hangingPunct="1">
-              <a:lnSpc>
-                <a:spcPct val="90000"/>
-              </a:lnSpc>
-              <a:spcBef>
-                <a:spcPct val="50000"/>
-              </a:spcBef>
-            </a:pPr>
-            <a:r>
-              <a:rPr lang="en-US" sz="2400" dirty="0" smtClean="0"/>
-              <a:t>China bans US GMO corn</a:t>
-            </a:r>
-          </a:p>
-          <a:p>
-            <a:pPr eaLnBrk="1" hangingPunct="1">
-              <a:lnSpc>
-                <a:spcPct val="90000"/>
-              </a:lnSpc>
-              <a:spcBef>
-                <a:spcPct val="50000"/>
-              </a:spcBef>
-            </a:pPr>
-            <a:r>
-              <a:rPr lang="en-US" sz="2400">
-                <a:hlinkClick r:id="rId2"/>
-              </a:rPr>
-              <a:t>http://</a:t>
-            </a:r>
-            <a:r>
-              <a:rPr lang="en-US" sz="2400" smtClean="0">
-                <a:hlinkClick r:id="rId2"/>
-              </a:rPr>
-              <a:t>www.chinalawblog.com/2014/08/hit-us-where-it-hurts-chinas-ban-on-u-s-agricultural-products-grows.html</a:t>
-            </a:r>
-            <a:r>
-              <a:rPr lang="en-US" sz="2400" smtClean="0"/>
-              <a:t> </a:t>
-            </a:r>
-            <a:endParaRPr lang="en-US" sz="2400" dirty="0" smtClean="0"/>
-          </a:p>
-        </p:txBody>
-      </p:sp>
-      <p:sp>
-        <p:nvSpPr>
-          <p:cNvPr id="62468" name="Slide Number Placeholder 3"/>
-          <p:cNvSpPr>
-            <a:spLocks noGrp="1"/>
-          </p:cNvSpPr>
-          <p:nvPr>
-            <p:ph type="sldNum" sz="quarter" idx="12"/>
-          </p:nvPr>
-        </p:nvSpPr>
-        <p:spPr>
-          <a:noFill/>
-        </p:spPr>
-        <p:txBody>
-          <a:bodyPr/>
-          <a:lstStyle/>
-          <a:p>
-            <a:fld id="{6E02ED6B-1208-4460-BD5E-4ACAD589ECD5}" type="slidenum">
-              <a:rPr lang="en-US" smtClean="0"/>
-              <a:pPr/>
-              <a:t>78</a:t>
-            </a:fld>
-            <a:endParaRPr lang="en-US" smtClean="0"/>
-          </a:p>
-        </p:txBody>
-      </p:sp>
-    </p:spTree>
-  </p:cSld>
-  <p:clrMapOvr>
-    <a:masterClrMapping/>
-  </p:clrMapOvr>
-  <p:timing>
-    <p:tnLst>
-      <p:par>
-        <p:cTn id="1" dur="indefinite" restart="never" nodeType="tmRoot"/>
-      </p:par>
-    </p:tnLst>
-  </p:timing>
-</p:sld>
-</file>
-
 <file path=ppt/slides/slide79.xml><?xml version="1.0" encoding="utf-8"?>
 <p:sld xmlns:a="http://schemas.openxmlformats.org/drawingml/2006/main" xmlns:r="http://schemas.openxmlformats.org/officeDocument/2006/relationships" xmlns:p="http://schemas.openxmlformats.org/presentationml/2006/main">
   <p:cSld>
@@ -24180,7 +24115,7 @@
         <p:spPr>
           <a:xfrm>
             <a:off x="457200" y="1600200"/>
-            <a:ext cx="8077200" cy="4267200"/>
+            <a:ext cx="8229600" cy="3048000"/>
           </a:xfrm>
         </p:spPr>
         <p:txBody>
@@ -24192,16 +24127,12 @@
                 <a:spcPct val="90000"/>
               </a:lnSpc>
               <a:spcBef>
-                <a:spcPts val="1200"/>
+                <a:spcPct val="50000"/>
               </a:spcBef>
             </a:pPr>
             <a:r>
               <a:rPr lang="en-US" sz="2400" dirty="0" smtClean="0"/>
-              <a:t>UPS enters </a:t>
-            </a:r>
-            <a:r>
-              <a:rPr kumimoji="1" lang="en-US" sz="2400" dirty="0" smtClean="0"/>
-              <a:t>Mexico in 1992 for post-NAFTA boom</a:t>
+              <a:t>EU bans hormone-treated meat </a:t>
             </a:r>
           </a:p>
           <a:p>
@@ -24210,13 +24141,28 @@
                 <a:spcPct val="90000"/>
               </a:lnSpc>
               <a:spcBef>
-                <a:spcPts val="1200"/>
-              </a:spcBef>
-            </a:pPr>
-            <a:r>
-              <a:rPr kumimoji="1" lang="en-US" sz="2400" dirty="0" smtClean="0"/>
-              <a:t>Mexicans protect locals (big trucks “unsafe” – for UPS) </a:t>
-            </a:r>
+                <a:spcPct val="50000"/>
+              </a:spcBef>
+            </a:pPr>
+            <a:r>
+              <a:rPr lang="en-US" sz="2400" dirty="0" smtClean="0"/>
+              <a:t>US bans unpasteurized cheese </a:t>
+            </a:r>
+          </a:p>
+          <a:p>
+            <a:pPr lvl="1" eaLnBrk="1" hangingPunct="1">
+              <a:lnSpc>
+                <a:spcPct val="90000"/>
+              </a:lnSpc>
+              <a:spcBef>
+                <a:spcPct val="50000"/>
+              </a:spcBef>
+            </a:pPr>
+            <a:r>
+              <a:rPr lang="en-US" sz="2000" dirty="0" smtClean="0"/>
+              <a:t>Cheese must be made with pasteurized milk or aged for 60 days</a:t>
+            </a:r>
+            <a:endParaRPr lang="en-US" sz="2400" dirty="0" smtClean="0"/>
           </a:p>
           <a:p>
             <a:pPr eaLnBrk="1" hangingPunct="1">
@@ -24224,12 +24170,26 @@
                 <a:spcPct val="90000"/>
               </a:lnSpc>
               <a:spcBef>
-                <a:spcPts val="1200"/>
-              </a:spcBef>
-            </a:pPr>
-            <a:r>
-              <a:rPr kumimoji="1" lang="en-US" sz="2400" dirty="0" smtClean="0"/>
-              <a:t>NAFTA arbitration panel sides with UPS – 3+ times </a:t>
+                <a:spcPct val="50000"/>
+              </a:spcBef>
+            </a:pPr>
+            <a:r>
+              <a:rPr lang="en-US" sz="2400" dirty="0" smtClean="0"/>
+              <a:t>Many countries ban genetically-modified rice </a:t>
+            </a:r>
+          </a:p>
+          <a:p>
+            <a:pPr lvl="1" eaLnBrk="1" hangingPunct="1">
+              <a:lnSpc>
+                <a:spcPct val="90000"/>
+              </a:lnSpc>
+              <a:spcBef>
+                <a:spcPct val="50000"/>
+              </a:spcBef>
+            </a:pPr>
+            <a:r>
+              <a:rPr lang="en-US" sz="2000" dirty="0" smtClean="0"/>
+              <a:t>Only approved for consumption in US, Canada </a:t>
             </a:r>
           </a:p>
           <a:p>
@@ -24238,12 +24198,12 @@
                 <a:spcPct val="90000"/>
               </a:lnSpc>
               <a:spcBef>
-                <a:spcPts val="1200"/>
-              </a:spcBef>
-            </a:pPr>
-            <a:r>
-              <a:rPr kumimoji="1" lang="en-US" sz="2400" dirty="0" smtClean="0"/>
-              <a:t>UPS asks Clinton for help </a:t>
+                <a:spcPct val="50000"/>
+              </a:spcBef>
+            </a:pPr>
+            <a:r>
+              <a:rPr lang="en-US" sz="2400" dirty="0" smtClean="0"/>
+              <a:t>China bans US GMO corn</a:t>
             </a:r>
           </a:p>
           <a:p>
@@ -24252,41 +24212,26 @@
                 <a:spcPct val="90000"/>
               </a:lnSpc>
               <a:spcBef>
-                <a:spcPts val="1200"/>
-              </a:spcBef>
-            </a:pPr>
-            <a:r>
-              <a:rPr kumimoji="1" lang="en-US" sz="2400" dirty="0" smtClean="0"/>
-              <a:t>Clinton drags feet when Teamsters protest Mexican truckers entering US (“unsafe”!) </a:t>
-            </a:r>
-          </a:p>
-          <a:p>
-            <a:pPr eaLnBrk="1" hangingPunct="1">
-              <a:lnSpc>
-                <a:spcPct val="90000"/>
-              </a:lnSpc>
-              <a:spcBef>
-                <a:spcPts val="1200"/>
-              </a:spcBef>
-            </a:pPr>
-            <a:r>
-              <a:rPr kumimoji="1" lang="en-US" sz="2400" dirty="0" smtClean="0"/>
-              <a:t>Mexico drags its feet in return </a:t>
-            </a:r>
-          </a:p>
-          <a:p>
-            <a:pPr eaLnBrk="1" hangingPunct="1">
-              <a:lnSpc>
-                <a:spcPct val="90000"/>
-              </a:lnSpc>
-              <a:spcBef>
-                <a:spcPts val="1200"/>
-              </a:spcBef>
-            </a:pPr>
-            <a:r>
-              <a:rPr kumimoji="1" lang="en-US" sz="2400" dirty="0" smtClean="0"/>
-              <a:t>20 years later little has changed  </a:t>
-            </a:r>
+                <a:spcPct val="50000"/>
+              </a:spcBef>
+            </a:pPr>
+            <a:r>
+              <a:rPr lang="en-US" sz="2400">
+                <a:hlinkClick r:id="rId2"/>
+              </a:rPr>
+              <a:t>http://</a:t>
+            </a:r>
+            <a:r>
+              <a:rPr lang="en-US" sz="2400" smtClean="0">
+                <a:hlinkClick r:id="rId2"/>
+              </a:rPr>
+              <a:t>www.chinalawblog.com/2014/08/hit-us-where-it-hurts-chinas-ban-on-u-s-agricultural-products-grows.html</a:t>
+            </a:r>
+            <a:r>
+              <a:rPr lang="en-US" sz="2400" smtClean="0"/>
+              <a:t> </a:t>
+            </a:r>
+            <a:endParaRPr lang="en-US" sz="2400" dirty="0" smtClean="0"/>
           </a:p>
         </p:txBody>
       </p:sp>
@@ -24389,7 +24334,7 @@
           <a:graphicData uri="http://schemas.openxmlformats.org/presentationml/2006/ole">
             <mc:AlternateContent xmlns:mc="http://schemas.openxmlformats.org/markup-compatibility/2006">
               <mc:Choice xmlns:v="urn:schemas-microsoft-com:vml" Requires="v">
-                <p:oleObj spid="_x0000_s14391" r:id="rId4" imgW="8230313" imgH="4828450" progId="Excel.Sheet.8">
+                <p:oleObj spid="_x0000_s14392" r:id="rId4" imgW="8230313" imgH="4828450" progId="Excel.Sheet.8">
                   <p:embed/>
                 </p:oleObj>
               </mc:Choice>
@@ -24586,7 +24531,7 @@
       </p:grpSpPr>
       <p:sp>
         <p:nvSpPr>
-          <p:cNvPr id="63490" name="Rectangle 2"/>
+          <p:cNvPr id="62466" name="Rectangle 2"/>
           <p:cNvSpPr>
             <a:spLocks noGrp="1" noChangeArrowheads="1"/>
           </p:cNvSpPr>
@@ -24602,14 +24547,14 @@
             <a:pPr algn="l" eaLnBrk="1" hangingPunct="1"/>
             <a:r>
               <a:rPr lang="en-US" dirty="0" smtClean="0"/>
-              <a:t>Quotas</a:t>
-            </a:r>
-          </a:p>
-        </p:txBody>
-      </p:sp>
-      <p:sp>
-        <p:nvSpPr>
-          <p:cNvPr id="63491" name="Rectangle 3"/>
+              <a:t>Health and safety</a:t>
+            </a:r>
+          </a:p>
+        </p:txBody>
+      </p:sp>
+      <p:sp>
+        <p:nvSpPr>
+          <p:cNvPr id="62467" name="Rectangle 3"/>
           <p:cNvSpPr>
             <a:spLocks noGrp="1" noChangeArrowheads="1"/>
           </p:cNvSpPr>
@@ -24620,7 +24565,7 @@
         <p:spPr>
           <a:xfrm>
             <a:off x="457200" y="1600200"/>
-            <a:ext cx="8305800" cy="3124200"/>
+            <a:ext cx="8077200" cy="4267200"/>
           </a:xfrm>
         </p:spPr>
         <p:txBody>
@@ -24632,12 +24577,16 @@
                 <a:spcPct val="90000"/>
               </a:lnSpc>
               <a:spcBef>
-                <a:spcPct val="50000"/>
+                <a:spcPts val="1200"/>
               </a:spcBef>
             </a:pPr>
             <a:r>
               <a:rPr lang="en-US" sz="2400" dirty="0" smtClean="0"/>
-              <a:t>Limit quantity of a good that can be imported</a:t>
+              <a:t>UPS enters </a:t>
+            </a:r>
+            <a:r>
+              <a:rPr kumimoji="1" lang="en-US" sz="2400" dirty="0" smtClean="0"/>
+              <a:t>Mexico in 1992 for post-NAFTA boom</a:t>
             </a:r>
           </a:p>
           <a:p>
@@ -24646,19 +24595,89 @@
                 <a:spcPct val="90000"/>
               </a:lnSpc>
               <a:spcBef>
-                <a:spcPct val="50000"/>
-              </a:spcBef>
-            </a:pPr>
-            <a:r>
-              <a:rPr lang="en-US" sz="2400" dirty="0" smtClean="0"/>
-              <a:t>Voluntary export restraints:  quotas imposed by the exporting country (“voluntarily”!) </a:t>
-            </a:r>
-          </a:p>
-        </p:txBody>
-      </p:sp>
-      <p:sp>
-        <p:nvSpPr>
-          <p:cNvPr id="63492" name="Slide Number Placeholder 3"/>
+                <a:spcPts val="1200"/>
+              </a:spcBef>
+            </a:pPr>
+            <a:r>
+              <a:rPr kumimoji="1" lang="en-US" sz="2400" dirty="0" smtClean="0"/>
+              <a:t>Mexicans protect locals (big trucks “unsafe” – for UPS) </a:t>
+            </a:r>
+          </a:p>
+          <a:p>
+            <a:pPr eaLnBrk="1" hangingPunct="1">
+              <a:lnSpc>
+                <a:spcPct val="90000"/>
+              </a:lnSpc>
+              <a:spcBef>
+                <a:spcPts val="1200"/>
+              </a:spcBef>
+            </a:pPr>
+            <a:r>
+              <a:rPr kumimoji="1" lang="en-US" sz="2400" dirty="0" smtClean="0"/>
+              <a:t>NAFTA arbitration panel sides with UPS – 3+ times </a:t>
+            </a:r>
+          </a:p>
+          <a:p>
+            <a:pPr eaLnBrk="1" hangingPunct="1">
+              <a:lnSpc>
+                <a:spcPct val="90000"/>
+              </a:lnSpc>
+              <a:spcBef>
+                <a:spcPts val="1200"/>
+              </a:spcBef>
+            </a:pPr>
+            <a:r>
+              <a:rPr kumimoji="1" lang="en-US" sz="2400" dirty="0" smtClean="0"/>
+              <a:t>UPS asks Clinton for help </a:t>
+            </a:r>
+          </a:p>
+          <a:p>
+            <a:pPr eaLnBrk="1" hangingPunct="1">
+              <a:lnSpc>
+                <a:spcPct val="90000"/>
+              </a:lnSpc>
+              <a:spcBef>
+                <a:spcPts val="1200"/>
+              </a:spcBef>
+            </a:pPr>
+            <a:r>
+              <a:rPr kumimoji="1" lang="en-US" sz="2400" dirty="0" smtClean="0"/>
+              <a:t>Clinton drags feet when Teamsters protest Mexican truckers entering US (“unsafe”!) </a:t>
+            </a:r>
+          </a:p>
+          <a:p>
+            <a:pPr eaLnBrk="1" hangingPunct="1">
+              <a:lnSpc>
+                <a:spcPct val="90000"/>
+              </a:lnSpc>
+              <a:spcBef>
+                <a:spcPts val="1200"/>
+              </a:spcBef>
+            </a:pPr>
+            <a:r>
+              <a:rPr kumimoji="1" lang="en-US" sz="2400" dirty="0" smtClean="0"/>
+              <a:t>Mexico drags its feet in return </a:t>
+            </a:r>
+          </a:p>
+          <a:p>
+            <a:pPr eaLnBrk="1" hangingPunct="1">
+              <a:lnSpc>
+                <a:spcPct val="90000"/>
+              </a:lnSpc>
+              <a:spcBef>
+                <a:spcPts val="1200"/>
+              </a:spcBef>
+            </a:pPr>
+            <a:r>
+              <a:rPr kumimoji="1" lang="en-US" sz="2400" dirty="0" smtClean="0"/>
+              <a:t>20 years later little has changed  </a:t>
+            </a:r>
+          </a:p>
+        </p:txBody>
+      </p:sp>
+      <p:sp>
+        <p:nvSpPr>
+          <p:cNvPr id="62468" name="Slide Number Placeholder 3"/>
           <p:cNvSpPr>
             <a:spLocks noGrp="1"/>
           </p:cNvSpPr>
@@ -24673,7 +24692,7 @@
           <a:bodyPr/>
           <a:lstStyle/>
           <a:p>
-            <a:fld id="{5C5B9DBD-42B7-4FB0-ABF0-9E8A678155A3}" type="slidenum">
+            <a:fld id="{6E02ED6B-1208-4460-BD5E-4ACAD589ECD5}" type="slidenum">
               <a:rPr lang="en-US" smtClean="0"/>
               <a:pPr/>
               <a:t>80</a:t>
@@ -24732,7 +24751,7 @@
             <a:pPr algn="l" eaLnBrk="1" hangingPunct="1"/>
             <a:r>
               <a:rPr lang="en-US" dirty="0" smtClean="0"/>
-              <a:t>Voluntary export restraints </a:t>
+              <a:t>Quotas</a:t>
             </a:r>
           </a:p>
         </p:txBody>
@@ -24750,7 +24769,7 @@
         <p:spPr>
           <a:xfrm>
             <a:off x="457200" y="1600200"/>
-            <a:ext cx="8305800" cy="3886200"/>
+            <a:ext cx="8305800" cy="3124200"/>
           </a:xfrm>
         </p:spPr>
         <p:txBody>
@@ -24767,7 +24786,7 @@
             </a:pPr>
             <a:r>
               <a:rPr lang="en-US" sz="2400" dirty="0" smtClean="0"/>
-              <a:t>In 1980s, US “persuaded” Japan to limit car exports </a:t>
+              <a:t>Limit quantity of a good that can be imported</a:t>
             </a:r>
           </a:p>
           <a:p>
@@ -24781,99 +24800,7 @@
             </a:pPr>
             <a:r>
               <a:rPr lang="en-US" sz="2400" dirty="0" smtClean="0"/>
-              <a:t>Similar to a tariff, but</a:t>
-            </a:r>
-          </a:p>
-          <a:p>
-            <a:pPr lvl="1" eaLnBrk="1" hangingPunct="1">
-              <a:lnSpc>
-                <a:spcPct val="90000"/>
-              </a:lnSpc>
-              <a:spcBef>
-                <a:spcPct val="50000"/>
-              </a:spcBef>
-            </a:pPr>
-            <a:r>
-              <a:rPr lang="en-US" sz="2000" dirty="0" smtClean="0"/>
-              <a:t>“Voluntary”</a:t>
-            </a:r>
-          </a:p>
-          <a:p>
-            <a:pPr lvl="1" eaLnBrk="1" hangingPunct="1">
-              <a:lnSpc>
-                <a:spcPct val="90000"/>
-              </a:lnSpc>
-              <a:spcBef>
-                <a:spcPct val="50000"/>
-              </a:spcBef>
-            </a:pPr>
-            <a:r>
-              <a:rPr lang="en-US" sz="2000" dirty="0" smtClean="0"/>
-              <a:t>US collected no revenue </a:t>
-            </a:r>
-          </a:p>
-          <a:p>
-            <a:pPr eaLnBrk="1" hangingPunct="1">
-              <a:lnSpc>
-                <a:spcPct val="90000"/>
-              </a:lnSpc>
-              <a:spcBef>
-                <a:spcPct val="50000"/>
-              </a:spcBef>
-            </a:pPr>
-            <a:r>
-              <a:rPr lang="en-US" sz="2400" dirty="0" smtClean="0"/>
-              <a:t>Limits on </a:t>
-            </a:r>
-            <a:r>
-              <a:rPr lang="en-US" sz="2400" b="1" dirty="0" smtClean="0"/>
-              <a:t>numbers</a:t>
-            </a:r>
-            <a:r>
-              <a:rPr lang="en-US" sz="2400" dirty="0" smtClean="0"/>
-              <a:t> benefited Japanese producers </a:t>
-            </a:r>
-          </a:p>
-          <a:p>
-            <a:pPr lvl="1" eaLnBrk="1" hangingPunct="1">
-              <a:lnSpc>
-                <a:spcPct val="90000"/>
-              </a:lnSpc>
-              <a:spcBef>
-                <a:spcPct val="50000"/>
-              </a:spcBef>
-            </a:pPr>
-            <a:r>
-              <a:rPr lang="en-US" sz="2000" dirty="0" smtClean="0"/>
-              <a:t>Eliminated competition among them, prices rose  </a:t>
-            </a:r>
-          </a:p>
-          <a:p>
-            <a:pPr lvl="1" eaLnBrk="1" hangingPunct="1">
-              <a:lnSpc>
-                <a:spcPct val="90000"/>
-              </a:lnSpc>
-              <a:spcBef>
-                <a:spcPct val="50000"/>
-              </a:spcBef>
-            </a:pPr>
-            <a:r>
-              <a:rPr lang="en-US" sz="2000" dirty="0" smtClean="0"/>
-              <a:t>Instigated increase in quality </a:t>
-            </a:r>
-          </a:p>
-          <a:p>
-            <a:pPr eaLnBrk="1" hangingPunct="1">
-              <a:lnSpc>
-                <a:spcPct val="90000"/>
-              </a:lnSpc>
-              <a:spcBef>
-                <a:spcPct val="50000"/>
-              </a:spcBef>
-            </a:pPr>
-            <a:r>
-              <a:rPr lang="en-US" sz="2400" dirty="0" smtClean="0"/>
-              <a:t>What were we thinking?  </a:t>
+              <a:t>Voluntary export restraints:  quotas imposed by the exporting country (“voluntarily”!) </a:t>
             </a:r>
           </a:p>
         </p:txBody>
@@ -24938,7 +24865,7 @@
       </p:grpSpPr>
       <p:sp>
         <p:nvSpPr>
-          <p:cNvPr id="64514" name="Rectangle 2"/>
+          <p:cNvPr id="63490" name="Rectangle 2"/>
           <p:cNvSpPr>
             <a:spLocks noGrp="1" noChangeArrowheads="1"/>
           </p:cNvSpPr>
@@ -24954,14 +24881,14 @@
             <a:pPr algn="l" eaLnBrk="1" hangingPunct="1"/>
             <a:r>
               <a:rPr lang="en-US" dirty="0" smtClean="0"/>
-              <a:t>Dumping</a:t>
-            </a:r>
-          </a:p>
-        </p:txBody>
-      </p:sp>
-      <p:sp>
-        <p:nvSpPr>
-          <p:cNvPr id="64515" name="Rectangle 3"/>
+              <a:t>Voluntary export restraints </a:t>
+            </a:r>
+          </a:p>
+        </p:txBody>
+      </p:sp>
+      <p:sp>
+        <p:nvSpPr>
+          <p:cNvPr id="63491" name="Rectangle 3"/>
           <p:cNvSpPr>
             <a:spLocks noGrp="1" noChangeArrowheads="1"/>
           </p:cNvSpPr>
@@ -24971,8 +24898,8 @@
         </p:nvSpPr>
         <p:spPr>
           <a:xfrm>
-            <a:off x="457200" y="1457587"/>
-            <a:ext cx="8229600" cy="4525963"/>
+            <a:off x="457200" y="1600200"/>
+            <a:ext cx="8305800" cy="3886200"/>
           </a:xfrm>
         </p:spPr>
         <p:txBody>
@@ -24981,24 +24908,35 @@
           <a:p>
             <a:pPr eaLnBrk="1" hangingPunct="1">
               <a:lnSpc>
-                <a:spcPct val="80000"/>
+                <a:spcPct val="90000"/>
               </a:lnSpc>
               <a:spcBef>
-                <a:spcPts val="1200"/>
-              </a:spcBef>
-              <a:spcAft>
-                <a:spcPts val="600"/>
-              </a:spcAft>
+                <a:spcPct val="50000"/>
+              </a:spcBef>
             </a:pPr>
             <a:r>
               <a:rPr lang="en-US" sz="2400" dirty="0" smtClean="0"/>
-              <a:t>Dumping</a:t>
+              <a:t>In 1980s, US “persuaded” Japan to limit car exports </a:t>
+            </a:r>
+          </a:p>
+          <a:p>
+            <a:pPr eaLnBrk="1" hangingPunct="1">
+              <a:lnSpc>
+                <a:spcPct val="90000"/>
+              </a:lnSpc>
+              <a:spcBef>
+                <a:spcPct val="50000"/>
+              </a:spcBef>
+            </a:pPr>
+            <a:r>
+              <a:rPr lang="en-US" sz="2400" dirty="0" smtClean="0"/>
+              <a:t>Similar to a tariff, but</a:t>
             </a:r>
           </a:p>
           <a:p>
             <a:pPr lvl="1" eaLnBrk="1" hangingPunct="1">
               <a:lnSpc>
-                <a:spcPct val="80000"/>
+                <a:spcPct val="90000"/>
               </a:lnSpc>
               <a:spcBef>
                 <a:spcPct val="50000"/>
@@ -25006,13 +24944,13 @@
             </a:pPr>
             <a:r>
               <a:rPr lang="en-US" sz="2000" dirty="0" smtClean="0"/>
-              <a:t>When foreign firms use “predatory” pricing</a:t>
+              <a:t>“Voluntary”</a:t>
             </a:r>
           </a:p>
           <a:p>
             <a:pPr lvl="1" eaLnBrk="1" hangingPunct="1">
               <a:lnSpc>
-                <a:spcPct val="80000"/>
+                <a:spcPct val="90000"/>
               </a:lnSpc>
               <a:spcBef>
                 <a:spcPct val="50000"/>
@@ -25020,13 +24958,35 @@
             </a:pPr>
             <a:r>
               <a:rPr lang="en-US" sz="2000" dirty="0" smtClean="0"/>
-              <a:t>Predatory means price below domestic price or estimated cost </a:t>
+              <a:t>US collected no revenue </a:t>
+            </a:r>
+          </a:p>
+          <a:p>
+            <a:pPr eaLnBrk="1" hangingPunct="1">
+              <a:lnSpc>
+                <a:spcPct val="90000"/>
+              </a:lnSpc>
+              <a:spcBef>
+                <a:spcPct val="50000"/>
+              </a:spcBef>
+            </a:pPr>
+            <a:r>
+              <a:rPr lang="en-US" sz="2400" dirty="0" smtClean="0"/>
+              <a:t>Limits on </a:t>
+            </a:r>
+            <a:r>
+              <a:rPr lang="en-US" sz="2400" b="1" dirty="0" smtClean="0"/>
+              <a:t>numbers</a:t>
+            </a:r>
+            <a:r>
+              <a:rPr lang="en-US" sz="2400" dirty="0" smtClean="0"/>
+              <a:t> benefited Japanese producers </a:t>
             </a:r>
           </a:p>
           <a:p>
             <a:pPr lvl="1" eaLnBrk="1" hangingPunct="1">
               <a:lnSpc>
-                <a:spcPct val="80000"/>
+                <a:spcPct val="90000"/>
               </a:lnSpc>
               <a:spcBef>
                 <a:spcPct val="50000"/>
@@ -25034,55 +24994,27 @@
             </a:pPr>
             <a:r>
               <a:rPr lang="en-US" sz="2000" dirty="0" smtClean="0"/>
-              <a:t>Domestic firms may file for protection</a:t>
+              <a:t>Eliminated competition among them, prices rose  </a:t>
             </a:r>
           </a:p>
           <a:p>
             <a:pPr lvl="1" eaLnBrk="1" hangingPunct="1">
               <a:lnSpc>
-                <a:spcPct val="80000"/>
+                <a:spcPct val="90000"/>
               </a:lnSpc>
               <a:spcBef>
                 <a:spcPct val="50000"/>
               </a:spcBef>
             </a:pPr>
             <a:r>
-              <a:rPr lang="en-US" sz="2000" b="1" dirty="0" smtClean="0"/>
-              <a:t>Must show foreign firms pricing “unfairly” and “injury to domestic firms”</a:t>
-            </a:r>
-          </a:p>
-          <a:p>
-            <a:pPr lvl="1" eaLnBrk="1" hangingPunct="1">
-              <a:lnSpc>
-                <a:spcPct val="80000"/>
-              </a:lnSpc>
-              <a:spcBef>
-                <a:spcPct val="50000"/>
-              </a:spcBef>
-            </a:pPr>
-            <a:r>
               <a:rPr lang="en-US" sz="2000" dirty="0" smtClean="0"/>
-              <a:t>Unfair = price below domestic market or production cost </a:t>
-            </a:r>
-          </a:p>
-          <a:p>
-            <a:pPr lvl="1" eaLnBrk="1" hangingPunct="1">
-              <a:lnSpc>
-                <a:spcPct val="80000"/>
-              </a:lnSpc>
-              <a:spcBef>
-                <a:spcPct val="50000"/>
-              </a:spcBef>
-            </a:pPr>
-            <a:r>
-              <a:rPr lang="en-US" sz="2000" dirty="0" smtClean="0"/>
-              <a:t>If so, compensating tariff imposed </a:t>
+              <a:t>Instigated increase in quality </a:t>
             </a:r>
           </a:p>
           <a:p>
             <a:pPr eaLnBrk="1" hangingPunct="1">
               <a:lnSpc>
-                <a:spcPct val="80000"/>
+                <a:spcPct val="90000"/>
               </a:lnSpc>
               <a:spcBef>
                 <a:spcPct val="50000"/>
@@ -25090,42 +25022,14 @@
             </a:pPr>
             <a:r>
               <a:rPr lang="en-US" sz="2400" dirty="0" smtClean="0"/>
-              <a:t>Who wins?  Who loses?  Who’s the pirate?  </a:t>
-            </a:r>
-          </a:p>
-          <a:p>
-            <a:pPr eaLnBrk="1" hangingPunct="1">
-              <a:lnSpc>
-                <a:spcPct val="80000"/>
-              </a:lnSpc>
-              <a:spcBef>
-                <a:spcPct val="50000"/>
-              </a:spcBef>
-            </a:pPr>
-            <a:r>
-              <a:rPr lang="en-US" sz="2400" dirty="0" smtClean="0"/>
-              <a:t>How can we tell dumping from competition?  </a:t>
-            </a:r>
-          </a:p>
-          <a:p>
-            <a:pPr eaLnBrk="1" hangingPunct="1">
-              <a:lnSpc>
-                <a:spcPct val="80000"/>
-              </a:lnSpc>
-              <a:spcBef>
-                <a:spcPct val="50000"/>
-              </a:spcBef>
-            </a:pPr>
-            <a:r>
-              <a:rPr lang="en-US" sz="2400" dirty="0" smtClean="0"/>
-              <a:t>What does “unfair” mean?</a:t>
-            </a:r>
-          </a:p>
-        </p:txBody>
-      </p:sp>
-      <p:sp>
-        <p:nvSpPr>
-          <p:cNvPr id="64516" name="Slide Number Placeholder 3"/>
+              <a:t>What were we thinking?  </a:t>
+            </a:r>
+          </a:p>
+        </p:txBody>
+      </p:sp>
+      <p:sp>
+        <p:nvSpPr>
+          <p:cNvPr id="63492" name="Slide Number Placeholder 3"/>
           <p:cNvSpPr>
             <a:spLocks noGrp="1"/>
           </p:cNvSpPr>
@@ -25140,7 +25044,7 @@
           <a:bodyPr/>
           <a:lstStyle/>
           <a:p>
-            <a:fld id="{200664E8-E9F5-449A-93F9-BCF5416F0D5E}" type="slidenum">
+            <a:fld id="{5C5B9DBD-42B7-4FB0-ABF0-9E8A678155A3}" type="slidenum">
               <a:rPr lang="en-US" smtClean="0"/>
               <a:pPr/>
               <a:t>82</a:t>
@@ -25199,7 +25103,7 @@
             <a:pPr algn="l" eaLnBrk="1" hangingPunct="1"/>
             <a:r>
               <a:rPr lang="en-US" dirty="0" smtClean="0"/>
-              <a:t>Chinese furniture dumping</a:t>
+              <a:t>Dumping</a:t>
             </a:r>
           </a:p>
         </p:txBody>
@@ -25214,100 +25118,156 @@
             <p:ph type="body" idx="1"/>
           </p:nvPr>
         </p:nvSpPr>
-        <p:spPr/>
+        <p:spPr>
+          <a:xfrm>
+            <a:off x="457200" y="1457587"/>
+            <a:ext cx="8229600" cy="4525963"/>
+          </a:xfrm>
+        </p:spPr>
         <p:txBody>
           <a:bodyPr/>
           <a:lstStyle/>
           <a:p>
             <a:pPr eaLnBrk="1" hangingPunct="1">
+              <a:lnSpc>
+                <a:spcPct val="80000"/>
+              </a:lnSpc>
               <a:spcBef>
                 <a:spcPts val="1200"/>
               </a:spcBef>
-            </a:pPr>
-            <a:r>
-              <a:rPr lang="en-US" sz="2400" dirty="0" err="1" smtClean="0"/>
-              <a:t>Stickley</a:t>
-            </a:r>
+              <a:spcAft>
+                <a:spcPts val="600"/>
+              </a:spcAft>
+            </a:pPr>
             <a:r>
               <a:rPr lang="en-US" sz="2400" dirty="0" smtClean="0"/>
-              <a:t> builds huge plant in Vietnam </a:t>
+              <a:t>Dumping</a:t>
+            </a:r>
+          </a:p>
+          <a:p>
+            <a:pPr lvl="1" eaLnBrk="1" hangingPunct="1">
+              <a:lnSpc>
+                <a:spcPct val="80000"/>
+              </a:lnSpc>
+              <a:spcBef>
+                <a:spcPct val="50000"/>
+              </a:spcBef>
+            </a:pPr>
+            <a:r>
+              <a:rPr lang="en-US" sz="2000" dirty="0" smtClean="0"/>
+              <a:t>When foreign firms use “predatory” pricing</a:t>
+            </a:r>
+          </a:p>
+          <a:p>
+            <a:pPr lvl="1" eaLnBrk="1" hangingPunct="1">
+              <a:lnSpc>
+                <a:spcPct val="80000"/>
+              </a:lnSpc>
+              <a:spcBef>
+                <a:spcPct val="50000"/>
+              </a:spcBef>
+            </a:pPr>
+            <a:r>
+              <a:rPr lang="en-US" sz="2000" dirty="0" smtClean="0"/>
+              <a:t>Predatory means price below domestic price or estimated cost </a:t>
+            </a:r>
+          </a:p>
+          <a:p>
+            <a:pPr lvl="1" eaLnBrk="1" hangingPunct="1">
+              <a:lnSpc>
+                <a:spcPct val="80000"/>
+              </a:lnSpc>
+              <a:spcBef>
+                <a:spcPct val="50000"/>
+              </a:spcBef>
+            </a:pPr>
+            <a:r>
+              <a:rPr lang="en-US" sz="2000" dirty="0" smtClean="0"/>
+              <a:t>Domestic firms may file for protection</a:t>
+            </a:r>
+          </a:p>
+          <a:p>
+            <a:pPr lvl="1" eaLnBrk="1" hangingPunct="1">
+              <a:lnSpc>
+                <a:spcPct val="80000"/>
+              </a:lnSpc>
+              <a:spcBef>
+                <a:spcPct val="50000"/>
+              </a:spcBef>
+            </a:pPr>
+            <a:r>
+              <a:rPr lang="en-US" sz="2000" b="1" dirty="0" smtClean="0"/>
+              <a:t>Must show foreign firms pricing “unfairly” and “injury to domestic firms”</a:t>
+            </a:r>
+          </a:p>
+          <a:p>
+            <a:pPr lvl="1" eaLnBrk="1" hangingPunct="1">
+              <a:lnSpc>
+                <a:spcPct val="80000"/>
+              </a:lnSpc>
+              <a:spcBef>
+                <a:spcPct val="50000"/>
+              </a:spcBef>
+            </a:pPr>
+            <a:r>
+              <a:rPr lang="en-US" sz="2000" dirty="0" smtClean="0"/>
+              <a:t>Unfair = price below domestic market or production cost </a:t>
+            </a:r>
+          </a:p>
+          <a:p>
+            <a:pPr lvl="1" eaLnBrk="1" hangingPunct="1">
+              <a:lnSpc>
+                <a:spcPct val="80000"/>
+              </a:lnSpc>
+              <a:spcBef>
+                <a:spcPct val="50000"/>
+              </a:spcBef>
+            </a:pPr>
+            <a:r>
+              <a:rPr lang="en-US" sz="2000" dirty="0" smtClean="0"/>
+              <a:t>If so, compensating tariff imposed </a:t>
             </a:r>
           </a:p>
           <a:p>
             <a:pPr eaLnBrk="1" hangingPunct="1">
-              <a:spcBef>
-                <a:spcPts val="1200"/>
+              <a:lnSpc>
+                <a:spcPct val="80000"/>
+              </a:lnSpc>
+              <a:spcBef>
+                <a:spcPct val="50000"/>
               </a:spcBef>
             </a:pPr>
             <a:r>
               <a:rPr lang="en-US" sz="2400" dirty="0" smtClean="0"/>
-              <a:t>Files dumping suit against Chinese producers </a:t>
+              <a:t>Who wins?  Who loses?  Who’s the pirate?  </a:t>
             </a:r>
           </a:p>
           <a:p>
             <a:pPr eaLnBrk="1" hangingPunct="1">
-              <a:spcBef>
-                <a:spcPts val="1200"/>
+              <a:lnSpc>
+                <a:spcPct val="80000"/>
+              </a:lnSpc>
+              <a:spcBef>
+                <a:spcPct val="50000"/>
               </a:spcBef>
             </a:pPr>
             <a:r>
               <a:rPr lang="en-US" sz="2400" dirty="0" smtClean="0"/>
-              <a:t>US producers divided </a:t>
-            </a:r>
-          </a:p>
-          <a:p>
-            <a:pPr lvl="1" eaLnBrk="1" hangingPunct="1">
-              <a:spcBef>
-                <a:spcPts val="1200"/>
-              </a:spcBef>
-            </a:pPr>
-            <a:r>
-              <a:rPr lang="en-US" sz="2000" dirty="0" smtClean="0"/>
-              <a:t>Retailers against suit, producers in favor </a:t>
-            </a:r>
-          </a:p>
-          <a:p>
-            <a:pPr lvl="1" eaLnBrk="1" hangingPunct="1">
-              <a:spcBef>
-                <a:spcPts val="1200"/>
-              </a:spcBef>
-            </a:pPr>
-            <a:r>
-              <a:rPr lang="en-US" sz="2000" dirty="0" smtClean="0"/>
-              <a:t>Production leaves US anyway </a:t>
+              <a:t>How can we tell dumping from competition?  </a:t>
             </a:r>
           </a:p>
           <a:p>
             <a:pPr eaLnBrk="1" hangingPunct="1">
-              <a:spcBef>
-                <a:spcPts val="1200"/>
+              <a:lnSpc>
+                <a:spcPct val="80000"/>
+              </a:lnSpc>
+              <a:spcBef>
+                <a:spcPct val="50000"/>
               </a:spcBef>
             </a:pPr>
             <a:r>
               <a:rPr lang="en-US" sz="2400" dirty="0" smtClean="0"/>
-              <a:t>Chinese firms hire US lawyers, settle </a:t>
-            </a:r>
-          </a:p>
-          <a:p>
-            <a:pPr eaLnBrk="1" hangingPunct="1">
-              <a:spcBef>
-                <a:spcPts val="1200"/>
-              </a:spcBef>
-            </a:pPr>
-            <a:r>
-              <a:rPr lang="en-US" sz="2400" dirty="0" smtClean="0"/>
-              <a:t>China passes dumping law, files suits against Americans </a:t>
-            </a:r>
-          </a:p>
-          <a:p>
-            <a:pPr eaLnBrk="1" hangingPunct="1">
-              <a:spcBef>
-                <a:spcPts val="1200"/>
-              </a:spcBef>
-            </a:pPr>
-            <a:r>
-              <a:rPr lang="en-US" sz="2400" dirty="0" smtClean="0"/>
-              <a:t>Who gains?  Who loses?  Who’s the pirate?</a:t>
+              <a:t>What does “unfair” mean?</a:t>
             </a:r>
           </a:p>
         </p:txBody>
@@ -25372,7 +25332,7 @@
       </p:grpSpPr>
       <p:sp>
         <p:nvSpPr>
-          <p:cNvPr id="69634" name="Rectangle 2"/>
+          <p:cNvPr id="64514" name="Rectangle 2"/>
           <p:cNvSpPr>
             <a:spLocks noGrp="1" noChangeArrowheads="1"/>
           </p:cNvSpPr>
@@ -25388,14 +25348,14 @@
             <a:pPr algn="l" eaLnBrk="1" hangingPunct="1"/>
             <a:r>
               <a:rPr lang="en-US" dirty="0" smtClean="0"/>
-              <a:t>Solar panels	</a:t>
-            </a:r>
-          </a:p>
-        </p:txBody>
-      </p:sp>
-      <p:sp>
-        <p:nvSpPr>
-          <p:cNvPr id="69635" name="Rectangle 3"/>
+              <a:t>Chinese furniture dumping</a:t>
+            </a:r>
+          </a:p>
+        </p:txBody>
+      </p:sp>
+      <p:sp>
+        <p:nvSpPr>
+          <p:cNvPr id="64515" name="Rectangle 3"/>
           <p:cNvSpPr>
             <a:spLocks noGrp="1" noChangeArrowheads="1"/>
           </p:cNvSpPr>
@@ -25403,32 +25363,107 @@
             <p:ph type="body" idx="1"/>
           </p:nvPr>
         </p:nvSpPr>
-        <p:spPr>
-          <a:xfrm>
-            <a:off x="457200" y="1447800"/>
-            <a:ext cx="8229600" cy="4525963"/>
-          </a:xfrm>
-        </p:spPr>
-        <p:txBody>
-          <a:bodyPr/>
-          <a:lstStyle/>
-          <a:p>
-            <a:pPr eaLnBrk="1" hangingPunct="1"/>
+        <p:spPr/>
+        <p:txBody>
+          <a:bodyPr/>
+          <a:lstStyle/>
+          <a:p>
+            <a:pPr eaLnBrk="1" hangingPunct="1">
+              <a:spcBef>
+                <a:spcPts val="1200"/>
+              </a:spcBef>
+            </a:pPr>
+            <a:r>
+              <a:rPr lang="en-US" sz="2400" dirty="0" err="1" smtClean="0"/>
+              <a:t>Stickley</a:t>
+            </a:r>
             <a:r>
               <a:rPr lang="en-US" sz="2400" dirty="0" smtClean="0"/>
-              <a:t>Ongoing saga, similar </a:t>
-            </a:r>
-            <a:r>
-              <a:rPr lang="en-US" sz="2400" smtClean="0"/>
-              <a:t>to furniture </a:t>
-            </a:r>
-            <a:endParaRPr lang="en-US" sz="2000" dirty="0" smtClean="0"/>
-          </a:p>
-        </p:txBody>
-      </p:sp>
-      <p:sp>
-        <p:nvSpPr>
-          <p:cNvPr id="69636" name="Slide Number Placeholder 3"/>
+              <a:t> builds huge plant in Vietnam </a:t>
+            </a:r>
+          </a:p>
+          <a:p>
+            <a:pPr eaLnBrk="1" hangingPunct="1">
+              <a:spcBef>
+                <a:spcPts val="1200"/>
+              </a:spcBef>
+            </a:pPr>
+            <a:r>
+              <a:rPr lang="en-US" sz="2400" dirty="0" smtClean="0"/>
+              <a:t>Files dumping suit against Chinese producers </a:t>
+            </a:r>
+          </a:p>
+          <a:p>
+            <a:pPr eaLnBrk="1" hangingPunct="1">
+              <a:spcBef>
+                <a:spcPts val="1200"/>
+              </a:spcBef>
+            </a:pPr>
+            <a:r>
+              <a:rPr lang="en-US" sz="2400" dirty="0" smtClean="0"/>
+              <a:t>US producers divided </a:t>
+            </a:r>
+          </a:p>
+          <a:p>
+            <a:pPr lvl="1" eaLnBrk="1" hangingPunct="1">
+              <a:spcBef>
+                <a:spcPts val="1200"/>
+              </a:spcBef>
+            </a:pPr>
+            <a:r>
+              <a:rPr lang="en-US" sz="2000" dirty="0" smtClean="0"/>
+              <a:t>Retailers against suit, producers in favor </a:t>
+            </a:r>
+          </a:p>
+          <a:p>
+            <a:pPr lvl="1" eaLnBrk="1" hangingPunct="1">
+              <a:spcBef>
+                <a:spcPts val="1200"/>
+              </a:spcBef>
+            </a:pPr>
+            <a:r>
+              <a:rPr lang="en-US" sz="2000" dirty="0" smtClean="0"/>
+              <a:t>Production leaves US anyway </a:t>
+            </a:r>
+          </a:p>
+          <a:p>
+            <a:pPr eaLnBrk="1" hangingPunct="1">
+              <a:spcBef>
+                <a:spcPts val="1200"/>
+              </a:spcBef>
+            </a:pPr>
+            <a:r>
+              <a:rPr lang="en-US" sz="2400" dirty="0" smtClean="0"/>
+              <a:t>Chinese firms hire US lawyers, settle </a:t>
+            </a:r>
+          </a:p>
+          <a:p>
+            <a:pPr eaLnBrk="1" hangingPunct="1">
+              <a:spcBef>
+                <a:spcPts val="1200"/>
+              </a:spcBef>
+            </a:pPr>
+            <a:r>
+              <a:rPr lang="en-US" sz="2400" dirty="0" smtClean="0"/>
+              <a:t>China passes dumping law, files suits against Americans </a:t>
+            </a:r>
+          </a:p>
+          <a:p>
+            <a:pPr eaLnBrk="1" hangingPunct="1">
+              <a:spcBef>
+                <a:spcPts val="1200"/>
+              </a:spcBef>
+            </a:pPr>
+            <a:r>
+              <a:rPr lang="en-US" sz="2400" dirty="0" smtClean="0"/>
+              <a:t>Who gains?  Who loses?  Who’s the pirate?</a:t>
+            </a:r>
+          </a:p>
+        </p:txBody>
+      </p:sp>
+      <p:sp>
+        <p:nvSpPr>
+          <p:cNvPr id="64516" name="Slide Number Placeholder 3"/>
           <p:cNvSpPr>
             <a:spLocks noGrp="1"/>
           </p:cNvSpPr>
@@ -25443,7 +25478,7 @@
           <a:bodyPr/>
           <a:lstStyle/>
           <a:p>
-            <a:fld id="{8D0DFA03-0B40-46EF-8CDD-4E69A823E0BA}" type="slidenum">
+            <a:fld id="{200664E8-E9F5-449A-93F9-BCF5416F0D5E}" type="slidenum">
               <a:rPr lang="en-US" smtClean="0"/>
               <a:pPr/>
               <a:t>84</a:t>
@@ -25453,11 +25488,6 @@
         </p:txBody>
       </p:sp>
     </p:spTree>
-    <p:extLst>
-      <p:ext uri="{BB962C8B-B14F-4D97-AF65-F5344CB8AC3E}">
-        <p14:creationId xmlns:p14="http://schemas.microsoft.com/office/powerpoint/2010/main" val="3135994356"/>
-      </p:ext>
-    </p:extLst>
   </p:cSld>
   <p:clrMapOvr>
     <a:masterClrMapping/>
@@ -25491,7 +25521,7 @@
       </p:grpSpPr>
       <p:sp>
         <p:nvSpPr>
-          <p:cNvPr id="65538" name="Rectangle 2"/>
+          <p:cNvPr id="69634" name="Rectangle 2"/>
           <p:cNvSpPr>
             <a:spLocks noGrp="1" noChangeArrowheads="1"/>
           </p:cNvSpPr>
@@ -25507,14 +25537,14 @@
             <a:pPr algn="l" eaLnBrk="1" hangingPunct="1"/>
             <a:r>
               <a:rPr lang="en-US" dirty="0" smtClean="0"/>
-              <a:t>Save US wire hangers!! </a:t>
-            </a:r>
-          </a:p>
-        </p:txBody>
-      </p:sp>
-      <p:sp>
-        <p:nvSpPr>
-          <p:cNvPr id="65539" name="Rectangle 3"/>
+              <a:t>Solar panels	</a:t>
+            </a:r>
+          </a:p>
+        </p:txBody>
+      </p:sp>
+      <p:sp>
+        <p:nvSpPr>
+          <p:cNvPr id="69635" name="Rectangle 3"/>
           <p:cNvSpPr>
             <a:spLocks noGrp="1" noChangeArrowheads="1"/>
           </p:cNvSpPr>
@@ -25522,92 +25552,32 @@
             <p:ph type="body" idx="1"/>
           </p:nvPr>
         </p:nvSpPr>
-        <p:spPr/>
-        <p:txBody>
-          <a:bodyPr/>
-          <a:lstStyle/>
-          <a:p>
-            <a:pPr eaLnBrk="1" hangingPunct="1">
-              <a:spcBef>
-                <a:spcPts val="1200"/>
-              </a:spcBef>
-            </a:pPr>
+        <p:spPr>
+          <a:xfrm>
+            <a:off x="457200" y="1447800"/>
+            <a:ext cx="8229600" cy="4525963"/>
+          </a:xfrm>
+        </p:spPr>
+        <p:txBody>
+          <a:bodyPr/>
+          <a:lstStyle/>
+          <a:p>
+            <a:pPr eaLnBrk="1" hangingPunct="1"/>
             <a:r>
               <a:rPr lang="en-US" sz="2400" dirty="0" smtClean="0"/>
-              <a:t>One remaining US-based hanger producer…</a:t>
-            </a:r>
-          </a:p>
-          <a:p>
-            <a:pPr eaLnBrk="1" hangingPunct="1">
-              <a:spcBef>
-                <a:spcPts val="1200"/>
-              </a:spcBef>
-            </a:pPr>
-            <a:r>
-              <a:rPr lang="en-US" sz="2400" dirty="0" smtClean="0"/>
-              <a:t>… files petition against Chinese producers</a:t>
-            </a:r>
-          </a:p>
-          <a:p>
-            <a:pPr eaLnBrk="1" hangingPunct="1">
-              <a:spcBef>
-                <a:spcPts val="1200"/>
-              </a:spcBef>
-            </a:pPr>
-            <a:r>
-              <a:rPr lang="en-US" sz="2400" dirty="0" smtClean="0"/>
-              <a:t>US’s International Trade Commission investigates</a:t>
-            </a:r>
-          </a:p>
-          <a:p>
-            <a:pPr eaLnBrk="1" hangingPunct="1">
-              <a:spcBef>
-                <a:spcPts val="1200"/>
-              </a:spcBef>
-            </a:pPr>
-            <a:r>
-              <a:rPr lang="en-US" sz="2400" dirty="0" smtClean="0"/>
-              <a:t>Finds:  hangers sold below “fair market value” </a:t>
-            </a:r>
-          </a:p>
-          <a:p>
-            <a:pPr eaLnBrk="1" hangingPunct="1">
-              <a:spcBef>
-                <a:spcPts val="1200"/>
-              </a:spcBef>
-            </a:pPr>
-            <a:r>
-              <a:rPr lang="en-US" sz="2400" dirty="0" smtClean="0"/>
-              <a:t>Duties assessed range from 33% to 165%  </a:t>
-            </a:r>
-          </a:p>
-          <a:p>
-            <a:pPr eaLnBrk="1" hangingPunct="1">
-              <a:spcBef>
-                <a:spcPts val="1200"/>
-              </a:spcBef>
-            </a:pPr>
-            <a:r>
-              <a:rPr lang="en-US" sz="2400" dirty="0" smtClean="0"/>
-              <a:t>Hanger prices double in US market </a:t>
-            </a:r>
-          </a:p>
-          <a:p>
-            <a:pPr eaLnBrk="1" hangingPunct="1">
-              <a:spcBef>
-                <a:spcPts val="1200"/>
-              </a:spcBef>
-            </a:pPr>
-            <a:r>
-              <a:rPr lang="en-US" sz="2400" dirty="0" smtClean="0"/>
-              <a:t>Who wins?  Who loses?  Who’s the pirate?  </a:t>
-            </a:r>
-          </a:p>
-        </p:txBody>
-      </p:sp>
-      <p:sp>
-        <p:nvSpPr>
-          <p:cNvPr id="65540" name="Slide Number Placeholder 3"/>
+              <a:t>Ongoing saga, similar </a:t>
+            </a:r>
+            <a:r>
+              <a:rPr lang="en-US" sz="2400" smtClean="0"/>
+              <a:t>to furniture </a:t>
+            </a:r>
+            <a:endParaRPr lang="en-US" sz="2000" dirty="0" smtClean="0"/>
+          </a:p>
+        </p:txBody>
+      </p:sp>
+      <p:sp>
+        <p:nvSpPr>
+          <p:cNvPr id="69636" name="Slide Number Placeholder 3"/>
           <p:cNvSpPr>
             <a:spLocks noGrp="1"/>
           </p:cNvSpPr>
@@ -25622,7 +25592,7 @@
           <a:bodyPr/>
           <a:lstStyle/>
           <a:p>
-            <a:fld id="{19438C07-B925-444F-A648-76830E58B3D8}" type="slidenum">
+            <a:fld id="{8D0DFA03-0B40-46EF-8CDD-4E69A823E0BA}" type="slidenum">
               <a:rPr lang="en-US" smtClean="0"/>
               <a:pPr/>
               <a:t>85</a:t>
@@ -25632,6 +25602,11 @@
         </p:txBody>
       </p:sp>
     </p:spTree>
+    <p:extLst>
+      <p:ext uri="{BB962C8B-B14F-4D97-AF65-F5344CB8AC3E}">
+        <p14:creationId xmlns:p14="http://schemas.microsoft.com/office/powerpoint/2010/main" val="3135994356"/>
+      </p:ext>
+    </p:extLst>
   </p:cSld>
   <p:clrMapOvr>
     <a:masterClrMapping/>
@@ -25665,7 +25640,7 @@
       </p:grpSpPr>
       <p:sp>
         <p:nvSpPr>
-          <p:cNvPr id="66562" name="Rectangle 2"/>
+          <p:cNvPr id="65538" name="Rectangle 2"/>
           <p:cNvSpPr>
             <a:spLocks noGrp="1" noChangeArrowheads="1"/>
           </p:cNvSpPr>
@@ -25681,14 +25656,14 @@
             <a:pPr algn="l" eaLnBrk="1" hangingPunct="1"/>
             <a:r>
               <a:rPr lang="en-US" dirty="0" smtClean="0"/>
-              <a:t>Save hangers, cont’d</a:t>
-            </a:r>
-          </a:p>
-        </p:txBody>
-      </p:sp>
-      <p:sp>
-        <p:nvSpPr>
-          <p:cNvPr id="66563" name="Rectangle 3"/>
+              <a:t>Save US wire hangers!! </a:t>
+            </a:r>
+          </a:p>
+        </p:txBody>
+      </p:sp>
+      <p:sp>
+        <p:nvSpPr>
+          <p:cNvPr id="65539" name="Rectangle 3"/>
           <p:cNvSpPr>
             <a:spLocks noGrp="1" noChangeArrowheads="1"/>
           </p:cNvSpPr>
@@ -25696,76 +25671,92 @@
             <p:ph type="body" idx="1"/>
           </p:nvPr>
         </p:nvSpPr>
-        <p:spPr>
-          <a:xfrm>
-            <a:off x="533400" y="1447800"/>
-            <a:ext cx="8229600" cy="4525963"/>
-          </a:xfrm>
-        </p:spPr>
-        <p:txBody>
-          <a:bodyPr/>
-          <a:lstStyle/>
-          <a:p>
-            <a:pPr eaLnBrk="1" hangingPunct="1"/>
+        <p:spPr/>
+        <p:txBody>
+          <a:bodyPr/>
+          <a:lstStyle/>
+          <a:p>
+            <a:pPr eaLnBrk="1" hangingPunct="1">
+              <a:spcBef>
+                <a:spcPts val="1200"/>
+              </a:spcBef>
+            </a:pPr>
             <a:r>
               <a:rPr lang="en-US" sz="2400" dirty="0" smtClean="0"/>
-              <a:t>Who wins?</a:t>
-            </a:r>
-          </a:p>
-          <a:p>
-            <a:pPr lvl="1" eaLnBrk="1" hangingPunct="1"/>
-            <a:r>
-              <a:rPr lang="en-US" sz="2000" dirty="0" smtClean="0"/>
-              <a:t>Domestic hanger producers</a:t>
-            </a:r>
-          </a:p>
-          <a:p>
-            <a:pPr lvl="1" eaLnBrk="1" hangingPunct="1"/>
-            <a:r>
-              <a:rPr lang="en-US" sz="2000" dirty="0" smtClean="0"/>
-              <a:t>Wisconsin hanger plant reopens</a:t>
-            </a:r>
-          </a:p>
-          <a:p>
-            <a:pPr eaLnBrk="1" hangingPunct="1"/>
+              <a:t>One remaining US-based hanger producer…</a:t>
+            </a:r>
+          </a:p>
+          <a:p>
+            <a:pPr eaLnBrk="1" hangingPunct="1">
+              <a:spcBef>
+                <a:spcPts val="1200"/>
+              </a:spcBef>
+            </a:pPr>
             <a:r>
               <a:rPr lang="en-US" sz="2400" dirty="0" smtClean="0"/>
-              <a:t>Who loses?</a:t>
-            </a:r>
-          </a:p>
-          <a:p>
-            <a:pPr lvl="1" eaLnBrk="1" hangingPunct="1"/>
-            <a:r>
-              <a:rPr lang="en-US" sz="2000" dirty="0" smtClean="0"/>
-              <a:t>Dry cleaners</a:t>
-            </a:r>
-          </a:p>
-          <a:p>
-            <a:pPr lvl="1" eaLnBrk="1" hangingPunct="1"/>
-            <a:r>
-              <a:rPr lang="en-US" sz="2000" dirty="0" smtClean="0"/>
-              <a:t>People who use dry cleaners</a:t>
-            </a:r>
-          </a:p>
-          <a:p>
-            <a:pPr eaLnBrk="1" hangingPunct="1"/>
+              <a:t>… files petition against Chinese producers</a:t>
+            </a:r>
+          </a:p>
+          <a:p>
+            <a:pPr eaLnBrk="1" hangingPunct="1">
+              <a:spcBef>
+                <a:spcPts val="1200"/>
+              </a:spcBef>
+            </a:pPr>
             <a:r>
               <a:rPr lang="en-US" sz="2400" dirty="0" smtClean="0"/>
-              <a:t>Unintended consequence</a:t>
-            </a:r>
-          </a:p>
-          <a:p>
-            <a:pPr lvl="1" eaLnBrk="1" hangingPunct="1"/>
-            <a:r>
-              <a:rPr lang="en-US" sz="2000" dirty="0" smtClean="0"/>
-              <a:t>Hanger recycling</a:t>
-            </a:r>
-          </a:p>
-        </p:txBody>
-      </p:sp>
-      <p:sp>
-        <p:nvSpPr>
-          <p:cNvPr id="66564" name="Slide Number Placeholder 3"/>
+              <a:t>US’s International Trade Commission investigates</a:t>
+            </a:r>
+          </a:p>
+          <a:p>
+            <a:pPr eaLnBrk="1" hangingPunct="1">
+              <a:spcBef>
+                <a:spcPts val="1200"/>
+              </a:spcBef>
+            </a:pPr>
+            <a:r>
+              <a:rPr lang="en-US" sz="2400" dirty="0" smtClean="0"/>
+              <a:t>Finds:  hangers sold below “fair market value” </a:t>
+            </a:r>
+          </a:p>
+          <a:p>
+            <a:pPr eaLnBrk="1" hangingPunct="1">
+              <a:spcBef>
+                <a:spcPts val="1200"/>
+              </a:spcBef>
+            </a:pPr>
+            <a:r>
+              <a:rPr lang="en-US" sz="2400" dirty="0" smtClean="0"/>
+              <a:t>Duties assessed range from 33% to 165%  </a:t>
+            </a:r>
+          </a:p>
+          <a:p>
+            <a:pPr eaLnBrk="1" hangingPunct="1">
+              <a:spcBef>
+                <a:spcPts val="1200"/>
+              </a:spcBef>
+            </a:pPr>
+            <a:r>
+              <a:rPr lang="en-US" sz="2400" dirty="0" smtClean="0"/>
+              <a:t>Hanger prices double in US market </a:t>
+            </a:r>
+          </a:p>
+          <a:p>
+            <a:pPr eaLnBrk="1" hangingPunct="1">
+              <a:spcBef>
+                <a:spcPts val="1200"/>
+              </a:spcBef>
+            </a:pPr>
+            <a:r>
+              <a:rPr lang="en-US" sz="2400" dirty="0" smtClean="0"/>
+              <a:t>Who wins?  Who loses?  Who’s the pirate?  </a:t>
+            </a:r>
+          </a:p>
+        </p:txBody>
+      </p:sp>
+      <p:sp>
+        <p:nvSpPr>
+          <p:cNvPr id="65540" name="Slide Number Placeholder 3"/>
           <p:cNvSpPr>
             <a:spLocks noGrp="1"/>
           </p:cNvSpPr>
@@ -25780,7 +25771,7 @@
           <a:bodyPr/>
           <a:lstStyle/>
           <a:p>
-            <a:fld id="{4BFA3AD7-5972-4E5E-A155-65BB4922F611}" type="slidenum">
+            <a:fld id="{19438C07-B925-444F-A648-76830E58B3D8}" type="slidenum">
               <a:rPr lang="en-US" smtClean="0"/>
               <a:pPr/>
               <a:t>86</a:t>
@@ -25823,7 +25814,7 @@
       </p:grpSpPr>
       <p:sp>
         <p:nvSpPr>
-          <p:cNvPr id="68610" name="Rectangle 2"/>
+          <p:cNvPr id="66562" name="Rectangle 2"/>
           <p:cNvSpPr>
             <a:spLocks noGrp="1" noChangeArrowheads="1"/>
           </p:cNvSpPr>
@@ -25839,14 +25830,14 @@
             <a:pPr algn="l" eaLnBrk="1" hangingPunct="1"/>
             <a:r>
               <a:rPr lang="en-US" dirty="0" smtClean="0"/>
-              <a:t>World Trade Organization</a:t>
-            </a:r>
-          </a:p>
-        </p:txBody>
-      </p:sp>
-      <p:sp>
-        <p:nvSpPr>
-          <p:cNvPr id="68611" name="Rectangle 3"/>
+              <a:t>Save hangers, cont’d</a:t>
+            </a:r>
+          </a:p>
+        </p:txBody>
+      </p:sp>
+      <p:sp>
+        <p:nvSpPr>
+          <p:cNvPr id="66563" name="Rectangle 3"/>
           <p:cNvSpPr>
             <a:spLocks noGrp="1" noChangeArrowheads="1"/>
           </p:cNvSpPr>
@@ -25856,7 +25847,7 @@
         </p:nvSpPr>
         <p:spPr>
           <a:xfrm>
-            <a:off x="457200" y="1524000"/>
+            <a:off x="533400" y="1447800"/>
             <a:ext cx="8229600" cy="4525963"/>
           </a:xfrm>
         </p:spPr>
@@ -25864,150 +25855,66 @@
           <a:bodyPr/>
           <a:lstStyle/>
           <a:p>
-            <a:pPr eaLnBrk="1" hangingPunct="1">
-              <a:lnSpc>
-                <a:spcPct val="80000"/>
-              </a:lnSpc>
-              <a:spcBef>
-                <a:spcPct val="50000"/>
-              </a:spcBef>
-            </a:pPr>
+            <a:pPr eaLnBrk="1" hangingPunct="1"/>
             <a:r>
               <a:rPr lang="en-US" sz="2400" dirty="0" smtClean="0"/>
-              <a:t>1947 General Agreement on Trade and Tariffs</a:t>
-            </a:r>
-          </a:p>
-          <a:p>
-            <a:pPr lvl="1" eaLnBrk="1" hangingPunct="1">
-              <a:lnSpc>
-                <a:spcPct val="80000"/>
-              </a:lnSpc>
-              <a:spcBef>
-                <a:spcPct val="50000"/>
-              </a:spcBef>
-            </a:pPr>
+              <a:t>Who wins?</a:t>
+            </a:r>
+          </a:p>
+          <a:p>
+            <a:pPr lvl="1" eaLnBrk="1" hangingPunct="1"/>
             <a:r>
               <a:rPr lang="en-US" sz="2000" dirty="0" smtClean="0"/>
-              <a:t>23 original signers</a:t>
-            </a:r>
-          </a:p>
-          <a:p>
-            <a:pPr lvl="1" eaLnBrk="1" hangingPunct="1">
-              <a:lnSpc>
-                <a:spcPct val="80000"/>
-              </a:lnSpc>
-              <a:spcBef>
-                <a:spcPct val="50000"/>
-              </a:spcBef>
-            </a:pPr>
+              <a:t>Domestic hanger producers</a:t>
+            </a:r>
+          </a:p>
+          <a:p>
+            <a:pPr lvl="1" eaLnBrk="1" hangingPunct="1"/>
             <a:r>
               <a:rPr lang="en-US" sz="2000" dirty="0" smtClean="0"/>
-              <a:t>Major cornerstone:  nondiscrimination</a:t>
-            </a:r>
-          </a:p>
-          <a:p>
-            <a:pPr eaLnBrk="1" hangingPunct="1">
-              <a:lnSpc>
-                <a:spcPct val="80000"/>
-              </a:lnSpc>
-              <a:spcBef>
-                <a:spcPct val="50000"/>
-              </a:spcBef>
-            </a:pPr>
+              <a:t>Wisconsin hanger plant reopens</a:t>
+            </a:r>
+          </a:p>
+          <a:p>
+            <a:pPr eaLnBrk="1" hangingPunct="1"/>
             <a:r>
               <a:rPr lang="en-US" sz="2400" dirty="0" smtClean="0"/>
-              <a:t>1995 GATT becomes the World Trade Organization</a:t>
-            </a:r>
-          </a:p>
-          <a:p>
-            <a:pPr lvl="1" eaLnBrk="1" hangingPunct="1">
-              <a:lnSpc>
-                <a:spcPct val="80000"/>
-              </a:lnSpc>
-              <a:spcBef>
-                <a:spcPct val="50000"/>
-              </a:spcBef>
-            </a:pPr>
+              <a:t>Who loses?</a:t>
+            </a:r>
+          </a:p>
+          <a:p>
+            <a:pPr lvl="1" eaLnBrk="1" hangingPunct="1"/>
             <a:r>
               <a:rPr lang="en-US" sz="2000" dirty="0" smtClean="0"/>
-              <a:t>Enforcement mechanism:  none </a:t>
-            </a:r>
-          </a:p>
-          <a:p>
-            <a:pPr lvl="1" eaLnBrk="1" hangingPunct="1">
-              <a:lnSpc>
-                <a:spcPct val="80000"/>
-              </a:lnSpc>
-              <a:spcBef>
-                <a:spcPct val="50000"/>
-              </a:spcBef>
-            </a:pPr>
+              <a:t>Dry cleaners</a:t>
+            </a:r>
+          </a:p>
+          <a:p>
+            <a:pPr lvl="1" eaLnBrk="1" hangingPunct="1"/>
             <a:r>
               <a:rPr lang="en-US" sz="2000" dirty="0" smtClean="0"/>
-              <a:t>Exemptions:  health and safety arguments</a:t>
-            </a:r>
-          </a:p>
-          <a:p>
-            <a:pPr eaLnBrk="1" hangingPunct="1">
-              <a:lnSpc>
-                <a:spcPct val="80000"/>
-              </a:lnSpc>
-              <a:spcBef>
-                <a:spcPct val="50000"/>
-              </a:spcBef>
-            </a:pPr>
+              <a:t>People who use dry cleaners</a:t>
+            </a:r>
+          </a:p>
+          <a:p>
+            <a:pPr eaLnBrk="1" hangingPunct="1"/>
             <a:r>
               <a:rPr lang="en-US" sz="2400" dirty="0" smtClean="0"/>
-              <a:t>Current issues </a:t>
-            </a:r>
-          </a:p>
-          <a:p>
-            <a:pPr lvl="1" eaLnBrk="1" hangingPunct="1">
-              <a:lnSpc>
-                <a:spcPct val="80000"/>
-              </a:lnSpc>
-              <a:spcBef>
-                <a:spcPct val="50000"/>
-              </a:spcBef>
-            </a:pPr>
+              <a:t>Unintended consequence</a:t>
+            </a:r>
+          </a:p>
+          <a:p>
+            <a:pPr lvl="1" eaLnBrk="1" hangingPunct="1"/>
             <a:r>
               <a:rPr lang="en-US" sz="2000" dirty="0" smtClean="0"/>
-              <a:t>Tariffs on non-agriculture very low</a:t>
-            </a:r>
-          </a:p>
-          <a:p>
-            <a:pPr lvl="1" eaLnBrk="1" hangingPunct="1">
-              <a:lnSpc>
-                <a:spcPct val="80000"/>
-              </a:lnSpc>
-              <a:spcBef>
-                <a:spcPct val="50000"/>
-              </a:spcBef>
-            </a:pPr>
-            <a:r>
-              <a:rPr lang="en-US" sz="2000" dirty="0" smtClean="0"/>
-              <a:t>General Agreement on Trade in Services (in the works)</a:t>
-            </a:r>
-          </a:p>
-          <a:p>
-            <a:pPr lvl="1" eaLnBrk="1" hangingPunct="1">
-              <a:lnSpc>
-                <a:spcPct val="80000"/>
-              </a:lnSpc>
-              <a:spcBef>
-                <a:spcPct val="50000"/>
-              </a:spcBef>
-            </a:pPr>
-            <a:r>
-              <a:rPr lang="en-US" sz="2000" dirty="0" smtClean="0"/>
-              <a:t>Trade Related Aspects of Intellectual Property Rights (in the works)</a:t>
-            </a:r>
-          </a:p>
-        </p:txBody>
-      </p:sp>
-      <p:sp>
-        <p:nvSpPr>
-          <p:cNvPr id="68612" name="Slide Number Placeholder 3"/>
+              <a:t>Hanger recycling</a:t>
+            </a:r>
+          </a:p>
+        </p:txBody>
+      </p:sp>
+      <p:sp>
+        <p:nvSpPr>
+          <p:cNvPr id="66564" name="Slide Number Placeholder 3"/>
           <p:cNvSpPr>
             <a:spLocks noGrp="1"/>
           </p:cNvSpPr>
@@ -26022,7 +25929,7 @@
           <a:bodyPr/>
           <a:lstStyle/>
           <a:p>
-            <a:fld id="{3EFC3154-5087-4632-A336-B25CCD94ED84}" type="slidenum">
+            <a:fld id="{4BFA3AD7-5972-4E5E-A155-65BB4922F611}" type="slidenum">
               <a:rPr lang="en-US" smtClean="0"/>
               <a:pPr/>
               <a:t>87</a:t>
@@ -26065,7 +25972,7 @@
       </p:grpSpPr>
       <p:sp>
         <p:nvSpPr>
-          <p:cNvPr id="69634" name="Rectangle 2"/>
+          <p:cNvPr id="68610" name="Rectangle 2"/>
           <p:cNvSpPr>
             <a:spLocks noGrp="1" noChangeArrowheads="1"/>
           </p:cNvSpPr>
@@ -26081,14 +25988,14 @@
             <a:pPr algn="l" eaLnBrk="1" hangingPunct="1"/>
             <a:r>
               <a:rPr lang="en-US" dirty="0" smtClean="0"/>
-              <a:t>WTO principles</a:t>
-            </a:r>
-          </a:p>
-        </p:txBody>
-      </p:sp>
-      <p:sp>
-        <p:nvSpPr>
-          <p:cNvPr id="69635" name="Rectangle 3"/>
+              <a:t>World Trade Organization</a:t>
+            </a:r>
+          </a:p>
+        </p:txBody>
+      </p:sp>
+      <p:sp>
+        <p:nvSpPr>
+          <p:cNvPr id="68611" name="Rectangle 3"/>
           <p:cNvSpPr>
             <a:spLocks noGrp="1" noChangeArrowheads="1"/>
           </p:cNvSpPr>
@@ -26098,7 +26005,7 @@
         </p:nvSpPr>
         <p:spPr>
           <a:xfrm>
-            <a:off x="457200" y="1447800"/>
+            <a:off x="457200" y="1524000"/>
             <a:ext cx="8229600" cy="4525963"/>
           </a:xfrm>
         </p:spPr>
@@ -26106,87 +26013,150 @@
           <a:bodyPr/>
           <a:lstStyle/>
           <a:p>
-            <a:pPr eaLnBrk="1" hangingPunct="1"/>
+            <a:pPr eaLnBrk="1" hangingPunct="1">
+              <a:lnSpc>
+                <a:spcPct val="80000"/>
+              </a:lnSpc>
+              <a:spcBef>
+                <a:spcPct val="50000"/>
+              </a:spcBef>
+            </a:pPr>
             <a:r>
               <a:rPr lang="en-US" sz="2400" dirty="0" smtClean="0"/>
-              <a:t>Tariff “binding”</a:t>
-            </a:r>
-          </a:p>
-          <a:p>
-            <a:pPr lvl="1" eaLnBrk="1" hangingPunct="1"/>
+              <a:t>1947 General Agreement on Trade and Tariffs</a:t>
+            </a:r>
+          </a:p>
+          <a:p>
+            <a:pPr lvl="1" eaLnBrk="1" hangingPunct="1">
+              <a:lnSpc>
+                <a:spcPct val="80000"/>
+              </a:lnSpc>
+              <a:spcBef>
+                <a:spcPct val="50000"/>
+              </a:spcBef>
+            </a:pPr>
             <a:r>
               <a:rPr lang="en-US" sz="2000" dirty="0" smtClean="0"/>
-              <a:t>A negotiated tariff is bound</a:t>
-            </a:r>
-            <a:r>
-              <a:rPr lang="en-US" sz="2000" smtClean="0"/>
-              <a:t>:  it cannot </a:t>
-            </a:r>
+              <a:t>23 original signers</a:t>
+            </a:r>
+          </a:p>
+          <a:p>
+            <a:pPr lvl="1" eaLnBrk="1" hangingPunct="1">
+              <a:lnSpc>
+                <a:spcPct val="80000"/>
+              </a:lnSpc>
+              <a:spcBef>
+                <a:spcPct val="50000"/>
+              </a:spcBef>
+            </a:pPr>
             <a:r>
               <a:rPr lang="en-US" sz="2000" dirty="0" smtClean="0"/>
-              <a:t>be increased in the future</a:t>
-            </a:r>
-          </a:p>
-          <a:p>
-            <a:pPr lvl="1" eaLnBrk="1" hangingPunct="1"/>
+              <a:t>Major cornerstone:  nondiscrimination</a:t>
+            </a:r>
+          </a:p>
+          <a:p>
+            <a:pPr eaLnBrk="1" hangingPunct="1">
+              <a:lnSpc>
+                <a:spcPct val="80000"/>
+              </a:lnSpc>
+              <a:spcBef>
+                <a:spcPct val="50000"/>
+              </a:spcBef>
+            </a:pPr>
+            <a:r>
+              <a:rPr lang="en-US" sz="2400" dirty="0" smtClean="0"/>
+              <a:t>1995 GATT becomes the World Trade Organization</a:t>
+            </a:r>
+          </a:p>
+          <a:p>
+            <a:pPr lvl="1" eaLnBrk="1" hangingPunct="1">
+              <a:lnSpc>
+                <a:spcPct val="80000"/>
+              </a:lnSpc>
+              <a:spcBef>
+                <a:spcPct val="50000"/>
+              </a:spcBef>
+            </a:pPr>
             <a:r>
               <a:rPr lang="en-US" sz="2000" dirty="0" smtClean="0"/>
-              <a:t>Nondiscrimination</a:t>
-            </a:r>
-          </a:p>
-          <a:p>
-            <a:pPr eaLnBrk="1" hangingPunct="1"/>
+              <a:t>Enforcement mechanism:  none </a:t>
+            </a:r>
+          </a:p>
+          <a:p>
+            <a:pPr lvl="1" eaLnBrk="1" hangingPunct="1">
+              <a:lnSpc>
+                <a:spcPct val="80000"/>
+              </a:lnSpc>
+              <a:spcBef>
+                <a:spcPct val="50000"/>
+              </a:spcBef>
+            </a:pPr>
+            <a:r>
+              <a:rPr lang="en-US" sz="2000" dirty="0" smtClean="0"/>
+              <a:t>Exemptions:  health and safety arguments</a:t>
+            </a:r>
+          </a:p>
+          <a:p>
+            <a:pPr eaLnBrk="1" hangingPunct="1">
+              <a:lnSpc>
+                <a:spcPct val="80000"/>
+              </a:lnSpc>
+              <a:spcBef>
+                <a:spcPct val="50000"/>
+              </a:spcBef>
+            </a:pPr>
             <a:r>
               <a:rPr lang="en-US" sz="2400" dirty="0" smtClean="0"/>
-              <a:t>Member grant each other </a:t>
-            </a:r>
-            <a:r>
-              <a:rPr lang="en-US" sz="2400" i="1" dirty="0" smtClean="0"/>
-              <a:t>most favored nation </a:t>
-            </a:r>
-            <a:r>
-              <a:rPr lang="en-US" sz="2400" dirty="0" smtClean="0"/>
-              <a:t>status … now called </a:t>
-            </a:r>
-            <a:r>
-              <a:rPr lang="en-US" sz="2400" i="1" dirty="0" smtClean="0"/>
-              <a:t>normal trade relations (NTR) </a:t>
-            </a:r>
-          </a:p>
-          <a:p>
-            <a:pPr lvl="1" eaLnBrk="1" hangingPunct="1"/>
+              <a:t>Current issues </a:t>
+            </a:r>
+          </a:p>
+          <a:p>
+            <a:pPr lvl="1" eaLnBrk="1" hangingPunct="1">
+              <a:lnSpc>
+                <a:spcPct val="80000"/>
+              </a:lnSpc>
+              <a:spcBef>
+                <a:spcPct val="50000"/>
+              </a:spcBef>
+            </a:pPr>
             <a:r>
               <a:rPr lang="en-US" sz="2000" dirty="0" smtClean="0"/>
-              <a:t>Tariff rates the same for all </a:t>
-            </a:r>
-          </a:p>
-          <a:p>
-            <a:pPr lvl="1" eaLnBrk="1" hangingPunct="1"/>
+              <a:t>Tariffs on non-agriculture very low</a:t>
+            </a:r>
+          </a:p>
+          <a:p>
+            <a:pPr lvl="1" eaLnBrk="1" hangingPunct="1">
+              <a:lnSpc>
+                <a:spcPct val="80000"/>
+              </a:lnSpc>
+              <a:spcBef>
+                <a:spcPct val="50000"/>
+              </a:spcBef>
+            </a:pPr>
             <a:r>
               <a:rPr lang="en-US" sz="2000" dirty="0" smtClean="0"/>
-              <a:t>Exception:  regional trade agreements (</a:t>
-            </a:r>
-            <a:r>
-              <a:rPr lang="en-US" sz="2000" dirty="0" err="1" smtClean="0"/>
-              <a:t>eg</a:t>
-            </a:r>
+              <a:t>General Agreement on Trade in Services (in the works)</a:t>
+            </a:r>
+          </a:p>
+          <a:p>
+            <a:pPr lvl="1" eaLnBrk="1" hangingPunct="1">
+              <a:lnSpc>
+                <a:spcPct val="80000"/>
+              </a:lnSpc>
+              <a:spcBef>
+                <a:spcPct val="50000"/>
+              </a:spcBef>
+            </a:pPr>
             <a:r>
               <a:rPr lang="en-US" sz="2000" dirty="0" smtClean="0"/>
-              <a:t>, NAFTA)</a:t>
-            </a:r>
-          </a:p>
-          <a:p>
-            <a:pPr lvl="1" eaLnBrk="1" hangingPunct="1"/>
-            <a:r>
-              <a:rPr lang="en-US" sz="2000" dirty="0" smtClean="0"/>
-              <a:t>Exception:  “escape clauses” (China and tires)</a:t>
-            </a:r>
-          </a:p>
-        </p:txBody>
-      </p:sp>
-      <p:sp>
-        <p:nvSpPr>
-          <p:cNvPr id="69636" name="Slide Number Placeholder 3"/>
+              <a:t>Trade Related Aspects of Intellectual Property Rights (in the works)</a:t>
+            </a:r>
+          </a:p>
+        </p:txBody>
+      </p:sp>
+      <p:sp>
+        <p:nvSpPr>
+          <p:cNvPr id="68612" name="Slide Number Placeholder 3"/>
           <p:cNvSpPr>
             <a:spLocks noGrp="1"/>
           </p:cNvSpPr>
@@ -26201,7 +26171,7 @@
           <a:bodyPr/>
           <a:lstStyle/>
           <a:p>
-            <a:fld id="{8D0DFA03-0B40-46EF-8CDD-4E69A823E0BA}" type="slidenum">
+            <a:fld id="{3EFC3154-5087-4632-A336-B25CCD94ED84}" type="slidenum">
               <a:rPr lang="en-US" smtClean="0"/>
               <a:pPr/>
               <a:t>88</a:t>
@@ -26244,7 +26214,7 @@
       </p:grpSpPr>
       <p:sp>
         <p:nvSpPr>
-          <p:cNvPr id="70658" name="Rectangle 2"/>
+          <p:cNvPr id="69634" name="Rectangle 2"/>
           <p:cNvSpPr>
             <a:spLocks noGrp="1" noChangeArrowheads="1"/>
           </p:cNvSpPr>
@@ -26260,14 +26230,14 @@
             <a:pPr algn="l" eaLnBrk="1" hangingPunct="1"/>
             <a:r>
               <a:rPr lang="en-US" dirty="0" smtClean="0"/>
-              <a:t>What have we learned?</a:t>
-            </a:r>
-          </a:p>
-        </p:txBody>
-      </p:sp>
-      <p:sp>
-        <p:nvSpPr>
-          <p:cNvPr id="70659" name="Rectangle 3"/>
+              <a:t>WTO principles</a:t>
+            </a:r>
+          </a:p>
+        </p:txBody>
+      </p:sp>
+      <p:sp>
+        <p:nvSpPr>
+          <p:cNvPr id="69635" name="Rectangle 3"/>
           <p:cNvSpPr>
             <a:spLocks noGrp="1" noChangeArrowheads="1"/>
           </p:cNvSpPr>
@@ -26277,7 +26247,7 @@
         </p:nvSpPr>
         <p:spPr>
           <a:xfrm>
-            <a:off x="457200" y="1570037"/>
+            <a:off x="457200" y="1447800"/>
             <a:ext cx="8229600" cy="4525963"/>
           </a:xfrm>
         </p:spPr>
@@ -26285,94 +26255,87 @@
           <a:bodyPr/>
           <a:lstStyle/>
           <a:p>
-            <a:pPr eaLnBrk="1" hangingPunct="1">
-              <a:lnSpc>
-                <a:spcPct val="90000"/>
-              </a:lnSpc>
-              <a:spcBef>
-                <a:spcPct val="50000"/>
-              </a:spcBef>
-            </a:pPr>
+            <a:pPr eaLnBrk="1" hangingPunct="1"/>
             <a:r>
               <a:rPr lang="en-US" sz="2400" dirty="0" smtClean="0"/>
-              <a:t>Strong arguments for trade </a:t>
-            </a:r>
-          </a:p>
-          <a:p>
-            <a:pPr lvl="1" eaLnBrk="1" hangingPunct="1">
-              <a:lnSpc>
-                <a:spcPct val="90000"/>
-              </a:lnSpc>
-              <a:spcBef>
-                <a:spcPct val="50000"/>
-              </a:spcBef>
-            </a:pPr>
+              <a:t>Tariff “binding”</a:t>
+            </a:r>
+          </a:p>
+          <a:p>
+            <a:pPr lvl="1" eaLnBrk="1" hangingPunct="1"/>
             <a:r>
               <a:rPr lang="en-US" sz="2000" dirty="0" smtClean="0"/>
-              <a:t>And open competitive markets in general </a:t>
-            </a:r>
-          </a:p>
-          <a:p>
-            <a:pPr eaLnBrk="1" hangingPunct="1">
-              <a:lnSpc>
-                <a:spcPct val="90000"/>
-              </a:lnSpc>
-              <a:spcBef>
-                <a:spcPct val="50000"/>
-              </a:spcBef>
-            </a:pPr>
+              <a:t>A negotiated tariff is bound</a:t>
+            </a:r>
+            <a:r>
+              <a:rPr lang="en-US" sz="2000" smtClean="0"/>
+              <a:t>:  it cannot </a:t>
+            </a:r>
+            <a:r>
+              <a:rPr lang="en-US" sz="2000" dirty="0" smtClean="0"/>
+              <a:t>be increased in the future</a:t>
+            </a:r>
+          </a:p>
+          <a:p>
+            <a:pPr lvl="1" eaLnBrk="1" hangingPunct="1"/>
+            <a:r>
+              <a:rPr lang="en-US" sz="2000" dirty="0" smtClean="0"/>
+              <a:t>Nondiscrimination</a:t>
+            </a:r>
+          </a:p>
+          <a:p>
+            <a:pPr eaLnBrk="1" hangingPunct="1"/>
             <a:r>
               <a:rPr lang="en-US" sz="2400" dirty="0" smtClean="0"/>
-              <a:t>But political opposition is a fact of life</a:t>
-            </a:r>
-          </a:p>
-          <a:p>
-            <a:pPr eaLnBrk="1" hangingPunct="1">
-              <a:lnSpc>
-                <a:spcPct val="90000"/>
-              </a:lnSpc>
-              <a:spcBef>
-                <a:spcPct val="50000"/>
-              </a:spcBef>
-            </a:pPr>
+              <a:t>Member grant each other </a:t>
+            </a:r>
+            <a:r>
+              <a:rPr lang="en-US" sz="2400" i="1" dirty="0" smtClean="0"/>
+              <a:t>most favored nation </a:t>
+            </a:r>
             <a:r>
               <a:rPr lang="en-US" sz="2400" dirty="0" smtClean="0"/>
-              <a:t>Many ways to protect friends and locals </a:t>
-            </a:r>
-          </a:p>
-          <a:p>
-            <a:pPr lvl="1" eaLnBrk="1" hangingPunct="1">
-              <a:lnSpc>
-                <a:spcPct val="90000"/>
-              </a:lnSpc>
-              <a:spcBef>
-                <a:spcPct val="50000"/>
-              </a:spcBef>
-            </a:pPr>
+              <a:t>status … now called </a:t>
+            </a:r>
+            <a:r>
+              <a:rPr lang="en-US" sz="2400" i="1" dirty="0" smtClean="0"/>
+              <a:t>normal trade relations (NTR) </a:t>
+            </a:r>
+          </a:p>
+          <a:p>
+            <a:pPr lvl="1" eaLnBrk="1" hangingPunct="1"/>
             <a:r>
               <a:rPr lang="en-US" sz="2000" dirty="0" smtClean="0"/>
-              <a:t>Tariffs, quotas, dumping, health and safety, …  </a:t>
-            </a:r>
-          </a:p>
-          <a:p>
-            <a:pPr eaLnBrk="1" hangingPunct="1">
-              <a:lnSpc>
-                <a:spcPct val="90000"/>
-              </a:lnSpc>
-              <a:spcBef>
-                <a:spcPct val="50000"/>
-              </a:spcBef>
-            </a:pPr>
-            <a:r>
-              <a:rPr lang="en-US" sz="2400" dirty="0" smtClean="0"/>
-              <a:t>International business remains a challenge  </a:t>
-            </a:r>
-          </a:p>
-        </p:txBody>
-      </p:sp>
-      <p:sp>
-        <p:nvSpPr>
-          <p:cNvPr id="70660" name="Slide Number Placeholder 3"/>
+              <a:t>Tariff rates the same for all </a:t>
+            </a:r>
+          </a:p>
+          <a:p>
+            <a:pPr lvl="1" eaLnBrk="1" hangingPunct="1"/>
+            <a:r>
+              <a:rPr lang="en-US" sz="2000" dirty="0" smtClean="0"/>
+              <a:t>Exception:  regional trade agreements (</a:t>
+            </a:r>
+            <a:r>
+              <a:rPr lang="en-US" sz="2000" dirty="0" err="1" smtClean="0"/>
+              <a:t>eg</a:t>
+            </a:r>
+            <a:r>
+              <a:rPr lang="en-US" sz="2000" dirty="0" smtClean="0"/>
+              <a:t>, NAFTA)</a:t>
+            </a:r>
+          </a:p>
+          <a:p>
+            <a:pPr lvl="1" eaLnBrk="1" hangingPunct="1"/>
+            <a:r>
+              <a:rPr lang="en-US" sz="2000" dirty="0" smtClean="0"/>
+              <a:t>Exception:  “escape clauses” (China and tires)</a:t>
+            </a:r>
+          </a:p>
+        </p:txBody>
+      </p:sp>
+      <p:sp>
+        <p:nvSpPr>
+          <p:cNvPr id="69636" name="Slide Number Placeholder 3"/>
           <p:cNvSpPr>
             <a:spLocks noGrp="1"/>
           </p:cNvSpPr>
@@ -26387,7 +26350,7 @@
           <a:bodyPr/>
           <a:lstStyle/>
           <a:p>
-            <a:fld id="{04783394-9A17-4BB5-B32F-EE70A8A8C375}" type="slidenum">
+            <a:fld id="{8D0DFA03-0B40-46EF-8CDD-4E69A823E0BA}" type="slidenum">
               <a:rPr lang="en-US" smtClean="0"/>
               <a:pPr/>
               <a:t>89</a:t>
@@ -26469,7 +26432,7 @@
           <a:graphicData uri="http://schemas.openxmlformats.org/presentationml/2006/ole">
             <mc:AlternateContent xmlns:mc="http://schemas.openxmlformats.org/markup-compatibility/2006">
               <mc:Choice xmlns:v="urn:schemas-microsoft-com:vml" Requires="v">
-                <p:oleObj spid="_x0000_s15415" name="Chart" r:id="rId3" imgW="8229546" imgH="4526388" progId="MSGraph.Chart.8">
+                <p:oleObj spid="_x0000_s15416" name="Chart" r:id="rId3" imgW="8229546" imgH="4526388" progId="MSGraph.Chart.8">
                   <p:embed followColorScheme="full"/>
                 </p:oleObj>
               </mc:Choice>
@@ -26735,6 +26698,192 @@
       </p:grpSpPr>
       <p:sp>
         <p:nvSpPr>
+          <p:cNvPr id="70658" name="Rectangle 2"/>
+          <p:cNvSpPr>
+            <a:spLocks noGrp="1" noChangeArrowheads="1"/>
+          </p:cNvSpPr>
+          <p:nvPr>
+            <p:ph type="title"/>
+          </p:nvPr>
+        </p:nvSpPr>
+        <p:spPr/>
+        <p:txBody>
+          <a:bodyPr/>
+          <a:lstStyle/>
+          <a:p>
+            <a:pPr algn="l" eaLnBrk="1" hangingPunct="1"/>
+            <a:r>
+              <a:rPr lang="en-US" dirty="0" smtClean="0"/>
+              <a:t>What have we learned?</a:t>
+            </a:r>
+          </a:p>
+        </p:txBody>
+      </p:sp>
+      <p:sp>
+        <p:nvSpPr>
+          <p:cNvPr id="70659" name="Rectangle 3"/>
+          <p:cNvSpPr>
+            <a:spLocks noGrp="1" noChangeArrowheads="1"/>
+          </p:cNvSpPr>
+          <p:nvPr>
+            <p:ph type="body" idx="1"/>
+          </p:nvPr>
+        </p:nvSpPr>
+        <p:spPr>
+          <a:xfrm>
+            <a:off x="457200" y="1570037"/>
+            <a:ext cx="8229600" cy="4525963"/>
+          </a:xfrm>
+        </p:spPr>
+        <p:txBody>
+          <a:bodyPr/>
+          <a:lstStyle/>
+          <a:p>
+            <a:pPr eaLnBrk="1" hangingPunct="1">
+              <a:lnSpc>
+                <a:spcPct val="90000"/>
+              </a:lnSpc>
+              <a:spcBef>
+                <a:spcPct val="50000"/>
+              </a:spcBef>
+            </a:pPr>
+            <a:r>
+              <a:rPr lang="en-US" sz="2400" dirty="0" smtClean="0"/>
+              <a:t>Strong arguments for trade </a:t>
+            </a:r>
+          </a:p>
+          <a:p>
+            <a:pPr lvl="1" eaLnBrk="1" hangingPunct="1">
+              <a:lnSpc>
+                <a:spcPct val="90000"/>
+              </a:lnSpc>
+              <a:spcBef>
+                <a:spcPct val="50000"/>
+              </a:spcBef>
+            </a:pPr>
+            <a:r>
+              <a:rPr lang="en-US" sz="2000" dirty="0" smtClean="0"/>
+              <a:t>And open competitive markets in general </a:t>
+            </a:r>
+          </a:p>
+          <a:p>
+            <a:pPr eaLnBrk="1" hangingPunct="1">
+              <a:lnSpc>
+                <a:spcPct val="90000"/>
+              </a:lnSpc>
+              <a:spcBef>
+                <a:spcPct val="50000"/>
+              </a:spcBef>
+            </a:pPr>
+            <a:r>
+              <a:rPr lang="en-US" sz="2400" dirty="0" smtClean="0"/>
+              <a:t>But political opposition is a fact of life</a:t>
+            </a:r>
+          </a:p>
+          <a:p>
+            <a:pPr eaLnBrk="1" hangingPunct="1">
+              <a:lnSpc>
+                <a:spcPct val="90000"/>
+              </a:lnSpc>
+              <a:spcBef>
+                <a:spcPct val="50000"/>
+              </a:spcBef>
+            </a:pPr>
+            <a:r>
+              <a:rPr lang="en-US" sz="2400" dirty="0" smtClean="0"/>
+              <a:t>Many ways to protect friends and locals </a:t>
+            </a:r>
+          </a:p>
+          <a:p>
+            <a:pPr lvl="1" eaLnBrk="1" hangingPunct="1">
+              <a:lnSpc>
+                <a:spcPct val="90000"/>
+              </a:lnSpc>
+              <a:spcBef>
+                <a:spcPct val="50000"/>
+              </a:spcBef>
+            </a:pPr>
+            <a:r>
+              <a:rPr lang="en-US" sz="2000" dirty="0" smtClean="0"/>
+              <a:t>Tariffs, quotas, dumping, health and safety, …  </a:t>
+            </a:r>
+          </a:p>
+          <a:p>
+            <a:pPr eaLnBrk="1" hangingPunct="1">
+              <a:lnSpc>
+                <a:spcPct val="90000"/>
+              </a:lnSpc>
+              <a:spcBef>
+                <a:spcPct val="50000"/>
+              </a:spcBef>
+            </a:pPr>
+            <a:r>
+              <a:rPr lang="en-US" sz="2400" dirty="0" smtClean="0"/>
+              <a:t>International business remains a challenge  </a:t>
+            </a:r>
+          </a:p>
+        </p:txBody>
+      </p:sp>
+      <p:sp>
+        <p:nvSpPr>
+          <p:cNvPr id="70660" name="Slide Number Placeholder 3"/>
+          <p:cNvSpPr>
+            <a:spLocks noGrp="1"/>
+          </p:cNvSpPr>
+          <p:nvPr>
+            <p:ph type="sldNum" sz="quarter" idx="12"/>
+          </p:nvPr>
+        </p:nvSpPr>
+        <p:spPr>
+          <a:noFill/>
+        </p:spPr>
+        <p:txBody>
+          <a:bodyPr/>
+          <a:lstStyle/>
+          <a:p>
+            <a:fld id="{04783394-9A17-4BB5-B32F-EE70A8A8C375}" type="slidenum">
+              <a:rPr lang="en-US" smtClean="0"/>
+              <a:pPr/>
+              <a:t>90</a:t>
+            </a:fld>
+            <a:endParaRPr lang="en-US" smtClean="0"/>
+          </a:p>
+        </p:txBody>
+      </p:sp>
+    </p:spTree>
+  </p:cSld>
+  <p:clrMapOvr>
+    <a:masterClrMapping/>
+  </p:clrMapOvr>
+  <p:timing>
+    <p:tnLst>
+      <p:par>
+        <p:cTn id="1" dur="indefinite" restart="never" nodeType="tmRoot"/>
+      </p:par>
+    </p:tnLst>
+  </p:timing>
+</p:sld>
+</file>
+
+<file path=ppt/slides/slide91.xml><?xml version="1.0" encoding="utf-8"?>
+<p:sld xmlns:a="http://schemas.openxmlformats.org/drawingml/2006/main" xmlns:r="http://schemas.openxmlformats.org/officeDocument/2006/relationships" xmlns:p="http://schemas.openxmlformats.org/presentationml/2006/main">
+  <p:cSld>
+    <p:spTree>
+      <p:nvGrpSpPr>
+        <p:cNvPr id="1" name=""/>
+        <p:cNvGrpSpPr/>
+        <p:nvPr/>
+      </p:nvGrpSpPr>
+      <p:grpSpPr>
+        <a:xfrm>
+          <a:off x="0" y="0"/>
+          <a:ext cx="0" cy="0"/>
+          <a:chOff x="0" y="0"/>
+          <a:chExt cx="0" cy="0"/>
+        </a:xfrm>
+      </p:grpSpPr>
+      <p:sp>
+        <p:nvSpPr>
           <p:cNvPr id="71682" name="Rectangle 2"/>
           <p:cNvSpPr>
             <a:spLocks noGrp="1" noChangeArrowheads="1"/>
@@ -26824,7 +26973,7 @@
             <a:fld id="{397A2F9C-9031-4FC9-AD4E-9B96A8FFC266}" type="slidenum">
               <a:rPr lang="en-US" smtClean="0"/>
               <a:pPr/>
-              <a:t>90</a:t>
+              <a:t>91</a:t>
             </a:fld>
             <a:endParaRPr lang="en-US" smtClean="0"/>
           </a:p>

--- a/Slides/slides_trade_f14.pptx
+++ b/Slides/slides_trade_f14.pptx
@@ -5578,7 +5578,7 @@
           <a:graphicData uri="http://schemas.openxmlformats.org/presentationml/2006/ole">
             <mc:AlternateContent xmlns:mc="http://schemas.openxmlformats.org/markup-compatibility/2006">
               <mc:Choice xmlns:v="urn:schemas-microsoft-com:vml" Requires="v">
-                <p:oleObj spid="_x0000_s16488" name="Chart" r:id="rId3" imgW="8220042" imgH="4533967" progId="MSGraph.Chart.8">
+                <p:oleObj spid="_x0000_s16491" name="Chart" r:id="rId3" imgW="8220042" imgH="4533967" progId="MSGraph.Chart.8">
                   <p:embed followColorScheme="full"/>
                 </p:oleObj>
               </mc:Choice>
@@ -5806,7 +5806,7 @@
           <a:graphicData uri="http://schemas.openxmlformats.org/presentationml/2006/ole">
             <mc:AlternateContent xmlns:mc="http://schemas.openxmlformats.org/markup-compatibility/2006">
               <mc:Choice xmlns:v="urn:schemas-microsoft-com:vml" Requires="v">
-                <p:oleObj spid="_x0000_s17512" name="Chart" r:id="rId3" imgW="8220042" imgH="4533967" progId="MSGraph.Chart.8">
+                <p:oleObj spid="_x0000_s17515" name="Chart" r:id="rId3" imgW="8220042" imgH="4533967" progId="MSGraph.Chart.8">
                   <p:embed followColorScheme="full"/>
                 </p:oleObj>
               </mc:Choice>
@@ -6572,15 +6572,7 @@
             </a:pPr>
             <a:r>
               <a:rPr lang="en-US" sz="2000" dirty="0" smtClean="0"/>
-              <a:t>If two people or countries </a:t>
-            </a:r>
-            <a:r>
-              <a:rPr lang="en-US" sz="2000" dirty="0" smtClean="0"/>
-              <a:t>voluntarily </a:t>
-            </a:r>
-            <a:r>
-              <a:rPr lang="en-US" sz="2000" dirty="0" smtClean="0"/>
-              <a:t>exchange products, it suggests that both find it in their interest.  It’s “win-win.”  </a:t>
+              <a:t>If two people or countries voluntarily exchange products, it suggests that both find it in their interest.  It’s “win-win.”  </a:t>
             </a:r>
             <a:r>
               <a:rPr lang="en-US" sz="2000" b="1" dirty="0" smtClean="0"/>
@@ -17227,11 +17219,7 @@
             </a:pPr>
             <a:r>
               <a:rPr lang="en-US" sz="2400" dirty="0" smtClean="0"/>
-              <a:t>What’s </a:t>
-            </a:r>
-            <a:r>
-              <a:rPr lang="en-US" sz="2400" dirty="0" smtClean="0"/>
-              <a:t>going on here?   What does it mean?  </a:t>
+              <a:t>What’s going on here?   What does it mean?  </a:t>
             </a:r>
           </a:p>
         </p:txBody>
@@ -17426,11 +17414,7 @@
             </a:pPr>
             <a:r>
               <a:rPr lang="en-US" sz="2400" dirty="0" smtClean="0"/>
-              <a:t>What’s </a:t>
-            </a:r>
-            <a:r>
-              <a:rPr lang="en-US" sz="2400" dirty="0" smtClean="0"/>
-              <a:t>going on here?   What does it mean?  </a:t>
+              <a:t>What’s going on here?   What does it mean?  </a:t>
             </a:r>
           </a:p>
         </p:txBody>
@@ -17543,17 +17527,8 @@
             </a:pPr>
             <a:r>
               <a:rPr lang="en-US" sz="2400" dirty="0" smtClean="0"/>
-              <a:t>What’s </a:t>
-            </a:r>
-            <a:r>
-              <a:rPr lang="en-US" sz="2400" dirty="0" smtClean="0"/>
-              <a:t>coming </a:t>
-            </a:r>
-            <a:r>
-              <a:rPr lang="en-US" sz="2400" dirty="0" smtClean="0"/>
-              <a:t>up? </a:t>
-            </a:r>
-            <a:endParaRPr lang="en-US" sz="2400" dirty="0" smtClean="0"/>
+              <a:t>What’s coming up? </a:t>
+            </a:r>
           </a:p>
           <a:p>
             <a:pPr eaLnBrk="1" hangingPunct="1">
@@ -17608,13 +17583,8 @@
             </a:pPr>
             <a:r>
               <a:rPr lang="en-US" sz="2400" dirty="0" smtClean="0"/>
-              <a:t>Trade </a:t>
-            </a:r>
-            <a:r>
-              <a:rPr lang="en-US" sz="2400" dirty="0" smtClean="0"/>
-              <a:t>restrictions </a:t>
-            </a:r>
-            <a:endParaRPr lang="en-US" sz="2400" dirty="0" smtClean="0"/>
+              <a:t>Trade restrictions </a:t>
+            </a:r>
           </a:p>
         </p:txBody>
       </p:sp>
@@ -17712,7 +17682,7 @@
         <p:spPr>
           <a:xfrm>
             <a:off x="457200" y="1600200"/>
-            <a:ext cx="7848600" cy="4525963"/>
+            <a:ext cx="8001000" cy="4525963"/>
           </a:xfrm>
         </p:spPr>
         <p:txBody>
@@ -17759,15 +17729,29 @@
             </a:pPr>
             <a:r>
               <a:rPr lang="en-US" sz="2400" dirty="0" smtClean="0"/>
-              <a:t>Also one page, both sides, with anything </a:t>
-            </a:r>
+              <a:t>Also one page, both sides, with anything you wish </a:t>
+            </a:r>
+          </a:p>
+          <a:p>
+            <a:pPr eaLnBrk="1" hangingPunct="1">
+              <a:spcBef>
+                <a:spcPts val="1200"/>
+              </a:spcBef>
+            </a:pPr>
             <a:r>
               <a:rPr lang="en-US" sz="2400" dirty="0" smtClean="0"/>
-              <a:t>you </a:t>
-            </a:r>
+              <a:t>Practice exams posted  </a:t>
+            </a:r>
+          </a:p>
+          <a:p>
+            <a:pPr eaLnBrk="1" hangingPunct="1">
+              <a:spcBef>
+                <a:spcPts val="1200"/>
+              </a:spcBef>
+            </a:pPr>
             <a:r>
               <a:rPr lang="en-US" sz="2400" dirty="0" smtClean="0"/>
-              <a:t>wish </a:t>
+              <a:t>Also answers to practice problems  </a:t>
             </a:r>
           </a:p>
           <a:p>
@@ -17778,39 +17762,27 @@
             </a:pPr>
             <a:r>
               <a:rPr lang="en-US" sz="2400" dirty="0" smtClean="0"/>
-              <a:t>Practice exams </a:t>
+              <a:t>Special </a:t>
+            </a:r>
+            <a:r>
+              <a:rPr lang="en-US" sz="2400" smtClean="0"/>
+              <a:t>office </a:t>
+            </a:r>
+            <a:r>
+              <a:rPr lang="en-US" sz="2400" smtClean="0"/>
+              <a:t>hours </a:t>
             </a:r>
             <a:r>
               <a:rPr lang="en-US" sz="2400" dirty="0" smtClean="0"/>
-              <a:t>posted   </a:t>
-            </a:r>
-            <a:endParaRPr lang="en-US" sz="2400" dirty="0" smtClean="0"/>
-          </a:p>
-          <a:p>
-            <a:pPr eaLnBrk="1" hangingPunct="1">
-              <a:spcBef>
-                <a:spcPts val="1200"/>
-              </a:spcBef>
-            </a:pPr>
+              <a:t>Tue &amp; Fri</a:t>
+            </a:r>
             <a:r>
               <a:rPr lang="en-US" sz="2400" dirty="0" smtClean="0"/>
-              <a:t>Also answers to </a:t>
+              <a:t> </a:t>
             </a:r>
             <a:r>
               <a:rPr lang="en-US" sz="2400" dirty="0" smtClean="0"/>
-              <a:t>practice problems  </a:t>
-            </a:r>
-            <a:endParaRPr lang="en-US" sz="2400" dirty="0" smtClean="0"/>
-          </a:p>
-          <a:p>
-            <a:pPr eaLnBrk="1" hangingPunct="1">
-              <a:spcBef>
-                <a:spcPts val="1200"/>
-              </a:spcBef>
-            </a:pPr>
-            <a:r>
-              <a:rPr lang="en-US" sz="2400" dirty="0" smtClean="0"/>
-              <a:t>Special office hours  Fri &amp; Sat (other times by request)</a:t>
+              <a:t>(other times by request)</a:t>
             </a:r>
           </a:p>
         </p:txBody>
@@ -17921,15 +17893,7 @@
             </a:pPr>
             <a:r>
               <a:rPr lang="en-US" sz="2400" dirty="0" smtClean="0"/>
-              <a:t>Answers </a:t>
-            </a:r>
-            <a:r>
-              <a:rPr lang="en-US" sz="2400" dirty="0" smtClean="0"/>
-              <a:t>will </a:t>
-            </a:r>
-            <a:r>
-              <a:rPr lang="en-US" sz="2400" dirty="0" smtClean="0"/>
-              <a:t>be posted Saturday</a:t>
+              <a:t>Answers will be posted Saturday</a:t>
             </a:r>
           </a:p>
         </p:txBody>
@@ -18176,15 +18140,7 @@
             </a:pPr>
             <a:r>
               <a:rPr lang="en-US" sz="2400" dirty="0" smtClean="0"/>
-              <a:t>Question 3:  Would you locate a plant in Brazil, the Czech Republic, or </a:t>
-            </a:r>
-            <a:r>
-              <a:rPr lang="en-US" sz="2400" dirty="0" smtClean="0"/>
-              <a:t>Taiwan?  </a:t>
-            </a:r>
-            <a:r>
-              <a:rPr lang="en-US" sz="2400" dirty="0" smtClean="0"/>
-              <a:t>Why?  </a:t>
+              <a:t>Question 3:  Would you locate a plant in Brazil, the Czech Republic, or Taiwan?  Why?  </a:t>
             </a:r>
           </a:p>
         </p:txBody>
@@ -19969,13 +19925,8 @@
             <a:pPr lvl="1" eaLnBrk="1" hangingPunct="1"/>
             <a:r>
               <a:rPr lang="en-US" sz="2000" dirty="0" smtClean="0"/>
-              <a:t>My deficit is someone else’s </a:t>
-            </a:r>
-            <a:r>
-              <a:rPr lang="en-US" sz="2000" dirty="0" smtClean="0"/>
-              <a:t>surplus </a:t>
-            </a:r>
-            <a:endParaRPr lang="en-US" sz="2000" dirty="0" smtClean="0"/>
+              <a:t>My deficit is someone else’s surplus </a:t>
+            </a:r>
           </a:p>
           <a:p>
             <a:pPr lvl="1" eaLnBrk="1" hangingPunct="1"/>
@@ -20453,16 +20404,7 @@
                 </a:solidFill>
                 <a:latin typeface="+mj-lt"/>
               </a:rPr>
-              <a:t>The shipment of American jobs to cheap foreign labor markets threatens not only millions of workers and their families, but also the American way of life.  Corporate America isn’t doing all this alone:  Big business and Washington are in cahoots, trading our nation’s livelihood for short-term gain</a:t>
-            </a:r>
-            <a:r>
-              <a:rPr lang="en-US" sz="2000" dirty="0" smtClean="0">
-                <a:solidFill>
-                  <a:srgbClr val="000000"/>
-                </a:solidFill>
-                <a:latin typeface="+mj-lt"/>
-              </a:rPr>
-              <a:t>.</a:t>
+              <a:t>The shipment of American jobs to cheap foreign labor markets threatens not only millions of workers and their families, but also the American way of life.  Corporate America isn’t doing all this alone:  Big business and Washington are in cahoots, trading our nation’s livelihood for short-term gain.</a:t>
             </a:r>
           </a:p>
           <a:p>
@@ -20481,23 +20423,8 @@
                 </a:solidFill>
                 <a:latin typeface="+mj-lt"/>
               </a:rPr>
-              <a:t>Do you agree?  Disagree?  </a:t>
-            </a:r>
-            <a:r>
-              <a:rPr lang="en-US" sz="2400" dirty="0" smtClean="0">
-                <a:solidFill>
-                  <a:srgbClr val="000000"/>
-                </a:solidFill>
-                <a:latin typeface="+mj-lt"/>
-              </a:rPr>
-              <a:t>   </a:t>
-            </a:r>
-            <a:endParaRPr lang="en-US" sz="2400" dirty="0" smtClean="0">
-              <a:solidFill>
-                <a:srgbClr val="000000"/>
-              </a:solidFill>
-              <a:latin typeface="+mj-lt"/>
-            </a:endParaRPr>
+              <a:t>Do you agree?  Disagree?     </a:t>
+            </a:r>
           </a:p>
         </p:txBody>
       </p:sp>
@@ -20621,7 +20548,6 @@
               <a:rPr lang="en-US" sz="2000" dirty="0" smtClean="0"/>
               <a:t>America’s policies do little or nothing to safeguard the rights of workers and the environment here and around the world.  They fuel a race to the bottom in living standards.  That needs to change.  We need policies that support good jobs at home and sustainable development abroad.  We need to blatant abuses by countries that stack the decks against US workers. </a:t>
             </a:r>
-            <a:endParaRPr lang="en-US" sz="2000" dirty="0" smtClean="0"/>
           </a:p>
           <a:p>
             <a:pPr>
@@ -20653,12 +20579,6 @@
               </a:rPr>
               <a:t> </a:t>
             </a:r>
-            <a:endParaRPr lang="en-US" sz="2400" dirty="0" smtClean="0">
-              <a:solidFill>
-                <a:srgbClr val="000000"/>
-              </a:solidFill>
-              <a:latin typeface="Times New Roman"/>
-            </a:endParaRPr>
           </a:p>
         </p:txBody>
       </p:sp>
@@ -20940,11 +20860,7 @@
             </a:pPr>
             <a:r>
               <a:rPr lang="en-US" sz="2400" dirty="0" smtClean="0"/>
-              <a:t>Pew </a:t>
-            </a:r>
-            <a:r>
-              <a:rPr lang="en-US" sz="2400" dirty="0" smtClean="0"/>
-              <a:t>Research Center via Marginal Revolution </a:t>
+              <a:t>Pew Research Center via Marginal Revolution </a:t>
             </a:r>
           </a:p>
           <a:p>
@@ -20999,12 +20915,6 @@
               </a:rPr>
               <a:t>What you’d expect?  Why or why not?  </a:t>
             </a:r>
-            <a:endParaRPr lang="en-US" sz="2400" dirty="0" smtClean="0">
-              <a:solidFill>
-                <a:srgbClr val="000000"/>
-              </a:solidFill>
-              <a:latin typeface="Times New Roman"/>
-            </a:endParaRPr>
           </a:p>
         </p:txBody>
       </p:sp>
@@ -22147,13 +22057,8 @@
             </a:pPr>
             <a:r>
               <a:rPr lang="en-US" sz="2400" dirty="0" smtClean="0"/>
-              <a:t>Someone did </a:t>
-            </a:r>
-            <a:r>
-              <a:rPr lang="en-US" sz="2400" dirty="0" smtClean="0"/>
-              <a:t>this (search: “outsource your own job”) </a:t>
-            </a:r>
-            <a:endParaRPr lang="en-US" sz="2400" dirty="0" smtClean="0"/>
+              <a:t>Someone did this (search: “outsource your own job”) </a:t>
+            </a:r>
           </a:p>
         </p:txBody>
       </p:sp>
@@ -22340,7 +22245,7 @@
           <a:graphicData uri="http://schemas.openxmlformats.org/presentationml/2006/ole">
             <mc:AlternateContent xmlns:mc="http://schemas.openxmlformats.org/markup-compatibility/2006">
               <mc:Choice xmlns:v="urn:schemas-microsoft-com:vml" Requires="v">
-                <p:oleObj spid="_x0000_s47208" r:id="rId3" imgW="8230313" imgH="4828450" progId="Excel.Sheet.8">
+                <p:oleObj spid="_x0000_s47211" r:id="rId3" imgW="8230313" imgH="4828450" progId="Excel.Sheet.8">
                   <p:embed/>
                 </p:oleObj>
               </mc:Choice>
@@ -22641,7 +22546,7 @@
           <a:graphicData uri="http://schemas.openxmlformats.org/presentationml/2006/ole">
             <mc:AlternateContent xmlns:mc="http://schemas.openxmlformats.org/markup-compatibility/2006">
               <mc:Choice xmlns:v="urn:schemas-microsoft-com:vml" Requires="v">
-                <p:oleObj spid="_x0000_s48232" r:id="rId3" imgW="8230313" imgH="4828450" progId="Excel.Sheet.8">
+                <p:oleObj spid="_x0000_s48235" r:id="rId3" imgW="8230313" imgH="4828450" progId="Excel.Sheet.8">
                   <p:embed/>
                 </p:oleObj>
               </mc:Choice>
@@ -22912,7 +22817,7 @@
           <a:graphicData uri="http://schemas.openxmlformats.org/presentationml/2006/ole">
             <mc:AlternateContent xmlns:mc="http://schemas.openxmlformats.org/markup-compatibility/2006">
               <mc:Choice xmlns:v="urn:schemas-microsoft-com:vml" Requires="v">
-                <p:oleObj spid="_x0000_s49256" name="Chart" r:id="rId3" imgW="8229499" imgH="4524257" progId="MSGraph.Chart.8">
+                <p:oleObj spid="_x0000_s49259" name="Chart" r:id="rId3" imgW="8229499" imgH="4524257" progId="MSGraph.Chart.8">
                   <p:embed followColorScheme="full"/>
                 </p:oleObj>
               </mc:Choice>
@@ -23700,7 +23605,6 @@
               <a:rPr lang="en-US" sz="2000" dirty="0" smtClean="0"/>
               <a:t>Taxpayers:  they pay for price supports </a:t>
             </a:r>
-            <a:endParaRPr lang="en-US" sz="2000" dirty="0" smtClean="0"/>
           </a:p>
           <a:p>
             <a:pPr eaLnBrk="1" hangingPunct="1">
@@ -24583,13 +24487,8 @@
             </a:pPr>
             <a:r>
               <a:rPr lang="en-US" sz="2400" dirty="0" smtClean="0"/>
-              <a:t>China bans US GMO </a:t>
-            </a:r>
-            <a:r>
-              <a:rPr lang="en-US" sz="2400" dirty="0" smtClean="0"/>
-              <a:t>corn (they were mad at us) </a:t>
-            </a:r>
-            <a:endParaRPr lang="en-US" sz="2400" dirty="0" smtClean="0"/>
+              <a:t>China bans US GMO corn (they were mad at us) </a:t>
+            </a:r>
           </a:p>
         </p:txBody>
       </p:sp>
@@ -24896,7 +24795,7 @@
           <a:graphicData uri="http://schemas.openxmlformats.org/presentationml/2006/ole">
             <mc:AlternateContent xmlns:mc="http://schemas.openxmlformats.org/markup-compatibility/2006">
               <mc:Choice xmlns:v="urn:schemas-microsoft-com:vml" Requires="v">
-                <p:oleObj spid="_x0000_s14440" r:id="rId3" imgW="8230313" imgH="4828450" progId="Excel.Sheet.8">
+                <p:oleObj spid="_x0000_s14443" r:id="rId3" imgW="8230313" imgH="4828450" progId="Excel.Sheet.8">
                   <p:embed/>
                 </p:oleObj>
               </mc:Choice>
@@ -25316,13 +25215,8 @@
             </a:pPr>
             <a:r>
               <a:rPr lang="en-US" sz="2000" dirty="0" smtClean="0"/>
-              <a:t>US collected no revenue </a:t>
-            </a:r>
-            <a:r>
-              <a:rPr lang="en-US" sz="2000" dirty="0" smtClean="0"/>
-              <a:t>(where did it go?) </a:t>
-            </a:r>
-            <a:endParaRPr lang="en-US" sz="2000" dirty="0" smtClean="0"/>
+              <a:t>US collected no revenue (where did it go?) </a:t>
+            </a:r>
           </a:p>
           <a:p>
             <a:pPr eaLnBrk="1" hangingPunct="1">
@@ -26981,7 +26875,7 @@
           <a:graphicData uri="http://schemas.openxmlformats.org/presentationml/2006/ole">
             <mc:AlternateContent xmlns:mc="http://schemas.openxmlformats.org/markup-compatibility/2006">
               <mc:Choice xmlns:v="urn:schemas-microsoft-com:vml" Requires="v">
-                <p:oleObj spid="_x0000_s15464" name="Chart" r:id="rId3" imgW="8229546" imgH="4526388" progId="MSGraph.Chart.8">
+                <p:oleObj spid="_x0000_s15467" name="Chart" r:id="rId3" imgW="8229546" imgH="4526388" progId="MSGraph.Chart.8">
                   <p:embed followColorScheme="full"/>
                 </p:oleObj>
               </mc:Choice>
@@ -27399,7 +27293,6 @@
               <a:rPr lang="en-US" i="1" dirty="0" smtClean="0"/>
               <a:t>Extra slides </a:t>
             </a:r>
-            <a:endParaRPr lang="en-US" i="1" dirty="0" smtClean="0"/>
           </a:p>
         </p:txBody>
       </p:sp>

--- a/Slides/slides_trade_f14.pptx
+++ b/Slides/slides_trade_f14.pptx
@@ -235,7 +235,7 @@
   </p:defaultTextStyle>
   <p:extLst>
     <p:ext uri="{EFAFB233-063F-42B5-8137-9DF3F51BA10A}">
-      <p15:sldGuideLst xmlns:p15="http://schemas.microsoft.com/office/powerpoint/2012/main">
+      <p15:sldGuideLst xmlns:p15="http://schemas.microsoft.com/office/powerpoint/2012/main" xmlns="">
         <p15:guide id="1" orient="horz" pos="2160">
           <p15:clr>
             <a:srgbClr val="A4A3A4"/>
@@ -1163,75 +1163,76 @@
       </p:grpSpPr>
       <p:sp>
         <p:nvSpPr>
-          <p:cNvPr id="73730" name="Rectangle 7"/>
-          <p:cNvSpPr>
-            <a:spLocks noGrp="1" noChangeArrowheads="1"/>
-          </p:cNvSpPr>
-          <p:nvPr>
-            <p:ph type="sldNum" sz="quarter" idx="5"/>
-          </p:nvPr>
-        </p:nvSpPr>
-        <p:spPr>
-          <a:noFill/>
-        </p:spPr>
-        <p:txBody>
-          <a:bodyPr/>
-          <a:lstStyle/>
-          <a:p>
-            <a:pPr defTabSz="988939"/>
-            <a:fld id="{94563BD0-5864-49B7-84B7-53C12A821313}" type="slidenum">
+          <p:cNvPr id="2" name="Slide Image Placeholder 1"/>
+          <p:cNvSpPr>
+            <a:spLocks noGrp="1" noRot="1" noChangeAspect="1"/>
+          </p:cNvSpPr>
+          <p:nvPr>
+            <p:ph type="sldImg"/>
+          </p:nvPr>
+        </p:nvSpPr>
+        <p:spPr/>
+      </p:sp>
+      <p:sp>
+        <p:nvSpPr>
+          <p:cNvPr id="3" name="Notes Placeholder 2"/>
+          <p:cNvSpPr>
+            <a:spLocks noGrp="1"/>
+          </p:cNvSpPr>
+          <p:nvPr>
+            <p:ph type="body" idx="1"/>
+          </p:nvPr>
+        </p:nvSpPr>
+        <p:spPr/>
+        <p:txBody>
+          <a:bodyPr/>
+          <a:lstStyle/>
+          <a:p>
+            <a:r>
+              <a:rPr lang="en-US" dirty="0" smtClean="0"/>
+              <a:t>Property rights includes </a:t>
+            </a:r>
+            <a:r>
               <a:rPr lang="en-US" smtClean="0"/>
-              <a:pPr defTabSz="988939"/>
-              <a:t>40</a:t>
+              <a:t>(??) externalities? </a:t>
+            </a:r>
+            <a:endParaRPr lang="en-US"/>
+          </a:p>
+        </p:txBody>
+      </p:sp>
+      <p:sp>
+        <p:nvSpPr>
+          <p:cNvPr id="4" name="Slide Number Placeholder 3"/>
+          <p:cNvSpPr>
+            <a:spLocks noGrp="1"/>
+          </p:cNvSpPr>
+          <p:nvPr>
+            <p:ph type="sldNum" sz="quarter" idx="10"/>
+          </p:nvPr>
+        </p:nvSpPr>
+        <p:spPr/>
+        <p:txBody>
+          <a:bodyPr/>
+          <a:lstStyle/>
+          <a:p>
+            <a:pPr>
+              <a:defRPr/>
+            </a:pPr>
+            <a:fld id="{B0384826-C387-481E-B59F-01706DB12BEA}" type="slidenum">
+              <a:rPr lang="en-US" smtClean="0"/>
+              <a:pPr>
+                <a:defRPr/>
+              </a:pPr>
+              <a:t>16</a:t>
             </a:fld>
-            <a:endParaRPr lang="en-US" dirty="0" smtClean="0"/>
-          </a:p>
-        </p:txBody>
-      </p:sp>
-      <p:sp>
-        <p:nvSpPr>
-          <p:cNvPr id="73731" name="Rectangle 2"/>
-          <p:cNvSpPr>
-            <a:spLocks noGrp="1" noRot="1" noChangeAspect="1" noChangeArrowheads="1" noTextEdit="1"/>
-          </p:cNvSpPr>
-          <p:nvPr>
-            <p:ph type="sldImg"/>
-          </p:nvPr>
-        </p:nvSpPr>
-        <p:spPr>
-          <a:ln/>
-        </p:spPr>
-      </p:sp>
-      <p:sp>
-        <p:nvSpPr>
-          <p:cNvPr id="73732" name="Rectangle 3"/>
-          <p:cNvSpPr>
-            <a:spLocks noGrp="1" noChangeArrowheads="1"/>
-          </p:cNvSpPr>
-          <p:nvPr>
-            <p:ph type="body" idx="1"/>
-          </p:nvPr>
-        </p:nvSpPr>
-        <p:spPr>
-          <a:noFill/>
-          <a:ln/>
-        </p:spPr>
-        <p:txBody>
-          <a:bodyPr/>
-          <a:lstStyle/>
-          <a:p>
-            <a:pPr eaLnBrk="1" hangingPunct="1"/>
-            <a:endParaRPr lang="en-US" smtClean="0">
-              <a:latin typeface="Arial" charset="0"/>
-              <a:cs typeface="Arial" charset="0"/>
-            </a:endParaRPr>
+            <a:endParaRPr lang="en-US"/>
           </a:p>
         </p:txBody>
       </p:sp>
     </p:spTree>
     <p:extLst>
       <p:ext uri="{BB962C8B-B14F-4D97-AF65-F5344CB8AC3E}">
-        <p14:creationId xmlns:p14="http://schemas.microsoft.com/office/powerpoint/2010/main" val="729792478"/>
+        <p14:creationId xmlns:p14="http://schemas.microsoft.com/office/powerpoint/2010/main" val="1057589788"/>
       </p:ext>
     </p:extLst>
   </p:cSld>
@@ -1260,72 +1261,75 @@
       </p:grpSpPr>
       <p:sp>
         <p:nvSpPr>
-          <p:cNvPr id="2" name="Slide Image Placeholder 1"/>
-          <p:cNvSpPr>
-            <a:spLocks noGrp="1" noRot="1" noChangeAspect="1"/>
+          <p:cNvPr id="73730" name="Rectangle 7"/>
+          <p:cNvSpPr>
+            <a:spLocks noGrp="1" noChangeArrowheads="1"/>
+          </p:cNvSpPr>
+          <p:nvPr>
+            <p:ph type="sldNum" sz="quarter" idx="5"/>
+          </p:nvPr>
+        </p:nvSpPr>
+        <p:spPr>
+          <a:noFill/>
+        </p:spPr>
+        <p:txBody>
+          <a:bodyPr/>
+          <a:lstStyle/>
+          <a:p>
+            <a:pPr defTabSz="988939"/>
+            <a:fld id="{94563BD0-5864-49B7-84B7-53C12A821313}" type="slidenum">
+              <a:rPr lang="en-US" smtClean="0"/>
+              <a:pPr defTabSz="988939"/>
+              <a:t>40</a:t>
+            </a:fld>
+            <a:endParaRPr lang="en-US" dirty="0" smtClean="0"/>
+          </a:p>
+        </p:txBody>
+      </p:sp>
+      <p:sp>
+        <p:nvSpPr>
+          <p:cNvPr id="73731" name="Rectangle 2"/>
+          <p:cNvSpPr>
+            <a:spLocks noGrp="1" noRot="1" noChangeAspect="1" noChangeArrowheads="1" noTextEdit="1"/>
           </p:cNvSpPr>
           <p:nvPr>
             <p:ph type="sldImg"/>
           </p:nvPr>
         </p:nvSpPr>
-        <p:spPr/>
-      </p:sp>
-      <p:sp>
-        <p:nvSpPr>
-          <p:cNvPr id="3" name="Notes Placeholder 2"/>
-          <p:cNvSpPr>
-            <a:spLocks noGrp="1"/>
+        <p:spPr>
+          <a:ln/>
+        </p:spPr>
+      </p:sp>
+      <p:sp>
+        <p:nvSpPr>
+          <p:cNvPr id="73732" name="Rectangle 3"/>
+          <p:cNvSpPr>
+            <a:spLocks noGrp="1" noChangeArrowheads="1"/>
           </p:cNvSpPr>
           <p:nvPr>
             <p:ph type="body" idx="1"/>
           </p:nvPr>
         </p:nvSpPr>
-        <p:spPr/>
-        <p:txBody>
-          <a:bodyPr/>
-          <a:lstStyle/>
-          <a:p>
-            <a:r>
-              <a:rPr lang="en-US" dirty="0" smtClean="0"/>
-              <a:t>http://www.nytimes.com/2014/08/24/world/europe/a-driving-school-in-france-hits-a-wall-of-regulations.html</a:t>
-            </a:r>
-            <a:endParaRPr lang="en-US" dirty="0"/>
-          </a:p>
-        </p:txBody>
-      </p:sp>
-      <p:sp>
-        <p:nvSpPr>
-          <p:cNvPr id="4" name="Slide Number Placeholder 3"/>
-          <p:cNvSpPr>
-            <a:spLocks noGrp="1"/>
-          </p:cNvSpPr>
-          <p:nvPr>
-            <p:ph type="sldNum" sz="quarter" idx="10"/>
-          </p:nvPr>
-        </p:nvSpPr>
-        <p:spPr/>
-        <p:txBody>
-          <a:bodyPr/>
-          <a:lstStyle/>
-          <a:p>
-            <a:pPr>
-              <a:defRPr/>
-            </a:pPr>
-            <a:fld id="{B0384826-C387-481E-B59F-01706DB12BEA}" type="slidenum">
-              <a:rPr lang="en-US" smtClean="0"/>
-              <a:pPr>
-                <a:defRPr/>
-              </a:pPr>
-              <a:t>41</a:t>
-            </a:fld>
-            <a:endParaRPr lang="en-US"/>
+        <p:spPr>
+          <a:noFill/>
+          <a:ln/>
+        </p:spPr>
+        <p:txBody>
+          <a:bodyPr/>
+          <a:lstStyle/>
+          <a:p>
+            <a:pPr eaLnBrk="1" hangingPunct="1"/>
+            <a:endParaRPr lang="en-US" smtClean="0">
+              <a:latin typeface="Arial" charset="0"/>
+              <a:cs typeface="Arial" charset="0"/>
+            </a:endParaRPr>
           </a:p>
         </p:txBody>
       </p:sp>
     </p:spTree>
     <p:extLst>
       <p:ext uri="{BB962C8B-B14F-4D97-AF65-F5344CB8AC3E}">
-        <p14:creationId xmlns:p14="http://schemas.microsoft.com/office/powerpoint/2010/main" val="3496175269"/>
+        <p14:creationId xmlns:p14="http://schemas.microsoft.com/office/powerpoint/2010/main" val="729792478"/>
       </p:ext>
     </p:extLst>
   </p:cSld>
@@ -1379,38 +1383,10 @@
           <a:bodyPr/>
           <a:lstStyle/>
           <a:p>
-            <a:pPr marL="0" marR="0" lvl="1" indent="0" algn="l" defTabSz="914400" rtl="0" eaLnBrk="0" fontAlgn="base" latinLnBrk="0" hangingPunct="0">
-              <a:lnSpc>
-                <a:spcPct val="100000"/>
-              </a:lnSpc>
-              <a:spcBef>
-                <a:spcPct val="30000"/>
-              </a:spcBef>
-              <a:spcAft>
-                <a:spcPct val="0"/>
-              </a:spcAft>
-              <a:buClrTx/>
-              <a:buSzTx/>
-              <a:buFontTx/>
-              <a:buNone/>
-              <a:tabLst/>
-              <a:defRPr/>
-            </a:pPr>
-            <a:r>
-              <a:rPr lang="en-US" sz="2000" dirty="0" smtClean="0"/>
-              <a:t>http://marginalrevolution.com/marginalrevolution/2014/09/why-dont-we-have-more-free-trade.html  </a:t>
-            </a:r>
-            <a:r>
-              <a:rPr lang="en-US" sz="2000" dirty="0" smtClean="0">
-                <a:solidFill>
-                  <a:srgbClr val="000000"/>
-                </a:solidFill>
-                <a:latin typeface="Times New Roman"/>
-              </a:rPr>
-              <a:t> </a:t>
-            </a:r>
-          </a:p>
-          <a:p>
+            <a:r>
+              <a:rPr lang="en-US" dirty="0" smtClean="0"/>
+              <a:t>http://www.nytimes.com/2014/08/24/world/europe/a-driving-school-in-france-hits-a-wall-of-regulations.html</a:t>
+            </a:r>
             <a:endParaRPr lang="en-US" dirty="0"/>
           </a:p>
         </p:txBody>
@@ -1438,7 +1414,7 @@
               <a:pPr>
                 <a:defRPr/>
               </a:pPr>
-              <a:t>58</a:t>
+              <a:t>41</a:t>
             </a:fld>
             <a:endParaRPr lang="en-US"/>
           </a:p>
@@ -1447,7 +1423,7 @@
     </p:spTree>
     <p:extLst>
       <p:ext uri="{BB962C8B-B14F-4D97-AF65-F5344CB8AC3E}">
-        <p14:creationId xmlns:p14="http://schemas.microsoft.com/office/powerpoint/2010/main" val="1493601336"/>
+        <p14:creationId xmlns:p14="http://schemas.microsoft.com/office/powerpoint/2010/main" val="3496175269"/>
       </p:ext>
     </p:extLst>
   </p:cSld>
@@ -1501,16 +1477,38 @@
           <a:bodyPr/>
           <a:lstStyle/>
           <a:p>
-            <a:r>
-              <a:rPr lang="en-US" sz="1200" dirty="0" smtClean="0"/>
+            <a:pPr marL="0" marR="0" lvl="1" indent="0" algn="l" defTabSz="914400" rtl="0" eaLnBrk="0" fontAlgn="base" latinLnBrk="0" hangingPunct="0">
+              <a:lnSpc>
+                <a:spcPct val="100000"/>
+              </a:lnSpc>
+              <a:spcBef>
+                <a:spcPct val="30000"/>
+              </a:spcBef>
+              <a:spcAft>
+                <a:spcPct val="0"/>
+              </a:spcAft>
+              <a:buClrTx/>
+              <a:buSzTx/>
+              <a:buFontTx/>
+              <a:buNone/>
+              <a:tabLst/>
+              <a:defRPr/>
+            </a:pPr>
+            <a:r>
+              <a:rPr lang="en-US" sz="2000" dirty="0" smtClean="0"/>
+              <a:t>http://marginalrevolution.com/marginalrevolution/2014/09/why-dont-we-have-more-free-trade.html  </a:t>
+            </a:r>
+            <a:r>
+              <a:rPr lang="en-US" sz="2000" dirty="0" smtClean="0">
+                <a:solidFill>
+                  <a:srgbClr val="000000"/>
+                </a:solidFill>
+                <a:latin typeface="Times New Roman"/>
+              </a:rPr>
               <a:t> </a:t>
             </a:r>
-            <a:r>
-              <a:rPr lang="en-US" sz="1200" dirty="0" smtClean="0">
-                <a:hlinkClick r:id="rId3"/>
-              </a:rPr>
-              <a:t>http://www.theglobeandmail.com/technology/how-a-model-employee-got-away-with-outsourcing-his-software-job-to-china/article7409256</a:t>
-            </a:r>
+          </a:p>
+          <a:p>
             <a:endParaRPr lang="en-US" dirty="0"/>
           </a:p>
         </p:txBody>
@@ -1538,7 +1536,7 @@
               <a:pPr>
                 <a:defRPr/>
               </a:pPr>
-              <a:t>64</a:t>
+              <a:t>58</a:t>
             </a:fld>
             <a:endParaRPr lang="en-US"/>
           </a:p>
@@ -1547,7 +1545,7 @@
     </p:spTree>
     <p:extLst>
       <p:ext uri="{BB962C8B-B14F-4D97-AF65-F5344CB8AC3E}">
-        <p14:creationId xmlns:p14="http://schemas.microsoft.com/office/powerpoint/2010/main" val="1854668214"/>
+        <p14:creationId xmlns:p14="http://schemas.microsoft.com/office/powerpoint/2010/main" val="1493601336"/>
       </p:ext>
     </p:extLst>
   </p:cSld>
@@ -1601,6 +1599,106 @@
           <a:bodyPr/>
           <a:lstStyle/>
           <a:p>
+            <a:r>
+              <a:rPr lang="en-US" sz="1200" dirty="0" smtClean="0"/>
+              <a:t> </a:t>
+            </a:r>
+            <a:r>
+              <a:rPr lang="en-US" sz="1200" dirty="0" smtClean="0">
+                <a:hlinkClick r:id="rId3"/>
+              </a:rPr>
+              <a:t>http://www.theglobeandmail.com/technology/how-a-model-employee-got-away-with-outsourcing-his-software-job-to-china/article7409256</a:t>
+            </a:r>
+            <a:endParaRPr lang="en-US" dirty="0"/>
+          </a:p>
+        </p:txBody>
+      </p:sp>
+      <p:sp>
+        <p:nvSpPr>
+          <p:cNvPr id="4" name="Slide Number Placeholder 3"/>
+          <p:cNvSpPr>
+            <a:spLocks noGrp="1"/>
+          </p:cNvSpPr>
+          <p:nvPr>
+            <p:ph type="sldNum" sz="quarter" idx="10"/>
+          </p:nvPr>
+        </p:nvSpPr>
+        <p:spPr/>
+        <p:txBody>
+          <a:bodyPr/>
+          <a:lstStyle/>
+          <a:p>
+            <a:pPr>
+              <a:defRPr/>
+            </a:pPr>
+            <a:fld id="{B0384826-C387-481E-B59F-01706DB12BEA}" type="slidenum">
+              <a:rPr lang="en-US" smtClean="0"/>
+              <a:pPr>
+                <a:defRPr/>
+              </a:pPr>
+              <a:t>64</a:t>
+            </a:fld>
+            <a:endParaRPr lang="en-US"/>
+          </a:p>
+        </p:txBody>
+      </p:sp>
+    </p:spTree>
+    <p:extLst>
+      <p:ext uri="{BB962C8B-B14F-4D97-AF65-F5344CB8AC3E}">
+        <p14:creationId xmlns:p14="http://schemas.microsoft.com/office/powerpoint/2010/main" val="1854668214"/>
+      </p:ext>
+    </p:extLst>
+  </p:cSld>
+  <p:clrMapOvr>
+    <a:masterClrMapping/>
+  </p:clrMapOvr>
+</p:notes>
+</file>
+
+<file path=ppt/notesSlides/notesSlide8.xml><?xml version="1.0" encoding="utf-8"?>
+<p:notes xmlns:a="http://schemas.openxmlformats.org/drawingml/2006/main" xmlns:r="http://schemas.openxmlformats.org/officeDocument/2006/relationships" xmlns:p="http://schemas.openxmlformats.org/presentationml/2006/main">
+  <p:cSld>
+    <p:spTree>
+      <p:nvGrpSpPr>
+        <p:cNvPr id="1" name=""/>
+        <p:cNvGrpSpPr/>
+        <p:nvPr/>
+      </p:nvGrpSpPr>
+      <p:grpSpPr>
+        <a:xfrm>
+          <a:off x="0" y="0"/>
+          <a:ext cx="0" cy="0"/>
+          <a:chOff x="0" y="0"/>
+          <a:chExt cx="0" cy="0"/>
+        </a:xfrm>
+      </p:grpSpPr>
+      <p:sp>
+        <p:nvSpPr>
+          <p:cNvPr id="2" name="Slide Image Placeholder 1"/>
+          <p:cNvSpPr>
+            <a:spLocks noGrp="1" noRot="1" noChangeAspect="1"/>
+          </p:cNvSpPr>
+          <p:nvPr>
+            <p:ph type="sldImg"/>
+          </p:nvPr>
+        </p:nvSpPr>
+        <p:spPr/>
+      </p:sp>
+      <p:sp>
+        <p:nvSpPr>
+          <p:cNvPr id="3" name="Notes Placeholder 2"/>
+          <p:cNvSpPr>
+            <a:spLocks noGrp="1"/>
+          </p:cNvSpPr>
+          <p:nvPr>
+            <p:ph type="body" idx="1"/>
+          </p:nvPr>
+        </p:nvSpPr>
+        <p:spPr/>
+        <p:txBody>
+          <a:bodyPr/>
+          <a:lstStyle/>
+          <a:p>
             <a:pPr marL="0" marR="0" indent="0" algn="l" defTabSz="914400" rtl="0" eaLnBrk="0" fontAlgn="base" latinLnBrk="0" hangingPunct="0">
               <a:lnSpc>
                 <a:spcPct val="100000"/>
@@ -1676,7 +1774,7 @@
 </p:notes>
 </file>
 
-<file path=ppt/notesSlides/notesSlide8.xml><?xml version="1.0" encoding="utf-8"?>
+<file path=ppt/notesSlides/notesSlide9.xml><?xml version="1.0" encoding="utf-8"?>
 <p:notes xmlns:a="http://schemas.openxmlformats.org/drawingml/2006/main" xmlns:r="http://schemas.openxmlformats.org/officeDocument/2006/relationships" xmlns:p="http://schemas.openxmlformats.org/presentationml/2006/main">
   <p:cSld>
     <p:spTree>
@@ -5579,7 +5677,7 @@
           <a:graphicData uri="http://schemas.openxmlformats.org/presentationml/2006/ole">
             <mc:AlternateContent xmlns:mc="http://schemas.openxmlformats.org/markup-compatibility/2006">
               <mc:Choice xmlns:v="urn:schemas-microsoft-com:vml" Requires="v">
-                <p:oleObj spid="_x0000_s16517" name="Chart" r:id="rId3" imgW="8220042" imgH="4533967" progId="MSGraph.Chart.8">
+                <p:oleObj spid="_x0000_s16520" name="Chart" r:id="rId3" imgW="8220042" imgH="4533967" progId="MSGraph.Chart.8">
                   <p:embed followColorScheme="full"/>
                 </p:oleObj>
               </mc:Choice>
@@ -5807,7 +5905,7 @@
           <a:graphicData uri="http://schemas.openxmlformats.org/presentationml/2006/ole">
             <mc:AlternateContent xmlns:mc="http://schemas.openxmlformats.org/markup-compatibility/2006">
               <mc:Choice xmlns:v="urn:schemas-microsoft-com:vml" Requires="v">
-                <p:oleObj spid="_x0000_s17541" name="Chart" r:id="rId3" imgW="8220042" imgH="4533967" progId="MSGraph.Chart.8">
+                <p:oleObj spid="_x0000_s17544" name="Chart" r:id="rId3" imgW="8220042" imgH="4533967" progId="MSGraph.Chart.8">
                   <p:embed followColorScheme="full"/>
                 </p:oleObj>
               </mc:Choice>
@@ -6880,8 +6978,13 @@
             </a:pPr>
             <a:r>
               <a:rPr lang="en-US" sz="2000" dirty="0" smtClean="0"/>
-              <a:t>Clearly defined property rights, full information </a:t>
-            </a:r>
+              <a:t>Clearly defined property rights, full </a:t>
+            </a:r>
+            <a:r>
+              <a:rPr lang="en-US" sz="2000" dirty="0" smtClean="0"/>
+              <a:t>information</a:t>
+            </a:r>
+            <a:endParaRPr lang="en-US" sz="2000" dirty="0" smtClean="0"/>
           </a:p>
           <a:p>
             <a:pPr eaLnBrk="1" hangingPunct="1">
@@ -10935,7 +11038,6 @@
               <a:rPr lang="en-US" sz="2400" dirty="0" smtClean="0"/>
               <a:t>Mexico</a:t>
             </a:r>
-            <a:endParaRPr lang="en-US" sz="2400" dirty="0" smtClean="0"/>
           </a:p>
           <a:p>
             <a:pPr lvl="1" eaLnBrk="1" hangingPunct="1">
@@ -10947,7 +11049,6 @@
               <a:rPr lang="en-US" sz="2000" dirty="0" smtClean="0"/>
               <a:t>Relative to US:  bananas cheap, apples expensive</a:t>
             </a:r>
-            <a:endParaRPr lang="en-US" sz="2000" dirty="0" smtClean="0"/>
           </a:p>
           <a:p>
             <a:pPr eaLnBrk="1" hangingPunct="1">
@@ -10959,7 +11060,6 @@
               <a:rPr lang="en-US" sz="2400" dirty="0" smtClean="0"/>
               <a:t>United States</a:t>
             </a:r>
-            <a:endParaRPr lang="en-US" sz="2400" dirty="0" smtClean="0"/>
           </a:p>
           <a:p>
             <a:pPr lvl="1" eaLnBrk="1" hangingPunct="1">
@@ -10971,7 +11071,6 @@
               <a:rPr lang="en-US" sz="2000" dirty="0" smtClean="0"/>
               <a:t>Relative to Mexico:  apples cheap, bananas expensive  </a:t>
             </a:r>
-            <a:endParaRPr lang="en-US" sz="2000" dirty="0" smtClean="0"/>
           </a:p>
           <a:p>
             <a:pPr eaLnBrk="1" hangingPunct="1">
@@ -12568,11 +12667,7 @@
             </a:pPr>
             <a:r>
               <a:rPr lang="en-US" sz="2400" dirty="0" smtClean="0"/>
-              <a:t>Everyone wins!  Voila</a:t>
-            </a:r>
-            <a:r>
-              <a:rPr lang="en-US" sz="2400" dirty="0" smtClean="0"/>
-              <a:t>!  </a:t>
+              <a:t>Everyone wins!  Voila!  </a:t>
             </a:r>
           </a:p>
         </p:txBody>
@@ -22065,7 +22160,7 @@
           <a:graphicData uri="http://schemas.openxmlformats.org/presentationml/2006/ole">
             <mc:AlternateContent xmlns:mc="http://schemas.openxmlformats.org/markup-compatibility/2006">
               <mc:Choice xmlns:v="urn:schemas-microsoft-com:vml" Requires="v">
-                <p:oleObj spid="_x0000_s47237" r:id="rId3" imgW="8230313" imgH="4828450" progId="Excel.Sheet.8">
+                <p:oleObj spid="_x0000_s47240" r:id="rId3" imgW="8230313" imgH="4828450" progId="Excel.Sheet.8">
                   <p:embed/>
                 </p:oleObj>
               </mc:Choice>
@@ -22366,7 +22461,7 @@
           <a:graphicData uri="http://schemas.openxmlformats.org/presentationml/2006/ole">
             <mc:AlternateContent xmlns:mc="http://schemas.openxmlformats.org/markup-compatibility/2006">
               <mc:Choice xmlns:v="urn:schemas-microsoft-com:vml" Requires="v">
-                <p:oleObj spid="_x0000_s48261" r:id="rId3" imgW="8230313" imgH="4828450" progId="Excel.Sheet.8">
+                <p:oleObj spid="_x0000_s48264" r:id="rId3" imgW="8230313" imgH="4828450" progId="Excel.Sheet.8">
                   <p:embed/>
                 </p:oleObj>
               </mc:Choice>
@@ -22637,7 +22732,7 @@
           <a:graphicData uri="http://schemas.openxmlformats.org/presentationml/2006/ole">
             <mc:AlternateContent xmlns:mc="http://schemas.openxmlformats.org/markup-compatibility/2006">
               <mc:Choice xmlns:v="urn:schemas-microsoft-com:vml" Requires="v">
-                <p:oleObj spid="_x0000_s49285" name="Chart" r:id="rId3" imgW="8229499" imgH="4524257" progId="MSGraph.Chart.8">
+                <p:oleObj spid="_x0000_s49288" name="Chart" r:id="rId3" imgW="8229499" imgH="4524257" progId="MSGraph.Chart.8">
                   <p:embed followColorScheme="full"/>
                 </p:oleObj>
               </mc:Choice>
@@ -24967,7 +25062,7 @@
           <a:graphicData uri="http://schemas.openxmlformats.org/presentationml/2006/ole">
             <mc:AlternateContent xmlns:mc="http://schemas.openxmlformats.org/markup-compatibility/2006">
               <mc:Choice xmlns:v="urn:schemas-microsoft-com:vml" Requires="v">
-                <p:oleObj spid="_x0000_s14469" r:id="rId3" imgW="8230313" imgH="4828450" progId="Excel.Sheet.8">
+                <p:oleObj spid="_x0000_s14472" r:id="rId3" imgW="8230313" imgH="4828450" progId="Excel.Sheet.8">
                   <p:embed/>
                 </p:oleObj>
               </mc:Choice>
@@ -26889,7 +26984,7 @@
           <a:graphicData uri="http://schemas.openxmlformats.org/presentationml/2006/ole">
             <mc:AlternateContent xmlns:mc="http://schemas.openxmlformats.org/markup-compatibility/2006">
               <mc:Choice xmlns:v="urn:schemas-microsoft-com:vml" Requires="v">
-                <p:oleObj spid="_x0000_s15493" name="Chart" r:id="rId3" imgW="8229546" imgH="4526388" progId="MSGraph.Chart.8">
+                <p:oleObj spid="_x0000_s15496" name="Chart" r:id="rId3" imgW="8229546" imgH="4526388" progId="MSGraph.Chart.8">
                   <p:embed followColorScheme="full"/>
                 </p:oleObj>
               </mc:Choice>
